--- a/Soutenance DALAS.pptx
+++ b/Soutenance DALAS.pptx
@@ -5,7 +5,7 @@
     <p:sldMasterId id="2147483702" r:id="rId1"/>
   </p:sldMasterIdLst>
   <p:notesMasterIdLst>
-    <p:notesMasterId r:id="rId11"/>
+    <p:notesMasterId r:id="rId13"/>
   </p:notesMasterIdLst>
   <p:sldIdLst>
     <p:sldId id="256" r:id="rId2"/>
@@ -14,9 +14,11 @@
     <p:sldId id="267" r:id="rId5"/>
     <p:sldId id="268" r:id="rId6"/>
     <p:sldId id="269" r:id="rId7"/>
-    <p:sldId id="264" r:id="rId8"/>
-    <p:sldId id="265" r:id="rId9"/>
-    <p:sldId id="266" r:id="rId10"/>
+    <p:sldId id="271" r:id="rId8"/>
+    <p:sldId id="272" r:id="rId9"/>
+    <p:sldId id="273" r:id="rId10"/>
+    <p:sldId id="264" r:id="rId11"/>
+    <p:sldId id="266" r:id="rId12"/>
   </p:sldIdLst>
   <p:sldSz cx="12192000" cy="6858000"/>
   <p:notesSz cx="6858000" cy="9144000"/>
@@ -1173,6 +1175,1027 @@
 </c:chartSpace>
 </file>
 
+<file path=ppt/charts/chart3.xml><?xml version="1.0" encoding="utf-8"?>
+<c:chartSpace xmlns:c="http://schemas.openxmlformats.org/drawingml/2006/chart" xmlns:a="http://schemas.openxmlformats.org/drawingml/2006/main" xmlns:r="http://schemas.openxmlformats.org/officeDocument/2006/relationships" xmlns:c16r2="http://schemas.microsoft.com/office/drawing/2015/06/chart">
+  <c:date1904 val="0"/>
+  <c:lang val="fr-FR"/>
+  <c:roundedCorners val="0"/>
+  <mc:AlternateContent xmlns:mc="http://schemas.openxmlformats.org/markup-compatibility/2006">
+    <mc:Choice xmlns:c14="http://schemas.microsoft.com/office/drawing/2007/8/2/chart" Requires="c14">
+      <c14:style val="102"/>
+    </mc:Choice>
+    <mc:Fallback>
+      <c:style val="2"/>
+    </mc:Fallback>
+  </mc:AlternateContent>
+  <c:chart>
+    <c:title>
+      <c:tx>
+        <c:rich>
+          <a:bodyPr rot="0" spcFirstLastPara="1" vertOverflow="ellipsis" vert="horz" wrap="square" anchor="ctr" anchorCtr="1"/>
+          <a:lstStyle/>
+          <a:p>
+            <a:pPr>
+              <a:defRPr sz="1862" b="0" i="0" u="none" strike="noStrike" kern="1200" spc="0" baseline="0">
+                <a:solidFill>
+                  <a:schemeClr val="tx1">
+                    <a:lumMod val="65000"/>
+                    <a:lumOff val="35000"/>
+                  </a:schemeClr>
+                </a:solidFill>
+                <a:latin typeface="+mn-lt"/>
+                <a:ea typeface="+mn-ea"/>
+                <a:cs typeface="+mn-cs"/>
+              </a:defRPr>
+            </a:pPr>
+            <a:r>
+              <a:rPr lang="fr-FR" dirty="0"/>
+              <a:t>Win Rate</a:t>
+            </a:r>
+            <a:r>
+              <a:rPr lang="fr-FR" baseline="0" dirty="0"/>
+              <a:t> relative to goals </a:t>
+            </a:r>
+            <a:r>
+              <a:rPr lang="fr-FR" baseline="0" dirty="0" err="1"/>
+              <a:t>scored</a:t>
+            </a:r>
+            <a:r>
+              <a:rPr lang="fr-FR" baseline="0" dirty="0"/>
+              <a:t> and </a:t>
+            </a:r>
+            <a:r>
+              <a:rPr lang="fr-FR" baseline="0" dirty="0" err="1"/>
+              <a:t>conceded</a:t>
+            </a:r>
+            <a:r>
+              <a:rPr lang="fr-FR" baseline="0" dirty="0"/>
+              <a:t> (last 3 matches)</a:t>
+            </a:r>
+          </a:p>
+        </c:rich>
+      </c:tx>
+      <c:overlay val="0"/>
+      <c:spPr>
+        <a:noFill/>
+        <a:ln>
+          <a:noFill/>
+        </a:ln>
+        <a:effectLst/>
+      </c:spPr>
+      <c:txPr>
+        <a:bodyPr rot="0" spcFirstLastPara="1" vertOverflow="ellipsis" vert="horz" wrap="square" anchor="ctr" anchorCtr="1"/>
+        <a:lstStyle/>
+        <a:p>
+          <a:pPr>
+            <a:defRPr sz="1862" b="0" i="0" u="none" strike="noStrike" kern="1200" spc="0" baseline="0">
+              <a:solidFill>
+                <a:schemeClr val="tx1">
+                  <a:lumMod val="65000"/>
+                  <a:lumOff val="35000"/>
+                </a:schemeClr>
+              </a:solidFill>
+              <a:latin typeface="+mn-lt"/>
+              <a:ea typeface="+mn-ea"/>
+              <a:cs typeface="+mn-cs"/>
+            </a:defRPr>
+          </a:pPr>
+          <a:endParaRPr lang="fr-FR"/>
+        </a:p>
+      </c:txPr>
+    </c:title>
+    <c:autoTitleDeleted val="0"/>
+    <c:plotArea>
+      <c:layout/>
+      <c:barChart>
+        <c:barDir val="col"/>
+        <c:grouping val="clustered"/>
+        <c:varyColors val="0"/>
+        <c:ser>
+          <c:idx val="0"/>
+          <c:order val="0"/>
+          <c:tx>
+            <c:strRef>
+              <c:f>Feuil1!$B$1</c:f>
+              <c:strCache>
+                <c:ptCount val="1"/>
+                <c:pt idx="0">
+                  <c:v>Goals Scored</c:v>
+                </c:pt>
+              </c:strCache>
+            </c:strRef>
+          </c:tx>
+          <c:spPr>
+            <a:solidFill>
+              <a:schemeClr val="accent1"/>
+            </a:solidFill>
+            <a:ln>
+              <a:noFill/>
+            </a:ln>
+            <a:effectLst/>
+          </c:spPr>
+          <c:invertIfNegative val="0"/>
+          <c:trendline>
+            <c:spPr>
+              <a:ln w="19050" cap="rnd">
+                <a:solidFill>
+                  <a:schemeClr val="accent1"/>
+                </a:solidFill>
+                <a:prstDash val="sysDot"/>
+              </a:ln>
+              <a:effectLst/>
+            </c:spPr>
+            <c:trendlineType val="linear"/>
+            <c:dispRSqr val="0"/>
+            <c:dispEq val="0"/>
+          </c:trendline>
+          <c:cat>
+            <c:numRef>
+              <c:f>Feuil1!$A$2:$A$16</c:f>
+              <c:numCache>
+                <c:formatCode>General</c:formatCode>
+                <c:ptCount val="15"/>
+                <c:pt idx="0">
+                  <c:v>0</c:v>
+                </c:pt>
+                <c:pt idx="1">
+                  <c:v>1</c:v>
+                </c:pt>
+                <c:pt idx="2">
+                  <c:v>2</c:v>
+                </c:pt>
+                <c:pt idx="3">
+                  <c:v>3</c:v>
+                </c:pt>
+                <c:pt idx="4">
+                  <c:v>4</c:v>
+                </c:pt>
+                <c:pt idx="5">
+                  <c:v>5</c:v>
+                </c:pt>
+                <c:pt idx="6">
+                  <c:v>6</c:v>
+                </c:pt>
+                <c:pt idx="7">
+                  <c:v>7</c:v>
+                </c:pt>
+                <c:pt idx="8">
+                  <c:v>8</c:v>
+                </c:pt>
+                <c:pt idx="9">
+                  <c:v>9</c:v>
+                </c:pt>
+                <c:pt idx="10">
+                  <c:v>10</c:v>
+                </c:pt>
+                <c:pt idx="11">
+                  <c:v>11</c:v>
+                </c:pt>
+                <c:pt idx="12">
+                  <c:v>12</c:v>
+                </c:pt>
+                <c:pt idx="13">
+                  <c:v>13</c:v>
+                </c:pt>
+                <c:pt idx="14">
+                  <c:v>14</c:v>
+                </c:pt>
+              </c:numCache>
+            </c:numRef>
+          </c:cat>
+          <c:val>
+            <c:numRef>
+              <c:f>Feuil1!$B$2:$B$16</c:f>
+              <c:numCache>
+                <c:formatCode>General</c:formatCode>
+                <c:ptCount val="15"/>
+                <c:pt idx="0">
+                  <c:v>0.2</c:v>
+                </c:pt>
+                <c:pt idx="1">
+                  <c:v>0.28999999999999998</c:v>
+                </c:pt>
+                <c:pt idx="2">
+                  <c:v>0.35</c:v>
+                </c:pt>
+                <c:pt idx="3">
+                  <c:v>0.38</c:v>
+                </c:pt>
+                <c:pt idx="4">
+                  <c:v>0.39500000000000002</c:v>
+                </c:pt>
+                <c:pt idx="5">
+                  <c:v>0.40500000000000003</c:v>
+                </c:pt>
+                <c:pt idx="6">
+                  <c:v>0.41499999999999998</c:v>
+                </c:pt>
+                <c:pt idx="7">
+                  <c:v>0.41199999999999998</c:v>
+                </c:pt>
+                <c:pt idx="8">
+                  <c:v>0.5</c:v>
+                </c:pt>
+                <c:pt idx="9">
+                  <c:v>0.56999999999999995</c:v>
+                </c:pt>
+                <c:pt idx="10">
+                  <c:v>0.5</c:v>
+                </c:pt>
+                <c:pt idx="11">
+                  <c:v>0.61</c:v>
+                </c:pt>
+                <c:pt idx="12">
+                  <c:v>0.47</c:v>
+                </c:pt>
+                <c:pt idx="13">
+                  <c:v>0.62</c:v>
+                </c:pt>
+                <c:pt idx="14">
+                  <c:v>0.62</c:v>
+                </c:pt>
+              </c:numCache>
+            </c:numRef>
+          </c:val>
+          <c:extLst>
+            <c:ext xmlns:c16="http://schemas.microsoft.com/office/drawing/2014/chart" uri="{C3380CC4-5D6E-409C-BE32-E72D297353CC}">
+              <c16:uniqueId val="{00000000-5D89-462B-816B-3FAC74378C36}"/>
+            </c:ext>
+          </c:extLst>
+        </c:ser>
+        <c:ser>
+          <c:idx val="1"/>
+          <c:order val="1"/>
+          <c:tx>
+            <c:strRef>
+              <c:f>Feuil1!$C$1</c:f>
+              <c:strCache>
+                <c:ptCount val="1"/>
+                <c:pt idx="0">
+                  <c:v>Goals Conceded</c:v>
+                </c:pt>
+              </c:strCache>
+            </c:strRef>
+          </c:tx>
+          <c:spPr>
+            <a:solidFill>
+              <a:schemeClr val="accent2"/>
+            </a:solidFill>
+            <a:ln>
+              <a:noFill/>
+            </a:ln>
+            <a:effectLst/>
+          </c:spPr>
+          <c:invertIfNegative val="0"/>
+          <c:trendline>
+            <c:spPr>
+              <a:ln w="19050" cap="rnd">
+                <a:solidFill>
+                  <a:schemeClr val="accent2"/>
+                </a:solidFill>
+                <a:prstDash val="sysDot"/>
+              </a:ln>
+              <a:effectLst/>
+            </c:spPr>
+            <c:trendlineType val="linear"/>
+            <c:dispRSqr val="0"/>
+            <c:dispEq val="0"/>
+          </c:trendline>
+          <c:cat>
+            <c:numRef>
+              <c:f>Feuil1!$A$2:$A$16</c:f>
+              <c:numCache>
+                <c:formatCode>General</c:formatCode>
+                <c:ptCount val="15"/>
+                <c:pt idx="0">
+                  <c:v>0</c:v>
+                </c:pt>
+                <c:pt idx="1">
+                  <c:v>1</c:v>
+                </c:pt>
+                <c:pt idx="2">
+                  <c:v>2</c:v>
+                </c:pt>
+                <c:pt idx="3">
+                  <c:v>3</c:v>
+                </c:pt>
+                <c:pt idx="4">
+                  <c:v>4</c:v>
+                </c:pt>
+                <c:pt idx="5">
+                  <c:v>5</c:v>
+                </c:pt>
+                <c:pt idx="6">
+                  <c:v>6</c:v>
+                </c:pt>
+                <c:pt idx="7">
+                  <c:v>7</c:v>
+                </c:pt>
+                <c:pt idx="8">
+                  <c:v>8</c:v>
+                </c:pt>
+                <c:pt idx="9">
+                  <c:v>9</c:v>
+                </c:pt>
+                <c:pt idx="10">
+                  <c:v>10</c:v>
+                </c:pt>
+                <c:pt idx="11">
+                  <c:v>11</c:v>
+                </c:pt>
+                <c:pt idx="12">
+                  <c:v>12</c:v>
+                </c:pt>
+                <c:pt idx="13">
+                  <c:v>13</c:v>
+                </c:pt>
+                <c:pt idx="14">
+                  <c:v>14</c:v>
+                </c:pt>
+              </c:numCache>
+            </c:numRef>
+          </c:cat>
+          <c:val>
+            <c:numRef>
+              <c:f>Feuil1!$C$2:$C$16</c:f>
+              <c:numCache>
+                <c:formatCode>General</c:formatCode>
+                <c:ptCount val="15"/>
+                <c:pt idx="0">
+                  <c:v>0.51</c:v>
+                </c:pt>
+                <c:pt idx="1">
+                  <c:v>0.42</c:v>
+                </c:pt>
+                <c:pt idx="2">
+                  <c:v>0.40500000000000003</c:v>
+                </c:pt>
+                <c:pt idx="3">
+                  <c:v>0.39800000000000002</c:v>
+                </c:pt>
+                <c:pt idx="4">
+                  <c:v>0.38800000000000001</c:v>
+                </c:pt>
+                <c:pt idx="5">
+                  <c:v>0.36</c:v>
+                </c:pt>
+                <c:pt idx="6">
+                  <c:v>0.3</c:v>
+                </c:pt>
+                <c:pt idx="7">
+                  <c:v>0.28999999999999998</c:v>
+                </c:pt>
+                <c:pt idx="8">
+                  <c:v>0.27</c:v>
+                </c:pt>
+                <c:pt idx="9">
+                  <c:v>0.28000000000000003</c:v>
+                </c:pt>
+                <c:pt idx="10">
+                  <c:v>0.26</c:v>
+                </c:pt>
+                <c:pt idx="11">
+                  <c:v>0.3</c:v>
+                </c:pt>
+                <c:pt idx="12">
+                  <c:v>0.26</c:v>
+                </c:pt>
+                <c:pt idx="13">
+                  <c:v>0.2</c:v>
+                </c:pt>
+                <c:pt idx="14">
+                  <c:v>0.5</c:v>
+                </c:pt>
+              </c:numCache>
+            </c:numRef>
+          </c:val>
+          <c:extLst>
+            <c:ext xmlns:c16="http://schemas.microsoft.com/office/drawing/2014/chart" uri="{C3380CC4-5D6E-409C-BE32-E72D297353CC}">
+              <c16:uniqueId val="{00000001-5D89-462B-816B-3FAC74378C36}"/>
+            </c:ext>
+          </c:extLst>
+        </c:ser>
+        <c:dLbls>
+          <c:showLegendKey val="0"/>
+          <c:showVal val="0"/>
+          <c:showCatName val="0"/>
+          <c:showSerName val="0"/>
+          <c:showPercent val="0"/>
+          <c:showBubbleSize val="0"/>
+        </c:dLbls>
+        <c:gapWidth val="125"/>
+        <c:overlap val="-27"/>
+        <c:axId val="1074920112"/>
+        <c:axId val="1074914832"/>
+      </c:barChart>
+      <c:catAx>
+        <c:axId val="1074920112"/>
+        <c:scaling>
+          <c:orientation val="minMax"/>
+        </c:scaling>
+        <c:delete val="0"/>
+        <c:axPos val="b"/>
+        <c:title>
+          <c:tx>
+            <c:rich>
+              <a:bodyPr rot="0" spcFirstLastPara="1" vertOverflow="ellipsis" vert="horz" wrap="square" anchor="ctr" anchorCtr="1"/>
+              <a:lstStyle/>
+              <a:p>
+                <a:pPr>
+                  <a:defRPr sz="1330" b="0" i="0" u="none" strike="noStrike" kern="1200" baseline="0">
+                    <a:solidFill>
+                      <a:schemeClr val="tx1">
+                        <a:lumMod val="65000"/>
+                        <a:lumOff val="35000"/>
+                      </a:schemeClr>
+                    </a:solidFill>
+                    <a:latin typeface="+mn-lt"/>
+                    <a:ea typeface="+mn-ea"/>
+                    <a:cs typeface="+mn-cs"/>
+                  </a:defRPr>
+                </a:pPr>
+                <a:r>
+                  <a:rPr lang="fr-FR" dirty="0"/>
+                  <a:t>Goals</a:t>
+                </a:r>
+              </a:p>
+            </c:rich>
+          </c:tx>
+          <c:overlay val="0"/>
+          <c:spPr>
+            <a:noFill/>
+            <a:ln>
+              <a:noFill/>
+            </a:ln>
+            <a:effectLst/>
+          </c:spPr>
+          <c:txPr>
+            <a:bodyPr rot="0" spcFirstLastPara="1" vertOverflow="ellipsis" vert="horz" wrap="square" anchor="ctr" anchorCtr="1"/>
+            <a:lstStyle/>
+            <a:p>
+              <a:pPr>
+                <a:defRPr sz="1330" b="0" i="0" u="none" strike="noStrike" kern="1200" baseline="0">
+                  <a:solidFill>
+                    <a:schemeClr val="tx1">
+                      <a:lumMod val="65000"/>
+                      <a:lumOff val="35000"/>
+                    </a:schemeClr>
+                  </a:solidFill>
+                  <a:latin typeface="+mn-lt"/>
+                  <a:ea typeface="+mn-ea"/>
+                  <a:cs typeface="+mn-cs"/>
+                </a:defRPr>
+              </a:pPr>
+              <a:endParaRPr lang="fr-FR"/>
+            </a:p>
+          </c:txPr>
+        </c:title>
+        <c:numFmt formatCode="General" sourceLinked="1"/>
+        <c:majorTickMark val="none"/>
+        <c:minorTickMark val="none"/>
+        <c:tickLblPos val="nextTo"/>
+        <c:spPr>
+          <a:noFill/>
+          <a:ln w="9525" cap="flat" cmpd="sng" algn="ctr">
+            <a:solidFill>
+              <a:schemeClr val="tx1">
+                <a:lumMod val="15000"/>
+                <a:lumOff val="85000"/>
+              </a:schemeClr>
+            </a:solidFill>
+            <a:round/>
+          </a:ln>
+          <a:effectLst/>
+        </c:spPr>
+        <c:txPr>
+          <a:bodyPr rot="-60000000" spcFirstLastPara="1" vertOverflow="ellipsis" vert="horz" wrap="square" anchor="ctr" anchorCtr="1"/>
+          <a:lstStyle/>
+          <a:p>
+            <a:pPr>
+              <a:defRPr sz="1197" b="0" i="0" u="none" strike="noStrike" kern="1200" baseline="0">
+                <a:solidFill>
+                  <a:schemeClr val="tx1">
+                    <a:lumMod val="65000"/>
+                    <a:lumOff val="35000"/>
+                  </a:schemeClr>
+                </a:solidFill>
+                <a:latin typeface="+mn-lt"/>
+                <a:ea typeface="+mn-ea"/>
+                <a:cs typeface="+mn-cs"/>
+              </a:defRPr>
+            </a:pPr>
+            <a:endParaRPr lang="fr-FR"/>
+          </a:p>
+        </c:txPr>
+        <c:crossAx val="1074914832"/>
+        <c:crosses val="autoZero"/>
+        <c:auto val="1"/>
+        <c:lblAlgn val="ctr"/>
+        <c:lblOffset val="100"/>
+        <c:noMultiLvlLbl val="0"/>
+      </c:catAx>
+      <c:valAx>
+        <c:axId val="1074914832"/>
+        <c:scaling>
+          <c:orientation val="minMax"/>
+          <c:max val="0.8"/>
+        </c:scaling>
+        <c:delete val="0"/>
+        <c:axPos val="l"/>
+        <c:majorGridlines>
+          <c:spPr>
+            <a:ln w="9525" cap="flat" cmpd="sng" algn="ctr">
+              <a:solidFill>
+                <a:schemeClr val="tx1">
+                  <a:lumMod val="15000"/>
+                  <a:lumOff val="85000"/>
+                </a:schemeClr>
+              </a:solidFill>
+              <a:round/>
+            </a:ln>
+            <a:effectLst/>
+          </c:spPr>
+        </c:majorGridlines>
+        <c:title>
+          <c:tx>
+            <c:rich>
+              <a:bodyPr rot="-5400000" spcFirstLastPara="1" vertOverflow="ellipsis" vert="horz" wrap="square" anchor="ctr" anchorCtr="1"/>
+              <a:lstStyle/>
+              <a:p>
+                <a:pPr>
+                  <a:defRPr sz="1330" b="0" i="0" u="none" strike="noStrike" kern="1200" baseline="0">
+                    <a:solidFill>
+                      <a:schemeClr val="tx1">
+                        <a:lumMod val="65000"/>
+                        <a:lumOff val="35000"/>
+                      </a:schemeClr>
+                    </a:solidFill>
+                    <a:latin typeface="+mn-lt"/>
+                    <a:ea typeface="+mn-ea"/>
+                    <a:cs typeface="+mn-cs"/>
+                  </a:defRPr>
+                </a:pPr>
+                <a:r>
+                  <a:rPr lang="fr-FR" dirty="0"/>
+                  <a:t>Win rate</a:t>
+                </a:r>
+              </a:p>
+            </c:rich>
+          </c:tx>
+          <c:overlay val="0"/>
+          <c:spPr>
+            <a:noFill/>
+            <a:ln>
+              <a:noFill/>
+            </a:ln>
+            <a:effectLst/>
+          </c:spPr>
+          <c:txPr>
+            <a:bodyPr rot="-5400000" spcFirstLastPara="1" vertOverflow="ellipsis" vert="horz" wrap="square" anchor="ctr" anchorCtr="1"/>
+            <a:lstStyle/>
+            <a:p>
+              <a:pPr>
+                <a:defRPr sz="1330" b="0" i="0" u="none" strike="noStrike" kern="1200" baseline="0">
+                  <a:solidFill>
+                    <a:schemeClr val="tx1">
+                      <a:lumMod val="65000"/>
+                      <a:lumOff val="35000"/>
+                    </a:schemeClr>
+                  </a:solidFill>
+                  <a:latin typeface="+mn-lt"/>
+                  <a:ea typeface="+mn-ea"/>
+                  <a:cs typeface="+mn-cs"/>
+                </a:defRPr>
+              </a:pPr>
+              <a:endParaRPr lang="fr-FR"/>
+            </a:p>
+          </c:txPr>
+        </c:title>
+        <c:numFmt formatCode="General" sourceLinked="1"/>
+        <c:majorTickMark val="none"/>
+        <c:minorTickMark val="none"/>
+        <c:tickLblPos val="nextTo"/>
+        <c:spPr>
+          <a:noFill/>
+          <a:ln>
+            <a:noFill/>
+          </a:ln>
+          <a:effectLst/>
+        </c:spPr>
+        <c:txPr>
+          <a:bodyPr rot="-60000000" spcFirstLastPara="1" vertOverflow="ellipsis" vert="horz" wrap="square" anchor="ctr" anchorCtr="1"/>
+          <a:lstStyle/>
+          <a:p>
+            <a:pPr>
+              <a:defRPr sz="1197" b="0" i="0" u="none" strike="noStrike" kern="1200" baseline="0">
+                <a:solidFill>
+                  <a:schemeClr val="tx1">
+                    <a:lumMod val="65000"/>
+                    <a:lumOff val="35000"/>
+                  </a:schemeClr>
+                </a:solidFill>
+                <a:latin typeface="+mn-lt"/>
+                <a:ea typeface="+mn-ea"/>
+                <a:cs typeface="+mn-cs"/>
+              </a:defRPr>
+            </a:pPr>
+            <a:endParaRPr lang="fr-FR"/>
+          </a:p>
+        </c:txPr>
+        <c:crossAx val="1074920112"/>
+        <c:crosses val="autoZero"/>
+        <c:crossBetween val="between"/>
+        <c:majorUnit val="0.2"/>
+      </c:valAx>
+      <c:spPr>
+        <a:noFill/>
+        <a:ln>
+          <a:noFill/>
+        </a:ln>
+        <a:effectLst/>
+      </c:spPr>
+    </c:plotArea>
+    <c:legend>
+      <c:legendPos val="b"/>
+      <c:legendEntry>
+        <c:idx val="2"/>
+        <c:delete val="1"/>
+      </c:legendEntry>
+      <c:legendEntry>
+        <c:idx val="3"/>
+        <c:delete val="1"/>
+      </c:legendEntry>
+      <c:overlay val="0"/>
+      <c:spPr>
+        <a:noFill/>
+        <a:ln>
+          <a:noFill/>
+        </a:ln>
+        <a:effectLst/>
+      </c:spPr>
+      <c:txPr>
+        <a:bodyPr rot="0" spcFirstLastPara="1" vertOverflow="ellipsis" vert="horz" wrap="square" anchor="ctr" anchorCtr="1"/>
+        <a:lstStyle/>
+        <a:p>
+          <a:pPr>
+            <a:defRPr sz="1197" b="0" i="0" u="none" strike="noStrike" kern="1200" baseline="0">
+              <a:solidFill>
+                <a:schemeClr val="tx1">
+                  <a:lumMod val="65000"/>
+                  <a:lumOff val="35000"/>
+                </a:schemeClr>
+              </a:solidFill>
+              <a:latin typeface="+mn-lt"/>
+              <a:ea typeface="+mn-ea"/>
+              <a:cs typeface="+mn-cs"/>
+            </a:defRPr>
+          </a:pPr>
+          <a:endParaRPr lang="fr-FR"/>
+        </a:p>
+      </c:txPr>
+    </c:legend>
+    <c:plotVisOnly val="1"/>
+    <c:dispBlanksAs val="gap"/>
+    <c:extLst>
+      <c:ext xmlns:c16r3="http://schemas.microsoft.com/office/drawing/2017/03/chart" uri="{56B9EC1D-385E-4148-901F-78D8002777C0}">
+        <c16r3:dataDisplayOptions16>
+          <c16r3:dispNaAsBlank val="1"/>
+        </c16r3:dataDisplayOptions16>
+      </c:ext>
+    </c:extLst>
+    <c:showDLblsOverMax val="0"/>
+  </c:chart>
+  <c:spPr>
+    <a:noFill/>
+    <a:ln>
+      <a:noFill/>
+    </a:ln>
+    <a:effectLst/>
+  </c:spPr>
+  <c:txPr>
+    <a:bodyPr/>
+    <a:lstStyle/>
+    <a:p>
+      <a:pPr>
+        <a:defRPr/>
+      </a:pPr>
+      <a:endParaRPr lang="fr-FR"/>
+    </a:p>
+  </c:txPr>
+  <c:externalData r:id="rId3">
+    <c:autoUpdate val="0"/>
+  </c:externalData>
+</c:chartSpace>
+</file>
+
+<file path=ppt/charts/chart4.xml><?xml version="1.0" encoding="utf-8"?>
+<c:chartSpace xmlns:c="http://schemas.openxmlformats.org/drawingml/2006/chart" xmlns:a="http://schemas.openxmlformats.org/drawingml/2006/main" xmlns:r="http://schemas.openxmlformats.org/officeDocument/2006/relationships" xmlns:c16r2="http://schemas.microsoft.com/office/drawing/2015/06/chart">
+  <c:date1904 val="0"/>
+  <c:lang val="fr-FR"/>
+  <c:roundedCorners val="0"/>
+  <mc:AlternateContent xmlns:mc="http://schemas.openxmlformats.org/markup-compatibility/2006">
+    <mc:Choice xmlns:c14="http://schemas.microsoft.com/office/drawing/2007/8/2/chart" Requires="c14">
+      <c14:style val="102"/>
+    </mc:Choice>
+    <mc:Fallback>
+      <c:style val="2"/>
+    </mc:Fallback>
+  </mc:AlternateContent>
+  <c:chart>
+    <c:title>
+      <c:overlay val="0"/>
+      <c:spPr>
+        <a:noFill/>
+        <a:ln>
+          <a:noFill/>
+        </a:ln>
+        <a:effectLst/>
+      </c:spPr>
+      <c:txPr>
+        <a:bodyPr rot="0" spcFirstLastPara="1" vertOverflow="ellipsis" vert="horz" wrap="square" anchor="ctr" anchorCtr="1"/>
+        <a:lstStyle/>
+        <a:p>
+          <a:pPr>
+            <a:defRPr sz="1862" b="0" i="0" u="none" strike="noStrike" kern="1200" spc="0" baseline="0">
+              <a:solidFill>
+                <a:schemeClr val="tx1">
+                  <a:lumMod val="65000"/>
+                  <a:lumOff val="35000"/>
+                </a:schemeClr>
+              </a:solidFill>
+              <a:latin typeface="+mn-lt"/>
+              <a:ea typeface="+mn-ea"/>
+              <a:cs typeface="+mn-cs"/>
+            </a:defRPr>
+          </a:pPr>
+          <a:endParaRPr lang="fr-FR"/>
+        </a:p>
+      </c:txPr>
+    </c:title>
+    <c:autoTitleDeleted val="0"/>
+    <c:plotArea>
+      <c:layout/>
+      <c:scatterChart>
+        <c:scatterStyle val="lineMarker"/>
+        <c:varyColors val="0"/>
+        <c:ser>
+          <c:idx val="0"/>
+          <c:order val="0"/>
+          <c:tx>
+            <c:strRef>
+              <c:f>Feuil1!$B$1</c:f>
+              <c:strCache>
+                <c:ptCount val="1"/>
+                <c:pt idx="0">
+                  <c:v>Valeur des Y</c:v>
+                </c:pt>
+              </c:strCache>
+            </c:strRef>
+          </c:tx>
+          <c:spPr>
+            <a:ln w="19050" cap="rnd">
+              <a:solidFill>
+                <a:schemeClr val="accent1"/>
+              </a:solidFill>
+              <a:round/>
+            </a:ln>
+            <a:effectLst/>
+          </c:spPr>
+          <c:marker>
+            <c:symbol val="circle"/>
+            <c:size val="5"/>
+            <c:spPr>
+              <a:solidFill>
+                <a:schemeClr val="accent1"/>
+              </a:solidFill>
+              <a:ln w="9525">
+                <a:solidFill>
+                  <a:schemeClr val="accent1"/>
+                </a:solidFill>
+              </a:ln>
+              <a:effectLst/>
+            </c:spPr>
+          </c:marker>
+          <c:xVal>
+            <c:numRef>
+              <c:f>Feuil1!$A$2:$A$4</c:f>
+              <c:numCache>
+                <c:formatCode>General</c:formatCode>
+                <c:ptCount val="3"/>
+                <c:pt idx="0">
+                  <c:v>0.7</c:v>
+                </c:pt>
+                <c:pt idx="1">
+                  <c:v>1.8</c:v>
+                </c:pt>
+                <c:pt idx="2">
+                  <c:v>2.6</c:v>
+                </c:pt>
+              </c:numCache>
+            </c:numRef>
+          </c:xVal>
+          <c:yVal>
+            <c:numRef>
+              <c:f>Feuil1!$B$2:$B$4</c:f>
+              <c:numCache>
+                <c:formatCode>General</c:formatCode>
+                <c:ptCount val="3"/>
+                <c:pt idx="0">
+                  <c:v>2.7</c:v>
+                </c:pt>
+                <c:pt idx="1">
+                  <c:v>3.2</c:v>
+                </c:pt>
+                <c:pt idx="2">
+                  <c:v>0.8</c:v>
+                </c:pt>
+              </c:numCache>
+            </c:numRef>
+          </c:yVal>
+          <c:smooth val="0"/>
+          <c:extLst>
+            <c:ext xmlns:c16="http://schemas.microsoft.com/office/drawing/2014/chart" uri="{C3380CC4-5D6E-409C-BE32-E72D297353CC}">
+              <c16:uniqueId val="{00000000-0640-4F3E-BE29-2C5F2E851F73}"/>
+            </c:ext>
+          </c:extLst>
+        </c:ser>
+        <c:dLbls>
+          <c:showLegendKey val="0"/>
+          <c:showVal val="0"/>
+          <c:showCatName val="0"/>
+          <c:showSerName val="0"/>
+          <c:showPercent val="0"/>
+          <c:showBubbleSize val="0"/>
+        </c:dLbls>
+        <c:axId val="938728112"/>
+        <c:axId val="938725712"/>
+      </c:scatterChart>
+      <c:valAx>
+        <c:axId val="938728112"/>
+        <c:scaling>
+          <c:orientation val="minMax"/>
+        </c:scaling>
+        <c:delete val="0"/>
+        <c:axPos val="b"/>
+        <c:majorGridlines>
+          <c:spPr>
+            <a:ln w="9525" cap="flat" cmpd="sng" algn="ctr">
+              <a:solidFill>
+                <a:schemeClr val="tx1">
+                  <a:lumMod val="15000"/>
+                  <a:lumOff val="85000"/>
+                </a:schemeClr>
+              </a:solidFill>
+              <a:round/>
+            </a:ln>
+            <a:effectLst/>
+          </c:spPr>
+        </c:majorGridlines>
+        <c:numFmt formatCode="General" sourceLinked="1"/>
+        <c:majorTickMark val="none"/>
+        <c:minorTickMark val="none"/>
+        <c:tickLblPos val="nextTo"/>
+        <c:spPr>
+          <a:noFill/>
+          <a:ln w="9525" cap="flat" cmpd="sng" algn="ctr">
+            <a:solidFill>
+              <a:schemeClr val="tx1">
+                <a:lumMod val="25000"/>
+                <a:lumOff val="75000"/>
+              </a:schemeClr>
+            </a:solidFill>
+            <a:round/>
+          </a:ln>
+          <a:effectLst/>
+        </c:spPr>
+        <c:txPr>
+          <a:bodyPr rot="-60000000" spcFirstLastPara="1" vertOverflow="ellipsis" vert="horz" wrap="square" anchor="ctr" anchorCtr="1"/>
+          <a:lstStyle/>
+          <a:p>
+            <a:pPr>
+              <a:defRPr sz="1197" b="0" i="0" u="none" strike="noStrike" kern="1200" baseline="0">
+                <a:solidFill>
+                  <a:schemeClr val="tx1">
+                    <a:lumMod val="65000"/>
+                    <a:lumOff val="35000"/>
+                  </a:schemeClr>
+                </a:solidFill>
+                <a:latin typeface="+mn-lt"/>
+                <a:ea typeface="+mn-ea"/>
+                <a:cs typeface="+mn-cs"/>
+              </a:defRPr>
+            </a:pPr>
+            <a:endParaRPr lang="fr-FR"/>
+          </a:p>
+        </c:txPr>
+        <c:crossAx val="938725712"/>
+        <c:crosses val="autoZero"/>
+        <c:crossBetween val="midCat"/>
+      </c:valAx>
+      <c:valAx>
+        <c:axId val="938725712"/>
+        <c:scaling>
+          <c:orientation val="minMax"/>
+        </c:scaling>
+        <c:delete val="0"/>
+        <c:axPos val="l"/>
+        <c:majorGridlines>
+          <c:spPr>
+            <a:ln w="9525" cap="flat" cmpd="sng" algn="ctr">
+              <a:solidFill>
+                <a:schemeClr val="tx1">
+                  <a:lumMod val="15000"/>
+                  <a:lumOff val="85000"/>
+                </a:schemeClr>
+              </a:solidFill>
+              <a:round/>
+            </a:ln>
+            <a:effectLst/>
+          </c:spPr>
+        </c:majorGridlines>
+        <c:numFmt formatCode="General" sourceLinked="1"/>
+        <c:majorTickMark val="none"/>
+        <c:minorTickMark val="none"/>
+        <c:tickLblPos val="nextTo"/>
+        <c:spPr>
+          <a:noFill/>
+          <a:ln w="9525" cap="flat" cmpd="sng" algn="ctr">
+            <a:solidFill>
+              <a:schemeClr val="tx1">
+                <a:lumMod val="25000"/>
+                <a:lumOff val="75000"/>
+              </a:schemeClr>
+            </a:solidFill>
+            <a:round/>
+          </a:ln>
+          <a:effectLst/>
+        </c:spPr>
+        <c:txPr>
+          <a:bodyPr rot="-60000000" spcFirstLastPara="1" vertOverflow="ellipsis" vert="horz" wrap="square" anchor="ctr" anchorCtr="1"/>
+          <a:lstStyle/>
+          <a:p>
+            <a:pPr>
+              <a:defRPr sz="1197" b="0" i="0" u="none" strike="noStrike" kern="1200" baseline="0">
+                <a:solidFill>
+                  <a:schemeClr val="tx1">
+                    <a:lumMod val="65000"/>
+                    <a:lumOff val="35000"/>
+                  </a:schemeClr>
+                </a:solidFill>
+                <a:latin typeface="+mn-lt"/>
+                <a:ea typeface="+mn-ea"/>
+                <a:cs typeface="+mn-cs"/>
+              </a:defRPr>
+            </a:pPr>
+            <a:endParaRPr lang="fr-FR"/>
+          </a:p>
+        </c:txPr>
+        <c:crossAx val="938728112"/>
+        <c:crosses val="autoZero"/>
+        <c:crossBetween val="midCat"/>
+      </c:valAx>
+      <c:spPr>
+        <a:noFill/>
+        <a:ln>
+          <a:noFill/>
+        </a:ln>
+        <a:effectLst/>
+      </c:spPr>
+    </c:plotArea>
+    <c:plotVisOnly val="1"/>
+    <c:dispBlanksAs val="gap"/>
+    <c:extLst>
+      <c:ext xmlns:c16r3="http://schemas.microsoft.com/office/drawing/2017/03/chart" uri="{56B9EC1D-385E-4148-901F-78D8002777C0}">
+        <c16r3:dataDisplayOptions16>
+          <c16r3:dispNaAsBlank val="1"/>
+        </c16r3:dataDisplayOptions16>
+      </c:ext>
+    </c:extLst>
+    <c:showDLblsOverMax val="0"/>
+  </c:chart>
+  <c:spPr>
+    <a:noFill/>
+    <a:ln>
+      <a:noFill/>
+    </a:ln>
+    <a:effectLst/>
+  </c:spPr>
+  <c:txPr>
+    <a:bodyPr/>
+    <a:lstStyle/>
+    <a:p>
+      <a:pPr>
+        <a:defRPr/>
+      </a:pPr>
+      <a:endParaRPr lang="fr-FR"/>
+    </a:p>
+  </c:txPr>
+  <c:externalData r:id="rId3">
+    <c:autoUpdate val="0"/>
+  </c:externalData>
+</c:chartSpace>
+</file>
+
 <file path=ppt/charts/colors1.xml><?xml version="1.0" encoding="utf-8"?>
 <cs:colorStyle xmlns:cs="http://schemas.microsoft.com/office/drawing/2012/chartStyle" xmlns:a="http://schemas.openxmlformats.org/drawingml/2006/main" meth="cycle" id="10">
   <a:schemeClr val="accent1"/>
@@ -1214,6 +2237,86 @@
 </file>
 
 <file path=ppt/charts/colors2.xml><?xml version="1.0" encoding="utf-8"?>
+<cs:colorStyle xmlns:cs="http://schemas.microsoft.com/office/drawing/2012/chartStyle" xmlns:a="http://schemas.openxmlformats.org/drawingml/2006/main" meth="cycle" id="10">
+  <a:schemeClr val="accent1"/>
+  <a:schemeClr val="accent2"/>
+  <a:schemeClr val="accent3"/>
+  <a:schemeClr val="accent4"/>
+  <a:schemeClr val="accent5"/>
+  <a:schemeClr val="accent6"/>
+  <cs:variation/>
+  <cs:variation>
+    <a:lumMod val="60000"/>
+  </cs:variation>
+  <cs:variation>
+    <a:lumMod val="80000"/>
+    <a:lumOff val="20000"/>
+  </cs:variation>
+  <cs:variation>
+    <a:lumMod val="80000"/>
+  </cs:variation>
+  <cs:variation>
+    <a:lumMod val="60000"/>
+    <a:lumOff val="40000"/>
+  </cs:variation>
+  <cs:variation>
+    <a:lumMod val="50000"/>
+  </cs:variation>
+  <cs:variation>
+    <a:lumMod val="70000"/>
+    <a:lumOff val="30000"/>
+  </cs:variation>
+  <cs:variation>
+    <a:lumMod val="70000"/>
+  </cs:variation>
+  <cs:variation>
+    <a:lumMod val="50000"/>
+    <a:lumOff val="50000"/>
+  </cs:variation>
+</cs:colorStyle>
+</file>
+
+<file path=ppt/charts/colors3.xml><?xml version="1.0" encoding="utf-8"?>
+<cs:colorStyle xmlns:cs="http://schemas.microsoft.com/office/drawing/2012/chartStyle" xmlns:a="http://schemas.openxmlformats.org/drawingml/2006/main" meth="cycle" id="10">
+  <a:schemeClr val="accent1"/>
+  <a:schemeClr val="accent2"/>
+  <a:schemeClr val="accent3"/>
+  <a:schemeClr val="accent4"/>
+  <a:schemeClr val="accent5"/>
+  <a:schemeClr val="accent6"/>
+  <cs:variation/>
+  <cs:variation>
+    <a:lumMod val="60000"/>
+  </cs:variation>
+  <cs:variation>
+    <a:lumMod val="80000"/>
+    <a:lumOff val="20000"/>
+  </cs:variation>
+  <cs:variation>
+    <a:lumMod val="80000"/>
+  </cs:variation>
+  <cs:variation>
+    <a:lumMod val="60000"/>
+    <a:lumOff val="40000"/>
+  </cs:variation>
+  <cs:variation>
+    <a:lumMod val="50000"/>
+  </cs:variation>
+  <cs:variation>
+    <a:lumMod val="70000"/>
+    <a:lumOff val="30000"/>
+  </cs:variation>
+  <cs:variation>
+    <a:lumMod val="70000"/>
+  </cs:variation>
+  <cs:variation>
+    <a:lumMod val="50000"/>
+    <a:lumOff val="50000"/>
+  </cs:variation>
+</cs:colorStyle>
+</file>
+
+<file path=ppt/charts/colors4.xml><?xml version="1.0" encoding="utf-8"?>
 <cs:colorStyle xmlns:cs="http://schemas.microsoft.com/office/drawing/2012/chartStyle" xmlns:a="http://schemas.openxmlformats.org/drawingml/2006/main" meth="cycle" id="10">
   <a:schemeClr val="accent1"/>
   <a:schemeClr val="accent2"/>
@@ -1757,6 +2860,1025 @@
 </file>
 
 <file path=ppt/charts/style2.xml><?xml version="1.0" encoding="utf-8"?>
+<cs:chartStyle xmlns:cs="http://schemas.microsoft.com/office/drawing/2012/chartStyle" xmlns:a="http://schemas.openxmlformats.org/drawingml/2006/main" id="240">
+  <cs:axisTitle>
+    <cs:lnRef idx="0"/>
+    <cs:fillRef idx="0"/>
+    <cs:effectRef idx="0"/>
+    <cs:fontRef idx="minor">
+      <a:schemeClr val="tx1">
+        <a:lumMod val="65000"/>
+        <a:lumOff val="35000"/>
+      </a:schemeClr>
+    </cs:fontRef>
+    <cs:defRPr sz="1330" kern="1200"/>
+  </cs:axisTitle>
+  <cs:categoryAxis>
+    <cs:lnRef idx="0"/>
+    <cs:fillRef idx="0"/>
+    <cs:effectRef idx="0"/>
+    <cs:fontRef idx="minor">
+      <a:schemeClr val="tx1">
+        <a:lumMod val="65000"/>
+        <a:lumOff val="35000"/>
+      </a:schemeClr>
+    </cs:fontRef>
+    <cs:spPr>
+      <a:ln w="9525" cap="flat" cmpd="sng" algn="ctr">
+        <a:solidFill>
+          <a:schemeClr val="tx1">
+            <a:lumMod val="25000"/>
+            <a:lumOff val="75000"/>
+          </a:schemeClr>
+        </a:solidFill>
+        <a:round/>
+      </a:ln>
+    </cs:spPr>
+    <cs:defRPr sz="1197" kern="1200"/>
+  </cs:categoryAxis>
+  <cs:chartArea mods="allowNoFillOverride allowNoLineOverride">
+    <cs:lnRef idx="0"/>
+    <cs:fillRef idx="0"/>
+    <cs:effectRef idx="0"/>
+    <cs:fontRef idx="minor">
+      <a:schemeClr val="tx1"/>
+    </cs:fontRef>
+    <cs:spPr>
+      <a:solidFill>
+        <a:schemeClr val="bg1"/>
+      </a:solidFill>
+      <a:ln w="9525" cap="flat" cmpd="sng" algn="ctr">
+        <a:solidFill>
+          <a:schemeClr val="tx1">
+            <a:lumMod val="15000"/>
+            <a:lumOff val="85000"/>
+          </a:schemeClr>
+        </a:solidFill>
+        <a:round/>
+      </a:ln>
+    </cs:spPr>
+    <cs:defRPr sz="1330" kern="1200"/>
+  </cs:chartArea>
+  <cs:dataLabel>
+    <cs:lnRef idx="0"/>
+    <cs:fillRef idx="0"/>
+    <cs:effectRef idx="0"/>
+    <cs:fontRef idx="minor">
+      <a:schemeClr val="tx1">
+        <a:lumMod val="75000"/>
+        <a:lumOff val="25000"/>
+      </a:schemeClr>
+    </cs:fontRef>
+    <cs:defRPr sz="1197" kern="1200"/>
+  </cs:dataLabel>
+  <cs:dataLabelCallout>
+    <cs:lnRef idx="0"/>
+    <cs:fillRef idx="0"/>
+    <cs:effectRef idx="0"/>
+    <cs:fontRef idx="minor">
+      <a:schemeClr val="dk1">
+        <a:lumMod val="65000"/>
+        <a:lumOff val="35000"/>
+      </a:schemeClr>
+    </cs:fontRef>
+    <cs:spPr>
+      <a:solidFill>
+        <a:schemeClr val="lt1"/>
+      </a:solidFill>
+      <a:ln>
+        <a:solidFill>
+          <a:schemeClr val="dk1">
+            <a:lumMod val="25000"/>
+            <a:lumOff val="75000"/>
+          </a:schemeClr>
+        </a:solidFill>
+      </a:ln>
+    </cs:spPr>
+    <cs:defRPr sz="1197" kern="1200"/>
+    <cs:bodyPr rot="0" spcFirstLastPara="1" vertOverflow="clip" horzOverflow="clip" vert="horz" wrap="square" lIns="36576" tIns="18288" rIns="36576" bIns="18288" anchor="ctr" anchorCtr="1">
+      <a:spAutoFit/>
+    </cs:bodyPr>
+  </cs:dataLabelCallout>
+  <cs:dataPoint>
+    <cs:lnRef idx="0"/>
+    <cs:fillRef idx="1">
+      <cs:styleClr val="auto"/>
+    </cs:fillRef>
+    <cs:effectRef idx="0"/>
+    <cs:fontRef idx="minor">
+      <a:schemeClr val="tx1"/>
+    </cs:fontRef>
+  </cs:dataPoint>
+  <cs:dataPoint3D>
+    <cs:lnRef idx="0"/>
+    <cs:fillRef idx="1">
+      <cs:styleClr val="auto"/>
+    </cs:fillRef>
+    <cs:effectRef idx="0"/>
+    <cs:fontRef idx="minor">
+      <a:schemeClr val="tx1"/>
+    </cs:fontRef>
+  </cs:dataPoint3D>
+  <cs:dataPointLine>
+    <cs:lnRef idx="0">
+      <cs:styleClr val="auto"/>
+    </cs:lnRef>
+    <cs:fillRef idx="1"/>
+    <cs:effectRef idx="0"/>
+    <cs:fontRef idx="minor">
+      <a:schemeClr val="tx1"/>
+    </cs:fontRef>
+    <cs:spPr>
+      <a:ln w="19050" cap="rnd">
+        <a:solidFill>
+          <a:schemeClr val="phClr"/>
+        </a:solidFill>
+        <a:round/>
+      </a:ln>
+    </cs:spPr>
+  </cs:dataPointLine>
+  <cs:dataPointMarker>
+    <cs:lnRef idx="0">
+      <cs:styleClr val="auto"/>
+    </cs:lnRef>
+    <cs:fillRef idx="1">
+      <cs:styleClr val="auto"/>
+    </cs:fillRef>
+    <cs:effectRef idx="0"/>
+    <cs:fontRef idx="minor">
+      <a:schemeClr val="tx1"/>
+    </cs:fontRef>
+    <cs:spPr>
+      <a:ln w="9525">
+        <a:solidFill>
+          <a:schemeClr val="phClr"/>
+        </a:solidFill>
+      </a:ln>
+    </cs:spPr>
+  </cs:dataPointMarker>
+  <cs:dataPointMarkerLayout symbol="circle" size="5"/>
+  <cs:dataPointWireframe>
+    <cs:lnRef idx="0">
+      <cs:styleClr val="auto"/>
+    </cs:lnRef>
+    <cs:fillRef idx="0"/>
+    <cs:effectRef idx="0"/>
+    <cs:fontRef idx="minor">
+      <a:schemeClr val="dk1"/>
+    </cs:fontRef>
+    <cs:spPr>
+      <a:ln w="9525" cap="rnd">
+        <a:solidFill>
+          <a:schemeClr val="phClr"/>
+        </a:solidFill>
+        <a:round/>
+      </a:ln>
+    </cs:spPr>
+  </cs:dataPointWireframe>
+  <cs:dataTable>
+    <cs:lnRef idx="0"/>
+    <cs:fillRef idx="0"/>
+    <cs:effectRef idx="0"/>
+    <cs:fontRef idx="minor">
+      <a:schemeClr val="tx1">
+        <a:lumMod val="65000"/>
+        <a:lumOff val="35000"/>
+      </a:schemeClr>
+    </cs:fontRef>
+    <cs:spPr>
+      <a:noFill/>
+      <a:ln w="9525" cap="flat" cmpd="sng" algn="ctr">
+        <a:solidFill>
+          <a:schemeClr val="tx1">
+            <a:lumMod val="15000"/>
+            <a:lumOff val="85000"/>
+          </a:schemeClr>
+        </a:solidFill>
+        <a:round/>
+      </a:ln>
+    </cs:spPr>
+    <cs:defRPr sz="1197" kern="1200"/>
+  </cs:dataTable>
+  <cs:downBar>
+    <cs:lnRef idx="0"/>
+    <cs:fillRef idx="0"/>
+    <cs:effectRef idx="0"/>
+    <cs:fontRef idx="minor">
+      <a:schemeClr val="tx1"/>
+    </cs:fontRef>
+    <cs:spPr>
+      <a:solidFill>
+        <a:schemeClr val="dk1">
+          <a:lumMod val="75000"/>
+          <a:lumOff val="25000"/>
+        </a:schemeClr>
+      </a:solidFill>
+      <a:ln w="9525" cap="flat" cmpd="sng" algn="ctr">
+        <a:solidFill>
+          <a:schemeClr val="tx1">
+            <a:lumMod val="65000"/>
+            <a:lumOff val="35000"/>
+          </a:schemeClr>
+        </a:solidFill>
+        <a:round/>
+      </a:ln>
+    </cs:spPr>
+  </cs:downBar>
+  <cs:dropLine>
+    <cs:lnRef idx="0"/>
+    <cs:fillRef idx="0"/>
+    <cs:effectRef idx="0"/>
+    <cs:fontRef idx="minor">
+      <a:schemeClr val="tx1"/>
+    </cs:fontRef>
+    <cs:spPr>
+      <a:ln w="9525" cap="flat" cmpd="sng" algn="ctr">
+        <a:solidFill>
+          <a:schemeClr val="tx1">
+            <a:lumMod val="35000"/>
+            <a:lumOff val="65000"/>
+          </a:schemeClr>
+        </a:solidFill>
+        <a:round/>
+      </a:ln>
+    </cs:spPr>
+  </cs:dropLine>
+  <cs:errorBar>
+    <cs:lnRef idx="0"/>
+    <cs:fillRef idx="0"/>
+    <cs:effectRef idx="0"/>
+    <cs:fontRef idx="minor">
+      <a:schemeClr val="tx1"/>
+    </cs:fontRef>
+    <cs:spPr>
+      <a:ln w="9525" cap="flat" cmpd="sng" algn="ctr">
+        <a:solidFill>
+          <a:schemeClr val="tx1">
+            <a:lumMod val="65000"/>
+            <a:lumOff val="35000"/>
+          </a:schemeClr>
+        </a:solidFill>
+        <a:round/>
+      </a:ln>
+    </cs:spPr>
+  </cs:errorBar>
+  <cs:floor>
+    <cs:lnRef idx="0"/>
+    <cs:fillRef idx="0"/>
+    <cs:effectRef idx="0"/>
+    <cs:fontRef idx="minor">
+      <a:schemeClr val="tx1"/>
+    </cs:fontRef>
+    <cs:spPr>
+      <a:noFill/>
+      <a:ln>
+        <a:noFill/>
+      </a:ln>
+    </cs:spPr>
+  </cs:floor>
+  <cs:gridlineMajor>
+    <cs:lnRef idx="0"/>
+    <cs:fillRef idx="0"/>
+    <cs:effectRef idx="0"/>
+    <cs:fontRef idx="minor">
+      <a:schemeClr val="tx1"/>
+    </cs:fontRef>
+    <cs:spPr>
+      <a:ln w="9525" cap="flat" cmpd="sng" algn="ctr">
+        <a:solidFill>
+          <a:schemeClr val="tx1">
+            <a:lumMod val="15000"/>
+            <a:lumOff val="85000"/>
+          </a:schemeClr>
+        </a:solidFill>
+        <a:round/>
+      </a:ln>
+    </cs:spPr>
+  </cs:gridlineMajor>
+  <cs:gridlineMinor>
+    <cs:lnRef idx="0"/>
+    <cs:fillRef idx="0"/>
+    <cs:effectRef idx="0"/>
+    <cs:fontRef idx="minor">
+      <a:schemeClr val="tx1"/>
+    </cs:fontRef>
+    <cs:spPr>
+      <a:ln w="9525" cap="flat" cmpd="sng" algn="ctr">
+        <a:solidFill>
+          <a:schemeClr val="tx1">
+            <a:lumMod val="5000"/>
+            <a:lumOff val="95000"/>
+          </a:schemeClr>
+        </a:solidFill>
+        <a:round/>
+      </a:ln>
+    </cs:spPr>
+  </cs:gridlineMinor>
+  <cs:hiLoLine>
+    <cs:lnRef idx="0"/>
+    <cs:fillRef idx="0"/>
+    <cs:effectRef idx="0"/>
+    <cs:fontRef idx="minor">
+      <a:schemeClr val="tx1"/>
+    </cs:fontRef>
+    <cs:spPr>
+      <a:ln w="9525" cap="flat" cmpd="sng" algn="ctr">
+        <a:solidFill>
+          <a:schemeClr val="tx1">
+            <a:lumMod val="50000"/>
+            <a:lumOff val="50000"/>
+          </a:schemeClr>
+        </a:solidFill>
+        <a:round/>
+      </a:ln>
+    </cs:spPr>
+  </cs:hiLoLine>
+  <cs:leaderLine>
+    <cs:lnRef idx="0"/>
+    <cs:fillRef idx="0"/>
+    <cs:effectRef idx="0"/>
+    <cs:fontRef idx="minor">
+      <a:schemeClr val="tx1"/>
+    </cs:fontRef>
+    <cs:spPr>
+      <a:ln w="9525" cap="flat" cmpd="sng" algn="ctr">
+        <a:solidFill>
+          <a:schemeClr val="tx1">
+            <a:lumMod val="35000"/>
+            <a:lumOff val="65000"/>
+          </a:schemeClr>
+        </a:solidFill>
+        <a:round/>
+      </a:ln>
+    </cs:spPr>
+  </cs:leaderLine>
+  <cs:legend>
+    <cs:lnRef idx="0"/>
+    <cs:fillRef idx="0"/>
+    <cs:effectRef idx="0"/>
+    <cs:fontRef idx="minor">
+      <a:schemeClr val="tx1">
+        <a:lumMod val="65000"/>
+        <a:lumOff val="35000"/>
+      </a:schemeClr>
+    </cs:fontRef>
+    <cs:defRPr sz="1197" kern="1200"/>
+  </cs:legend>
+  <cs:plotArea mods="allowNoFillOverride allowNoLineOverride">
+    <cs:lnRef idx="0"/>
+    <cs:fillRef idx="0"/>
+    <cs:effectRef idx="0"/>
+    <cs:fontRef idx="minor">
+      <a:schemeClr val="tx1"/>
+    </cs:fontRef>
+  </cs:plotArea>
+  <cs:plotArea3D mods="allowNoFillOverride allowNoLineOverride">
+    <cs:lnRef idx="0"/>
+    <cs:fillRef idx="0"/>
+    <cs:effectRef idx="0"/>
+    <cs:fontRef idx="minor">
+      <a:schemeClr val="tx1"/>
+    </cs:fontRef>
+  </cs:plotArea3D>
+  <cs:seriesAxis>
+    <cs:lnRef idx="0"/>
+    <cs:fillRef idx="0"/>
+    <cs:effectRef idx="0"/>
+    <cs:fontRef idx="minor">
+      <a:schemeClr val="tx1">
+        <a:lumMod val="65000"/>
+        <a:lumOff val="35000"/>
+      </a:schemeClr>
+    </cs:fontRef>
+    <cs:defRPr sz="1197" kern="1200"/>
+  </cs:seriesAxis>
+  <cs:seriesLine>
+    <cs:lnRef idx="0"/>
+    <cs:fillRef idx="0"/>
+    <cs:effectRef idx="0"/>
+    <cs:fontRef idx="minor">
+      <a:schemeClr val="tx1"/>
+    </cs:fontRef>
+    <cs:spPr>
+      <a:ln w="9525" cap="flat" cmpd="sng" algn="ctr">
+        <a:solidFill>
+          <a:schemeClr val="tx1">
+            <a:lumMod val="35000"/>
+            <a:lumOff val="65000"/>
+          </a:schemeClr>
+        </a:solidFill>
+        <a:round/>
+      </a:ln>
+    </cs:spPr>
+  </cs:seriesLine>
+  <cs:title>
+    <cs:lnRef idx="0"/>
+    <cs:fillRef idx="0"/>
+    <cs:effectRef idx="0"/>
+    <cs:fontRef idx="minor">
+      <a:schemeClr val="tx1">
+        <a:lumMod val="65000"/>
+        <a:lumOff val="35000"/>
+      </a:schemeClr>
+    </cs:fontRef>
+    <cs:defRPr sz="1862" b="0" kern="1200" spc="0" baseline="0"/>
+  </cs:title>
+  <cs:trendline>
+    <cs:lnRef idx="0">
+      <cs:styleClr val="auto"/>
+    </cs:lnRef>
+    <cs:fillRef idx="0"/>
+    <cs:effectRef idx="0"/>
+    <cs:fontRef idx="minor">
+      <a:schemeClr val="tx1"/>
+    </cs:fontRef>
+    <cs:spPr>
+      <a:ln w="19050" cap="rnd">
+        <a:solidFill>
+          <a:schemeClr val="phClr"/>
+        </a:solidFill>
+        <a:prstDash val="sysDot"/>
+      </a:ln>
+    </cs:spPr>
+  </cs:trendline>
+  <cs:trendlineLabel>
+    <cs:lnRef idx="0"/>
+    <cs:fillRef idx="0"/>
+    <cs:effectRef idx="0"/>
+    <cs:fontRef idx="minor">
+      <a:schemeClr val="tx1">
+        <a:lumMod val="65000"/>
+        <a:lumOff val="35000"/>
+      </a:schemeClr>
+    </cs:fontRef>
+    <cs:defRPr sz="1197" kern="1200"/>
+  </cs:trendlineLabel>
+  <cs:upBar>
+    <cs:lnRef idx="0"/>
+    <cs:fillRef idx="0"/>
+    <cs:effectRef idx="0"/>
+    <cs:fontRef idx="minor">
+      <a:schemeClr val="tx1"/>
+    </cs:fontRef>
+    <cs:spPr>
+      <a:solidFill>
+        <a:schemeClr val="lt1"/>
+      </a:solidFill>
+      <a:ln w="9525" cap="flat" cmpd="sng" algn="ctr">
+        <a:solidFill>
+          <a:schemeClr val="tx1">
+            <a:lumMod val="65000"/>
+            <a:lumOff val="35000"/>
+          </a:schemeClr>
+        </a:solidFill>
+        <a:round/>
+      </a:ln>
+    </cs:spPr>
+  </cs:upBar>
+  <cs:valueAxis>
+    <cs:lnRef idx="0"/>
+    <cs:fillRef idx="0"/>
+    <cs:effectRef idx="0"/>
+    <cs:fontRef idx="minor">
+      <a:schemeClr val="tx1">
+        <a:lumMod val="65000"/>
+        <a:lumOff val="35000"/>
+      </a:schemeClr>
+    </cs:fontRef>
+    <cs:spPr>
+      <a:ln w="9525" cap="flat" cmpd="sng" algn="ctr">
+        <a:solidFill>
+          <a:schemeClr val="tx1">
+            <a:lumMod val="25000"/>
+            <a:lumOff val="75000"/>
+          </a:schemeClr>
+        </a:solidFill>
+        <a:round/>
+      </a:ln>
+    </cs:spPr>
+    <cs:defRPr sz="1197" kern="1200"/>
+  </cs:valueAxis>
+  <cs:wall>
+    <cs:lnRef idx="0"/>
+    <cs:fillRef idx="0"/>
+    <cs:effectRef idx="0"/>
+    <cs:fontRef idx="minor">
+      <a:schemeClr val="tx1"/>
+    </cs:fontRef>
+    <cs:spPr>
+      <a:noFill/>
+      <a:ln>
+        <a:noFill/>
+      </a:ln>
+    </cs:spPr>
+  </cs:wall>
+</cs:chartStyle>
+</file>
+
+<file path=ppt/charts/style3.xml><?xml version="1.0" encoding="utf-8"?>
+<cs:chartStyle xmlns:cs="http://schemas.microsoft.com/office/drawing/2012/chartStyle" xmlns:a="http://schemas.openxmlformats.org/drawingml/2006/main" id="201">
+  <cs:axisTitle>
+    <cs:lnRef idx="0"/>
+    <cs:fillRef idx="0"/>
+    <cs:effectRef idx="0"/>
+    <cs:fontRef idx="minor">
+      <a:schemeClr val="tx1">
+        <a:lumMod val="65000"/>
+        <a:lumOff val="35000"/>
+      </a:schemeClr>
+    </cs:fontRef>
+    <cs:defRPr sz="1330" kern="1200"/>
+  </cs:axisTitle>
+  <cs:categoryAxis>
+    <cs:lnRef idx="0"/>
+    <cs:fillRef idx="0"/>
+    <cs:effectRef idx="0"/>
+    <cs:fontRef idx="minor">
+      <a:schemeClr val="tx1">
+        <a:lumMod val="65000"/>
+        <a:lumOff val="35000"/>
+      </a:schemeClr>
+    </cs:fontRef>
+    <cs:spPr>
+      <a:ln w="9525" cap="flat" cmpd="sng" algn="ctr">
+        <a:solidFill>
+          <a:schemeClr val="tx1">
+            <a:lumMod val="15000"/>
+            <a:lumOff val="85000"/>
+          </a:schemeClr>
+        </a:solidFill>
+        <a:round/>
+      </a:ln>
+    </cs:spPr>
+    <cs:defRPr sz="1197" kern="1200"/>
+  </cs:categoryAxis>
+  <cs:chartArea mods="allowNoFillOverride allowNoLineOverride">
+    <cs:lnRef idx="0"/>
+    <cs:fillRef idx="0"/>
+    <cs:effectRef idx="0"/>
+    <cs:fontRef idx="minor">
+      <a:schemeClr val="tx1"/>
+    </cs:fontRef>
+    <cs:spPr>
+      <a:solidFill>
+        <a:schemeClr val="bg1"/>
+      </a:solidFill>
+      <a:ln w="9525" cap="flat" cmpd="sng" algn="ctr">
+        <a:solidFill>
+          <a:schemeClr val="tx1">
+            <a:lumMod val="15000"/>
+            <a:lumOff val="85000"/>
+          </a:schemeClr>
+        </a:solidFill>
+        <a:round/>
+      </a:ln>
+    </cs:spPr>
+    <cs:defRPr sz="1330" kern="1200"/>
+  </cs:chartArea>
+  <cs:dataLabel>
+    <cs:lnRef idx="0"/>
+    <cs:fillRef idx="0"/>
+    <cs:effectRef idx="0"/>
+    <cs:fontRef idx="minor">
+      <a:schemeClr val="tx1">
+        <a:lumMod val="75000"/>
+        <a:lumOff val="25000"/>
+      </a:schemeClr>
+    </cs:fontRef>
+    <cs:defRPr sz="1197" kern="1200"/>
+  </cs:dataLabel>
+  <cs:dataLabelCallout>
+    <cs:lnRef idx="0"/>
+    <cs:fillRef idx="0"/>
+    <cs:effectRef idx="0"/>
+    <cs:fontRef idx="minor">
+      <a:schemeClr val="dk1">
+        <a:lumMod val="65000"/>
+        <a:lumOff val="35000"/>
+      </a:schemeClr>
+    </cs:fontRef>
+    <cs:spPr>
+      <a:solidFill>
+        <a:schemeClr val="lt1"/>
+      </a:solidFill>
+      <a:ln>
+        <a:solidFill>
+          <a:schemeClr val="dk1">
+            <a:lumMod val="25000"/>
+            <a:lumOff val="75000"/>
+          </a:schemeClr>
+        </a:solidFill>
+      </a:ln>
+    </cs:spPr>
+    <cs:defRPr sz="1197" kern="1200"/>
+    <cs:bodyPr rot="0" spcFirstLastPara="1" vertOverflow="clip" horzOverflow="clip" vert="horz" wrap="square" lIns="36576" tIns="18288" rIns="36576" bIns="18288" anchor="ctr" anchorCtr="1">
+      <a:spAutoFit/>
+    </cs:bodyPr>
+  </cs:dataLabelCallout>
+  <cs:dataPoint>
+    <cs:lnRef idx="0"/>
+    <cs:fillRef idx="1">
+      <cs:styleClr val="auto"/>
+    </cs:fillRef>
+    <cs:effectRef idx="0"/>
+    <cs:fontRef idx="minor">
+      <a:schemeClr val="tx1"/>
+    </cs:fontRef>
+  </cs:dataPoint>
+  <cs:dataPoint3D>
+    <cs:lnRef idx="0"/>
+    <cs:fillRef idx="1">
+      <cs:styleClr val="auto"/>
+    </cs:fillRef>
+    <cs:effectRef idx="0"/>
+    <cs:fontRef idx="minor">
+      <a:schemeClr val="tx1"/>
+    </cs:fontRef>
+  </cs:dataPoint3D>
+  <cs:dataPointLine>
+    <cs:lnRef idx="0">
+      <cs:styleClr val="auto"/>
+    </cs:lnRef>
+    <cs:fillRef idx="1"/>
+    <cs:effectRef idx="0"/>
+    <cs:fontRef idx="minor">
+      <a:schemeClr val="tx1"/>
+    </cs:fontRef>
+    <cs:spPr>
+      <a:ln w="28575" cap="rnd">
+        <a:solidFill>
+          <a:schemeClr val="phClr"/>
+        </a:solidFill>
+        <a:round/>
+      </a:ln>
+    </cs:spPr>
+  </cs:dataPointLine>
+  <cs:dataPointMarker>
+    <cs:lnRef idx="0">
+      <cs:styleClr val="auto"/>
+    </cs:lnRef>
+    <cs:fillRef idx="1">
+      <cs:styleClr val="auto"/>
+    </cs:fillRef>
+    <cs:effectRef idx="0"/>
+    <cs:fontRef idx="minor">
+      <a:schemeClr val="tx1"/>
+    </cs:fontRef>
+    <cs:spPr>
+      <a:ln w="9525">
+        <a:solidFill>
+          <a:schemeClr val="phClr"/>
+        </a:solidFill>
+      </a:ln>
+    </cs:spPr>
+  </cs:dataPointMarker>
+  <cs:dataPointMarkerLayout symbol="circle" size="5"/>
+  <cs:dataPointWireframe>
+    <cs:lnRef idx="0">
+      <cs:styleClr val="auto"/>
+    </cs:lnRef>
+    <cs:fillRef idx="1"/>
+    <cs:effectRef idx="0"/>
+    <cs:fontRef idx="minor">
+      <a:schemeClr val="tx1"/>
+    </cs:fontRef>
+    <cs:spPr>
+      <a:ln w="9525" cap="rnd">
+        <a:solidFill>
+          <a:schemeClr val="phClr"/>
+        </a:solidFill>
+        <a:round/>
+      </a:ln>
+    </cs:spPr>
+  </cs:dataPointWireframe>
+  <cs:dataTable>
+    <cs:lnRef idx="0"/>
+    <cs:fillRef idx="0"/>
+    <cs:effectRef idx="0"/>
+    <cs:fontRef idx="minor">
+      <a:schemeClr val="tx1">
+        <a:lumMod val="65000"/>
+        <a:lumOff val="35000"/>
+      </a:schemeClr>
+    </cs:fontRef>
+    <cs:spPr>
+      <a:noFill/>
+      <a:ln w="9525" cap="flat" cmpd="sng" algn="ctr">
+        <a:solidFill>
+          <a:schemeClr val="tx1">
+            <a:lumMod val="15000"/>
+            <a:lumOff val="85000"/>
+          </a:schemeClr>
+        </a:solidFill>
+        <a:round/>
+      </a:ln>
+    </cs:spPr>
+    <cs:defRPr sz="1197" kern="1200"/>
+  </cs:dataTable>
+  <cs:downBar>
+    <cs:lnRef idx="0"/>
+    <cs:fillRef idx="0"/>
+    <cs:effectRef idx="0"/>
+    <cs:fontRef idx="minor">
+      <a:schemeClr val="dk1"/>
+    </cs:fontRef>
+    <cs:spPr>
+      <a:solidFill>
+        <a:schemeClr val="dk1">
+          <a:lumMod val="65000"/>
+          <a:lumOff val="35000"/>
+        </a:schemeClr>
+      </a:solidFill>
+      <a:ln w="9525">
+        <a:solidFill>
+          <a:schemeClr val="tx1">
+            <a:lumMod val="65000"/>
+            <a:lumOff val="35000"/>
+          </a:schemeClr>
+        </a:solidFill>
+      </a:ln>
+    </cs:spPr>
+  </cs:downBar>
+  <cs:dropLine>
+    <cs:lnRef idx="0"/>
+    <cs:fillRef idx="0"/>
+    <cs:effectRef idx="0"/>
+    <cs:fontRef idx="minor">
+      <a:schemeClr val="tx1"/>
+    </cs:fontRef>
+    <cs:spPr>
+      <a:ln w="9525" cap="flat" cmpd="sng" algn="ctr">
+        <a:solidFill>
+          <a:schemeClr val="tx1">
+            <a:lumMod val="35000"/>
+            <a:lumOff val="65000"/>
+          </a:schemeClr>
+        </a:solidFill>
+        <a:round/>
+      </a:ln>
+    </cs:spPr>
+  </cs:dropLine>
+  <cs:errorBar>
+    <cs:lnRef idx="0"/>
+    <cs:fillRef idx="0"/>
+    <cs:effectRef idx="0"/>
+    <cs:fontRef idx="minor">
+      <a:schemeClr val="tx1"/>
+    </cs:fontRef>
+    <cs:spPr>
+      <a:ln w="9525" cap="flat" cmpd="sng" algn="ctr">
+        <a:solidFill>
+          <a:schemeClr val="tx1">
+            <a:lumMod val="65000"/>
+            <a:lumOff val="35000"/>
+          </a:schemeClr>
+        </a:solidFill>
+        <a:round/>
+      </a:ln>
+    </cs:spPr>
+  </cs:errorBar>
+  <cs:floor>
+    <cs:lnRef idx="0"/>
+    <cs:fillRef idx="0"/>
+    <cs:effectRef idx="0"/>
+    <cs:fontRef idx="minor">
+      <a:schemeClr val="tx1"/>
+    </cs:fontRef>
+    <cs:spPr>
+      <a:noFill/>
+      <a:ln>
+        <a:noFill/>
+      </a:ln>
+    </cs:spPr>
+  </cs:floor>
+  <cs:gridlineMajor>
+    <cs:lnRef idx="0"/>
+    <cs:fillRef idx="0"/>
+    <cs:effectRef idx="0"/>
+    <cs:fontRef idx="minor">
+      <a:schemeClr val="tx1"/>
+    </cs:fontRef>
+    <cs:spPr>
+      <a:ln w="9525" cap="flat" cmpd="sng" algn="ctr">
+        <a:solidFill>
+          <a:schemeClr val="tx1">
+            <a:lumMod val="15000"/>
+            <a:lumOff val="85000"/>
+          </a:schemeClr>
+        </a:solidFill>
+        <a:round/>
+      </a:ln>
+    </cs:spPr>
+  </cs:gridlineMajor>
+  <cs:gridlineMinor>
+    <cs:lnRef idx="0"/>
+    <cs:fillRef idx="0"/>
+    <cs:effectRef idx="0"/>
+    <cs:fontRef idx="minor">
+      <a:schemeClr val="tx1"/>
+    </cs:fontRef>
+    <cs:spPr>
+      <a:ln w="9525" cap="flat" cmpd="sng" algn="ctr">
+        <a:solidFill>
+          <a:schemeClr val="tx1">
+            <a:lumMod val="5000"/>
+            <a:lumOff val="95000"/>
+          </a:schemeClr>
+        </a:solidFill>
+        <a:round/>
+      </a:ln>
+    </cs:spPr>
+  </cs:gridlineMinor>
+  <cs:hiLoLine>
+    <cs:lnRef idx="0"/>
+    <cs:fillRef idx="0"/>
+    <cs:effectRef idx="0"/>
+    <cs:fontRef idx="minor">
+      <a:schemeClr val="tx1"/>
+    </cs:fontRef>
+    <cs:spPr>
+      <a:ln w="9525" cap="flat" cmpd="sng" algn="ctr">
+        <a:solidFill>
+          <a:schemeClr val="tx1">
+            <a:lumMod val="75000"/>
+            <a:lumOff val="25000"/>
+          </a:schemeClr>
+        </a:solidFill>
+        <a:round/>
+      </a:ln>
+    </cs:spPr>
+  </cs:hiLoLine>
+  <cs:leaderLine>
+    <cs:lnRef idx="0"/>
+    <cs:fillRef idx="0"/>
+    <cs:effectRef idx="0"/>
+    <cs:fontRef idx="minor">
+      <a:schemeClr val="tx1"/>
+    </cs:fontRef>
+    <cs:spPr>
+      <a:ln w="9525" cap="flat" cmpd="sng" algn="ctr">
+        <a:solidFill>
+          <a:schemeClr val="tx1">
+            <a:lumMod val="35000"/>
+            <a:lumOff val="65000"/>
+          </a:schemeClr>
+        </a:solidFill>
+        <a:round/>
+      </a:ln>
+    </cs:spPr>
+  </cs:leaderLine>
+  <cs:legend>
+    <cs:lnRef idx="0"/>
+    <cs:fillRef idx="0"/>
+    <cs:effectRef idx="0"/>
+    <cs:fontRef idx="minor">
+      <a:schemeClr val="tx1">
+        <a:lumMod val="65000"/>
+        <a:lumOff val="35000"/>
+      </a:schemeClr>
+    </cs:fontRef>
+    <cs:defRPr sz="1197" kern="1200"/>
+  </cs:legend>
+  <cs:plotArea mods="allowNoFillOverride allowNoLineOverride">
+    <cs:lnRef idx="0"/>
+    <cs:fillRef idx="0"/>
+    <cs:effectRef idx="0"/>
+    <cs:fontRef idx="minor">
+      <a:schemeClr val="tx1"/>
+    </cs:fontRef>
+  </cs:plotArea>
+  <cs:plotArea3D mods="allowNoFillOverride allowNoLineOverride">
+    <cs:lnRef idx="0"/>
+    <cs:fillRef idx="0"/>
+    <cs:effectRef idx="0"/>
+    <cs:fontRef idx="minor">
+      <a:schemeClr val="tx1"/>
+    </cs:fontRef>
+  </cs:plotArea3D>
+  <cs:seriesAxis>
+    <cs:lnRef idx="0"/>
+    <cs:fillRef idx="0"/>
+    <cs:effectRef idx="0"/>
+    <cs:fontRef idx="minor">
+      <a:schemeClr val="tx1">
+        <a:lumMod val="65000"/>
+        <a:lumOff val="35000"/>
+      </a:schemeClr>
+    </cs:fontRef>
+    <cs:defRPr sz="1197" kern="1200"/>
+  </cs:seriesAxis>
+  <cs:seriesLine>
+    <cs:lnRef idx="0"/>
+    <cs:fillRef idx="0"/>
+    <cs:effectRef idx="0"/>
+    <cs:fontRef idx="minor">
+      <a:schemeClr val="tx1"/>
+    </cs:fontRef>
+    <cs:spPr>
+      <a:ln w="9525" cap="flat" cmpd="sng" algn="ctr">
+        <a:solidFill>
+          <a:schemeClr val="tx1">
+            <a:lumMod val="35000"/>
+            <a:lumOff val="65000"/>
+          </a:schemeClr>
+        </a:solidFill>
+        <a:round/>
+      </a:ln>
+    </cs:spPr>
+  </cs:seriesLine>
+  <cs:title>
+    <cs:lnRef idx="0"/>
+    <cs:fillRef idx="0"/>
+    <cs:effectRef idx="0"/>
+    <cs:fontRef idx="minor">
+      <a:schemeClr val="tx1">
+        <a:lumMod val="65000"/>
+        <a:lumOff val="35000"/>
+      </a:schemeClr>
+    </cs:fontRef>
+    <cs:defRPr sz="1862" b="0" kern="1200" spc="0" baseline="0"/>
+  </cs:title>
+  <cs:trendline>
+    <cs:lnRef idx="0">
+      <cs:styleClr val="auto"/>
+    </cs:lnRef>
+    <cs:fillRef idx="0"/>
+    <cs:effectRef idx="0"/>
+    <cs:fontRef idx="minor">
+      <a:schemeClr val="tx1"/>
+    </cs:fontRef>
+    <cs:spPr>
+      <a:ln w="19050" cap="rnd">
+        <a:solidFill>
+          <a:schemeClr val="phClr"/>
+        </a:solidFill>
+        <a:prstDash val="sysDot"/>
+      </a:ln>
+    </cs:spPr>
+  </cs:trendline>
+  <cs:trendlineLabel>
+    <cs:lnRef idx="0"/>
+    <cs:fillRef idx="0"/>
+    <cs:effectRef idx="0"/>
+    <cs:fontRef idx="minor">
+      <a:schemeClr val="tx1">
+        <a:lumMod val="65000"/>
+        <a:lumOff val="35000"/>
+      </a:schemeClr>
+    </cs:fontRef>
+    <cs:defRPr sz="1197" kern="1200"/>
+  </cs:trendlineLabel>
+  <cs:upBar>
+    <cs:lnRef idx="0"/>
+    <cs:fillRef idx="0"/>
+    <cs:effectRef idx="0"/>
+    <cs:fontRef idx="minor">
+      <a:schemeClr val="dk1"/>
+    </cs:fontRef>
+    <cs:spPr>
+      <a:solidFill>
+        <a:schemeClr val="lt1"/>
+      </a:solidFill>
+      <a:ln w="9525">
+        <a:solidFill>
+          <a:schemeClr val="tx1">
+            <a:lumMod val="15000"/>
+            <a:lumOff val="85000"/>
+          </a:schemeClr>
+        </a:solidFill>
+      </a:ln>
+    </cs:spPr>
+  </cs:upBar>
+  <cs:valueAxis>
+    <cs:lnRef idx="0"/>
+    <cs:fillRef idx="0"/>
+    <cs:effectRef idx="0"/>
+    <cs:fontRef idx="minor">
+      <a:schemeClr val="tx1">
+        <a:lumMod val="65000"/>
+        <a:lumOff val="35000"/>
+      </a:schemeClr>
+    </cs:fontRef>
+    <cs:defRPr sz="1197" kern="1200"/>
+  </cs:valueAxis>
+  <cs:wall>
+    <cs:lnRef idx="0"/>
+    <cs:fillRef idx="0"/>
+    <cs:effectRef idx="0"/>
+    <cs:fontRef idx="minor">
+      <a:schemeClr val="tx1"/>
+    </cs:fontRef>
+    <cs:spPr>
+      <a:noFill/>
+      <a:ln>
+        <a:noFill/>
+      </a:ln>
+    </cs:spPr>
+  </cs:wall>
+</cs:chartStyle>
+</file>
+
+<file path=ppt/charts/style4.xml><?xml version="1.0" encoding="utf-8"?>
 <cs:chartStyle xmlns:cs="http://schemas.microsoft.com/office/drawing/2012/chartStyle" xmlns:a="http://schemas.openxmlformats.org/drawingml/2006/main" id="240">
   <cs:axisTitle>
     <cs:lnRef idx="0"/>
@@ -8362,7 +10484,7 @@
           <a:p>
             <a:fld id="{A3CEDC16-58F8-407A-995D-7BAAA45D89B0}" type="datetimeFigureOut">
               <a:rPr lang="fr-FR" smtClean="0"/>
-              <a:t>09/05/2025</a:t>
+              <a:t>11/05/2025</a:t>
             </a:fld>
             <a:endParaRPr lang="fr-FR"/>
           </a:p>
@@ -8958,7 +11080,7 @@
           <a:p>
             <a:fld id="{9221AC29-25D1-4F0E-8396-0F7F236C9DA8}" type="datetimeFigureOut">
               <a:rPr lang="fr-FR" smtClean="0"/>
-              <a:t>09/05/2025</a:t>
+              <a:t>11/05/2025</a:t>
             </a:fld>
             <a:endParaRPr lang="fr-FR"/>
           </a:p>
@@ -9220,7 +11342,7 @@
           <a:p>
             <a:fld id="{9221AC29-25D1-4F0E-8396-0F7F236C9DA8}" type="datetimeFigureOut">
               <a:rPr lang="fr-FR" smtClean="0"/>
-              <a:t>09/05/2025</a:t>
+              <a:t>11/05/2025</a:t>
             </a:fld>
             <a:endParaRPr lang="fr-FR"/>
           </a:p>
@@ -9455,7 +11577,7 @@
           <a:p>
             <a:fld id="{9221AC29-25D1-4F0E-8396-0F7F236C9DA8}" type="datetimeFigureOut">
               <a:rPr lang="fr-FR" smtClean="0"/>
-              <a:t>09/05/2025</a:t>
+              <a:t>11/05/2025</a:t>
             </a:fld>
             <a:endParaRPr lang="fr-FR"/>
           </a:p>
@@ -9695,7 +11817,7 @@
           <a:p>
             <a:fld id="{9221AC29-25D1-4F0E-8396-0F7F236C9DA8}" type="datetimeFigureOut">
               <a:rPr lang="fr-FR" smtClean="0"/>
-              <a:t>09/05/2025</a:t>
+              <a:t>11/05/2025</a:t>
             </a:fld>
             <a:endParaRPr lang="fr-FR"/>
           </a:p>
@@ -10002,7 +12124,7 @@
           <a:p>
             <a:fld id="{9221AC29-25D1-4F0E-8396-0F7F236C9DA8}" type="datetimeFigureOut">
               <a:rPr lang="fr-FR" smtClean="0"/>
-              <a:t>09/05/2025</a:t>
+              <a:t>11/05/2025</a:t>
             </a:fld>
             <a:endParaRPr lang="fr-FR"/>
           </a:p>
@@ -10304,7 +12426,7 @@
           <a:p>
             <a:fld id="{9221AC29-25D1-4F0E-8396-0F7F236C9DA8}" type="datetimeFigureOut">
               <a:rPr lang="fr-FR" smtClean="0"/>
-              <a:t>09/05/2025</a:t>
+              <a:t>11/05/2025</a:t>
             </a:fld>
             <a:endParaRPr lang="fr-FR"/>
           </a:p>
@@ -10726,7 +12848,7 @@
           <a:p>
             <a:fld id="{9221AC29-25D1-4F0E-8396-0F7F236C9DA8}" type="datetimeFigureOut">
               <a:rPr lang="fr-FR" smtClean="0"/>
-              <a:t>09/05/2025</a:t>
+              <a:t>11/05/2025</a:t>
             </a:fld>
             <a:endParaRPr lang="fr-FR"/>
           </a:p>
@@ -10821,7 +12943,7 @@
           <a:p>
             <a:fld id="{9221AC29-25D1-4F0E-8396-0F7F236C9DA8}" type="datetimeFigureOut">
               <a:rPr lang="fr-FR" smtClean="0"/>
-              <a:t>09/05/2025</a:t>
+              <a:t>11/05/2025</a:t>
             </a:fld>
             <a:endParaRPr lang="fr-FR"/>
           </a:p>
@@ -10983,7 +13105,7 @@
           <a:p>
             <a:fld id="{9221AC29-25D1-4F0E-8396-0F7F236C9DA8}" type="datetimeFigureOut">
               <a:rPr lang="fr-FR" smtClean="0"/>
-              <a:t>09/05/2025</a:t>
+              <a:t>11/05/2025</a:t>
             </a:fld>
             <a:endParaRPr lang="fr-FR"/>
           </a:p>
@@ -11361,7 +13483,7 @@
           <a:p>
             <a:fld id="{9221AC29-25D1-4F0E-8396-0F7F236C9DA8}" type="datetimeFigureOut">
               <a:rPr lang="fr-FR" smtClean="0"/>
-              <a:t>09/05/2025</a:t>
+              <a:t>11/05/2025</a:t>
             </a:fld>
             <a:endParaRPr lang="fr-FR"/>
           </a:p>
@@ -11650,7 +13772,7 @@
           <a:p>
             <a:fld id="{9221AC29-25D1-4F0E-8396-0F7F236C9DA8}" type="datetimeFigureOut">
               <a:rPr lang="fr-FR" smtClean="0"/>
-              <a:t>09/05/2025</a:t>
+              <a:t>11/05/2025</a:t>
             </a:fld>
             <a:endParaRPr lang="fr-FR"/>
           </a:p>
@@ -11861,7 +13983,7 @@
           <a:p>
             <a:fld id="{9221AC29-25D1-4F0E-8396-0F7F236C9DA8}" type="datetimeFigureOut">
               <a:rPr lang="fr-FR" smtClean="0"/>
-              <a:t>09/05/2025</a:t>
+              <a:t>11/05/2025</a:t>
             </a:fld>
             <a:endParaRPr lang="fr-FR"/>
           </a:p>
@@ -12775,6 +14897,179 @@
 </p:sld>
 </file>
 
+<file path=ppt/slides/slide10.xml><?xml version="1.0" encoding="utf-8"?>
+<p:sld xmlns:a="http://schemas.openxmlformats.org/drawingml/2006/main" xmlns:r="http://schemas.openxmlformats.org/officeDocument/2006/relationships" xmlns:p="http://schemas.openxmlformats.org/presentationml/2006/main">
+  <p:cSld>
+    <p:spTree>
+      <p:nvGrpSpPr>
+        <p:cNvPr id="1" name=""/>
+        <p:cNvGrpSpPr/>
+        <p:nvPr/>
+      </p:nvGrpSpPr>
+      <p:grpSpPr>
+        <a:xfrm>
+          <a:off x="0" y="0"/>
+          <a:ext cx="0" cy="0"/>
+          <a:chOff x="0" y="0"/>
+          <a:chExt cx="0" cy="0"/>
+        </a:xfrm>
+      </p:grpSpPr>
+      <p:sp>
+        <p:nvSpPr>
+          <p:cNvPr id="2" name="Titre 1">
+            <a:extLst>
+              <a:ext uri="{FF2B5EF4-FFF2-40B4-BE49-F238E27FC236}">
+                <a16:creationId xmlns:a16="http://schemas.microsoft.com/office/drawing/2014/main" id="{9E0F92FE-E329-C5F8-0A70-362604578015}"/>
+              </a:ext>
+            </a:extLst>
+          </p:cNvPr>
+          <p:cNvSpPr>
+            <a:spLocks noGrp="1"/>
+          </p:cNvSpPr>
+          <p:nvPr>
+            <p:ph type="title"/>
+          </p:nvPr>
+        </p:nvSpPr>
+        <p:spPr/>
+        <p:txBody>
+          <a:bodyPr/>
+          <a:lstStyle/>
+          <a:p>
+            <a:r>
+              <a:rPr lang="fr-FR" dirty="0"/>
+              <a:t>Conclusion</a:t>
+            </a:r>
+          </a:p>
+        </p:txBody>
+      </p:sp>
+      <p:sp>
+        <p:nvSpPr>
+          <p:cNvPr id="3" name="Espace réservé du contenu 2">
+            <a:extLst>
+              <a:ext uri="{FF2B5EF4-FFF2-40B4-BE49-F238E27FC236}">
+                <a16:creationId xmlns:a16="http://schemas.microsoft.com/office/drawing/2014/main" id="{A7085268-444E-A809-8613-AA356C86B45F}"/>
+              </a:ext>
+            </a:extLst>
+          </p:cNvPr>
+          <p:cNvSpPr>
+            <a:spLocks noGrp="1"/>
+          </p:cNvSpPr>
+          <p:nvPr>
+            <p:ph idx="1"/>
+          </p:nvPr>
+        </p:nvSpPr>
+        <p:spPr/>
+        <p:txBody>
+          <a:bodyPr/>
+          <a:lstStyle/>
+          <a:p>
+            <a:endParaRPr lang="fr-FR" dirty="0"/>
+          </a:p>
+        </p:txBody>
+      </p:sp>
+    </p:spTree>
+    <p:extLst>
+      <p:ext uri="{BB962C8B-B14F-4D97-AF65-F5344CB8AC3E}">
+        <p14:creationId xmlns:p14="http://schemas.microsoft.com/office/powerpoint/2010/main" val="659342449"/>
+      </p:ext>
+    </p:extLst>
+  </p:cSld>
+  <p:clrMapOvr>
+    <a:masterClrMapping/>
+  </p:clrMapOvr>
+</p:sld>
+</file>
+
+<file path=ppt/slides/slide11.xml><?xml version="1.0" encoding="utf-8"?>
+<p:sld xmlns:a="http://schemas.openxmlformats.org/drawingml/2006/main" xmlns:r="http://schemas.openxmlformats.org/officeDocument/2006/relationships" xmlns:p="http://schemas.openxmlformats.org/presentationml/2006/main">
+  <p:cSld>
+    <p:spTree>
+      <p:nvGrpSpPr>
+        <p:cNvPr id="1" name=""/>
+        <p:cNvGrpSpPr/>
+        <p:nvPr/>
+      </p:nvGrpSpPr>
+      <p:grpSpPr>
+        <a:xfrm>
+          <a:off x="0" y="0"/>
+          <a:ext cx="0" cy="0"/>
+          <a:chOff x="0" y="0"/>
+          <a:chExt cx="0" cy="0"/>
+        </a:xfrm>
+      </p:grpSpPr>
+      <p:sp>
+        <p:nvSpPr>
+          <p:cNvPr id="2" name="Titre 1">
+            <a:extLst>
+              <a:ext uri="{FF2B5EF4-FFF2-40B4-BE49-F238E27FC236}">
+                <a16:creationId xmlns:a16="http://schemas.microsoft.com/office/drawing/2014/main" id="{6518DDBF-4F3E-B694-4D27-2C69AADDF73B}"/>
+              </a:ext>
+            </a:extLst>
+          </p:cNvPr>
+          <p:cNvSpPr>
+            <a:spLocks noGrp="1"/>
+          </p:cNvSpPr>
+          <p:nvPr>
+            <p:ph type="title"/>
+          </p:nvPr>
+        </p:nvSpPr>
+        <p:spPr/>
+        <p:txBody>
+          <a:bodyPr/>
+          <a:lstStyle/>
+          <a:p>
+            <a:r>
+              <a:rPr lang="fr-FR" dirty="0"/>
+              <a:t>Sources and </a:t>
+            </a:r>
+            <a:r>
+              <a:rPr lang="fr-FR" dirty="0" err="1"/>
+              <a:t>bibliography</a:t>
+            </a:r>
+            <a:endParaRPr lang="fr-FR" dirty="0"/>
+          </a:p>
+        </p:txBody>
+      </p:sp>
+      <p:sp>
+        <p:nvSpPr>
+          <p:cNvPr id="3" name="Espace réservé du contenu 2">
+            <a:extLst>
+              <a:ext uri="{FF2B5EF4-FFF2-40B4-BE49-F238E27FC236}">
+                <a16:creationId xmlns:a16="http://schemas.microsoft.com/office/drawing/2014/main" id="{7888631E-80D8-EFFC-63F1-660F683C84C2}"/>
+              </a:ext>
+            </a:extLst>
+          </p:cNvPr>
+          <p:cNvSpPr>
+            <a:spLocks noGrp="1"/>
+          </p:cNvSpPr>
+          <p:nvPr>
+            <p:ph idx="1"/>
+          </p:nvPr>
+        </p:nvSpPr>
+        <p:spPr/>
+        <p:txBody>
+          <a:bodyPr>
+            <a:normAutofit/>
+          </a:bodyPr>
+          <a:lstStyle/>
+          <a:p>
+            <a:endParaRPr lang="fr-FR" dirty="0"/>
+          </a:p>
+        </p:txBody>
+      </p:sp>
+    </p:spTree>
+    <p:extLst>
+      <p:ext uri="{BB962C8B-B14F-4D97-AF65-F5344CB8AC3E}">
+        <p14:creationId xmlns:p14="http://schemas.microsoft.com/office/powerpoint/2010/main" val="3068688433"/>
+      </p:ext>
+    </p:extLst>
+  </p:cSld>
+  <p:clrMapOvr>
+    <a:masterClrMapping/>
+  </p:clrMapOvr>
+</p:sld>
+</file>
+
 <file path=ppt/slides/slide2.xml><?xml version="1.0" encoding="utf-8"?>
 <p:sld xmlns:a="http://schemas.openxmlformats.org/drawingml/2006/main" xmlns:r="http://schemas.openxmlformats.org/officeDocument/2006/relationships" xmlns:p="http://schemas.openxmlformats.org/presentationml/2006/main">
   <p:cSld>
@@ -14126,89 +16421,6 @@
 <file path=ppt/slides/slide7.xml><?xml version="1.0" encoding="utf-8"?>
 <p:sld xmlns:a="http://schemas.openxmlformats.org/drawingml/2006/main" xmlns:r="http://schemas.openxmlformats.org/officeDocument/2006/relationships" xmlns:p="http://schemas.openxmlformats.org/presentationml/2006/main">
   <p:cSld>
-    <p:spTree>
-      <p:nvGrpSpPr>
-        <p:cNvPr id="1" name=""/>
-        <p:cNvGrpSpPr/>
-        <p:nvPr/>
-      </p:nvGrpSpPr>
-      <p:grpSpPr>
-        <a:xfrm>
-          <a:off x="0" y="0"/>
-          <a:ext cx="0" cy="0"/>
-          <a:chOff x="0" y="0"/>
-          <a:chExt cx="0" cy="0"/>
-        </a:xfrm>
-      </p:grpSpPr>
-      <p:sp>
-        <p:nvSpPr>
-          <p:cNvPr id="2" name="Titre 1">
-            <a:extLst>
-              <a:ext uri="{FF2B5EF4-FFF2-40B4-BE49-F238E27FC236}">
-                <a16:creationId xmlns:a16="http://schemas.microsoft.com/office/drawing/2014/main" id="{9E0F92FE-E329-C5F8-0A70-362604578015}"/>
-              </a:ext>
-            </a:extLst>
-          </p:cNvPr>
-          <p:cNvSpPr>
-            <a:spLocks noGrp="1"/>
-          </p:cNvSpPr>
-          <p:nvPr>
-            <p:ph type="title"/>
-          </p:nvPr>
-        </p:nvSpPr>
-        <p:spPr/>
-        <p:txBody>
-          <a:bodyPr/>
-          <a:lstStyle/>
-          <a:p>
-            <a:r>
-              <a:rPr lang="fr-FR" dirty="0"/>
-              <a:t>Conclusion</a:t>
-            </a:r>
-          </a:p>
-        </p:txBody>
-      </p:sp>
-      <p:sp>
-        <p:nvSpPr>
-          <p:cNvPr id="3" name="Espace réservé du contenu 2">
-            <a:extLst>
-              <a:ext uri="{FF2B5EF4-FFF2-40B4-BE49-F238E27FC236}">
-                <a16:creationId xmlns:a16="http://schemas.microsoft.com/office/drawing/2014/main" id="{A7085268-444E-A809-8613-AA356C86B45F}"/>
-              </a:ext>
-            </a:extLst>
-          </p:cNvPr>
-          <p:cNvSpPr>
-            <a:spLocks noGrp="1"/>
-          </p:cNvSpPr>
-          <p:nvPr>
-            <p:ph idx="1"/>
-          </p:nvPr>
-        </p:nvSpPr>
-        <p:spPr/>
-        <p:txBody>
-          <a:bodyPr/>
-          <a:lstStyle/>
-          <a:p>
-            <a:endParaRPr lang="fr-FR" dirty="0"/>
-          </a:p>
-        </p:txBody>
-      </p:sp>
-    </p:spTree>
-    <p:extLst>
-      <p:ext uri="{BB962C8B-B14F-4D97-AF65-F5344CB8AC3E}">
-        <p14:creationId xmlns:p14="http://schemas.microsoft.com/office/powerpoint/2010/main" val="659342449"/>
-      </p:ext>
-    </p:extLst>
-  </p:cSld>
-  <p:clrMapOvr>
-    <a:masterClrMapping/>
-  </p:clrMapOvr>
-</p:sld>
-</file>
-
-<file path=ppt/slides/slide8.xml><?xml version="1.0" encoding="utf-8"?>
-<p:sld xmlns:a="http://schemas.openxmlformats.org/drawingml/2006/main" xmlns:r="http://schemas.openxmlformats.org/officeDocument/2006/relationships" xmlns:p="http://schemas.openxmlformats.org/presentationml/2006/main">
-  <p:cSld>
     <p:bg>
       <p:bgPr>
         <a:solidFill>
@@ -14233,314 +16445,100 @@
       </p:grpSpPr>
       <p:sp>
         <p:nvSpPr>
-          <p:cNvPr id="12" name="Rectangle 11">
+          <p:cNvPr id="2" name="Titre 1">
             <a:extLst>
               <a:ext uri="{FF2B5EF4-FFF2-40B4-BE49-F238E27FC236}">
-                <a16:creationId xmlns:a16="http://schemas.microsoft.com/office/drawing/2014/main" id="{48E96387-12F1-45E4-9322-ABBF2EE040E9}"/>
-              </a:ext>
-              <a:ext uri="{C183D7F6-B498-43B3-948B-1728B52AA6E4}">
-                <adec:decorative xmlns:adec="http://schemas.microsoft.com/office/drawing/2017/decorative" val="1"/>
+                <a16:creationId xmlns:a16="http://schemas.microsoft.com/office/drawing/2014/main" id="{5B85E34E-0E4A-9254-3437-A740D2C6A08D}"/>
               </a:ext>
             </a:extLst>
           </p:cNvPr>
           <p:cNvSpPr>
-            <a:spLocks noGrp="1" noRot="1" noChangeAspect="1" noMove="1" noResize="1" noEditPoints="1" noAdjustHandles="1" noChangeArrowheads="1" noChangeShapeType="1" noTextEdit="1"/>
+            <a:spLocks noGrp="1"/>
           </p:cNvSpPr>
           <p:nvPr>
-            <p:extLst>
-              <p:ext uri="{386F3935-93C4-4BCD-93E2-E3B085C9AB24}">
-                <p16:designElem xmlns:p16="http://schemas.microsoft.com/office/powerpoint/2015/main" val="1"/>
-              </p:ext>
-            </p:extLst>
+            <p:ph type="title"/>
           </p:nvPr>
         </p:nvSpPr>
         <p:spPr>
           <a:xfrm>
-            <a:off x="446534" y="457200"/>
-            <a:ext cx="3703320" cy="94997"/>
+            <a:off x="581192" y="702156"/>
+            <a:ext cx="11029616" cy="1013800"/>
           </a:xfrm>
-          <a:prstGeom prst="rect">
-            <a:avLst/>
-          </a:prstGeom>
-          <a:solidFill>
-            <a:schemeClr val="accent1"/>
-          </a:solidFill>
-          <a:ln>
-            <a:noFill/>
-          </a:ln>
-          <a:effectLst/>
         </p:spPr>
-        <p:style>
-          <a:lnRef idx="1">
-            <a:schemeClr val="accent1"/>
-          </a:lnRef>
-          <a:fillRef idx="3">
-            <a:schemeClr val="accent1"/>
-          </a:fillRef>
-          <a:effectRef idx="2">
-            <a:schemeClr val="accent1"/>
-          </a:effectRef>
-          <a:fontRef idx="minor">
-            <a:schemeClr val="lt1"/>
-          </a:fontRef>
-        </p:style>
         <p:txBody>
-          <a:bodyPr/>
+          <a:bodyPr>
+            <a:normAutofit/>
+          </a:bodyPr>
           <a:lstStyle/>
           <a:p>
-            <a:endParaRPr lang="fr-FR"/>
+            <a:r>
+              <a:rPr lang="fr-FR" dirty="0"/>
+              <a:t>IS IT BETTER TO PLAY AT HOME ?</a:t>
+            </a:r>
           </a:p>
         </p:txBody>
       </p:sp>
       <p:sp>
         <p:nvSpPr>
-          <p:cNvPr id="14" name="Rectangle 13">
+          <p:cNvPr id="17" name="Content Placeholder 11">
             <a:extLst>
               <a:ext uri="{FF2B5EF4-FFF2-40B4-BE49-F238E27FC236}">
-                <a16:creationId xmlns:a16="http://schemas.microsoft.com/office/drawing/2014/main" id="{A9F421DD-DE4E-4547-A904-3F80E25E3F35}"/>
-              </a:ext>
-              <a:ext uri="{C183D7F6-B498-43B3-948B-1728B52AA6E4}">
-                <adec:decorative xmlns:adec="http://schemas.microsoft.com/office/drawing/2017/decorative" val="1"/>
+                <a16:creationId xmlns:a16="http://schemas.microsoft.com/office/drawing/2014/main" id="{49C5C8BF-FD5B-74C7-C9FB-433CB8AA97C9}"/>
               </a:ext>
             </a:extLst>
           </p:cNvPr>
           <p:cNvSpPr>
-            <a:spLocks noGrp="1" noRot="1" noChangeAspect="1" noMove="1" noResize="1" noEditPoints="1" noAdjustHandles="1" noChangeArrowheads="1" noChangeShapeType="1" noTextEdit="1"/>
+            <a:spLocks noGrp="1"/>
           </p:cNvSpPr>
           <p:nvPr>
-            <p:extLst>
-              <p:ext uri="{386F3935-93C4-4BCD-93E2-E3B085C9AB24}">
-                <p16:designElem xmlns:p16="http://schemas.microsoft.com/office/powerpoint/2015/main" val="1"/>
-              </p:ext>
-            </p:extLst>
+            <p:ph idx="1"/>
           </p:nvPr>
         </p:nvSpPr>
         <p:spPr>
           <a:xfrm>
-            <a:off x="8042147" y="453643"/>
-            <a:ext cx="3703320" cy="98554"/>
+            <a:off x="581192" y="2498466"/>
+            <a:ext cx="3353378" cy="3434663"/>
           </a:xfrm>
-          <a:prstGeom prst="rect">
-            <a:avLst/>
-          </a:prstGeom>
-          <a:solidFill>
-            <a:schemeClr val="accent4"/>
-          </a:solidFill>
-          <a:ln>
-            <a:noFill/>
-          </a:ln>
-          <a:effectLst/>
         </p:spPr>
-        <p:style>
-          <a:lnRef idx="1">
-            <a:schemeClr val="accent1"/>
-          </a:lnRef>
-          <a:fillRef idx="3">
-            <a:schemeClr val="accent1"/>
-          </a:fillRef>
-          <a:effectRef idx="2">
-            <a:schemeClr val="accent1"/>
-          </a:effectRef>
-          <a:fontRef idx="minor">
-            <a:schemeClr val="lt1"/>
-          </a:fontRef>
-        </p:style>
         <p:txBody>
-          <a:bodyPr/>
+          <a:bodyPr>
+            <a:normAutofit/>
+          </a:bodyPr>
           <a:lstStyle/>
           <a:p>
-            <a:endParaRPr lang="fr-FR"/>
+            <a:r>
+              <a:rPr lang="en-US" dirty="0"/>
+              <a:t>Fast answer : YES !</a:t>
+            </a:r>
           </a:p>
-        </p:txBody>
-      </p:sp>
-      <p:sp>
-        <p:nvSpPr>
-          <p:cNvPr id="16" name="Rectangle 15">
-            <a:extLst>
-              <a:ext uri="{FF2B5EF4-FFF2-40B4-BE49-F238E27FC236}">
-                <a16:creationId xmlns:a16="http://schemas.microsoft.com/office/drawing/2014/main" id="{09985DEC-1215-4209-9708-B45CC977402E}"/>
-              </a:ext>
-              <a:ext uri="{C183D7F6-B498-43B3-948B-1728B52AA6E4}">
-                <adec:decorative xmlns:adec="http://schemas.microsoft.com/office/drawing/2017/decorative" val="1"/>
-              </a:ext>
-            </a:extLst>
-          </p:cNvPr>
-          <p:cNvSpPr>
-            <a:spLocks noGrp="1" noRot="1" noChangeAspect="1" noMove="1" noResize="1" noEditPoints="1" noAdjustHandles="1" noChangeArrowheads="1" noChangeShapeType="1" noTextEdit="1"/>
-          </p:cNvSpPr>
-          <p:nvPr>
-            <p:extLst>
-              <p:ext uri="{386F3935-93C4-4BCD-93E2-E3B085C9AB24}">
-                <p16:designElem xmlns:p16="http://schemas.microsoft.com/office/powerpoint/2015/main" val="1"/>
-              </p:ext>
-            </p:extLst>
-          </p:nvPr>
-        </p:nvSpPr>
-        <p:spPr>
-          <a:xfrm>
-            <a:off x="4241830" y="457200"/>
-            <a:ext cx="3703320" cy="91440"/>
-          </a:xfrm>
-          <a:prstGeom prst="rect">
-            <a:avLst/>
-          </a:prstGeom>
-          <a:solidFill>
-            <a:schemeClr val="accent2"/>
-          </a:solidFill>
-          <a:ln>
-            <a:noFill/>
-          </a:ln>
-          <a:effectLst/>
-        </p:spPr>
-        <p:style>
-          <a:lnRef idx="1">
-            <a:schemeClr val="accent1"/>
-          </a:lnRef>
-          <a:fillRef idx="3">
-            <a:schemeClr val="accent1"/>
-          </a:fillRef>
-          <a:effectRef idx="2">
-            <a:schemeClr val="accent1"/>
-          </a:effectRef>
-          <a:fontRef idx="minor">
-            <a:schemeClr val="lt1"/>
-          </a:fontRef>
-        </p:style>
-        <p:txBody>
-          <a:bodyPr/>
-          <a:lstStyle/>
           <a:p>
-            <a:endParaRPr lang="fr-FR"/>
+            <a:r>
+              <a:rPr lang="en-US" dirty="0"/>
+              <a:t>Home teams score more and </a:t>
+            </a:r>
+            <a:r>
+              <a:rPr lang="en-US" dirty="0" err="1"/>
+              <a:t>conced</a:t>
+            </a:r>
+            <a:r>
+              <a:rPr lang="en-US" dirty="0"/>
+              <a:t> less</a:t>
+            </a:r>
           </a:p>
-        </p:txBody>
-      </p:sp>
-      <p:sp>
-        <p:nvSpPr>
-          <p:cNvPr id="18" name="Rectangle 17">
-            <a:extLst>
-              <a:ext uri="{FF2B5EF4-FFF2-40B4-BE49-F238E27FC236}">
-                <a16:creationId xmlns:a16="http://schemas.microsoft.com/office/drawing/2014/main" id="{90EB7086-616E-4D44-94BE-D0F763561782}"/>
-              </a:ext>
-              <a:ext uri="{C183D7F6-B498-43B3-948B-1728B52AA6E4}">
-                <adec:decorative xmlns:adec="http://schemas.microsoft.com/office/drawing/2017/decorative" val="1"/>
-              </a:ext>
-            </a:extLst>
-          </p:cNvPr>
-          <p:cNvSpPr>
-            <a:spLocks noGrp="1" noRot="1" noChangeAspect="1" noMove="1" noResize="1" noEditPoints="1" noAdjustHandles="1" noChangeArrowheads="1" noChangeShapeType="1" noTextEdit="1"/>
-          </p:cNvSpPr>
-          <p:nvPr>
-            <p:extLst>
-              <p:ext uri="{386F3935-93C4-4BCD-93E2-E3B085C9AB24}">
-                <p16:designElem xmlns:p16="http://schemas.microsoft.com/office/powerpoint/2015/main" val="1"/>
-              </p:ext>
-            </p:extLst>
-          </p:nvPr>
-        </p:nvSpPr>
-        <p:spPr>
-          <a:xfrm>
-            <a:off x="446534" y="3085765"/>
-            <a:ext cx="11262866" cy="3304800"/>
-          </a:xfrm>
-          <a:prstGeom prst="rect">
-            <a:avLst/>
-          </a:prstGeom>
-          <a:solidFill>
-            <a:schemeClr val="accent1"/>
-          </a:solidFill>
-          <a:ln>
-            <a:noFill/>
-          </a:ln>
-          <a:effectLst/>
-        </p:spPr>
-        <p:style>
-          <a:lnRef idx="1">
-            <a:schemeClr val="accent1"/>
-          </a:lnRef>
-          <a:fillRef idx="3">
-            <a:schemeClr val="accent1"/>
-          </a:fillRef>
-          <a:effectRef idx="2">
-            <a:schemeClr val="accent1"/>
-          </a:effectRef>
-          <a:fontRef idx="minor">
-            <a:schemeClr val="lt1"/>
-          </a:fontRef>
-        </p:style>
-        <p:txBody>
-          <a:bodyPr/>
-          <a:lstStyle/>
           <a:p>
-            <a:endParaRPr lang="fr-FR"/>
-          </a:p>
-        </p:txBody>
-      </p:sp>
-      <p:sp useBgFill="1">
-        <p:nvSpPr>
-          <p:cNvPr id="20" name="Rectangle 19">
-            <a:extLst>
-              <a:ext uri="{FF2B5EF4-FFF2-40B4-BE49-F238E27FC236}">
-                <a16:creationId xmlns:a16="http://schemas.microsoft.com/office/drawing/2014/main" id="{99D7C13F-A74A-458C-BD0A-E94D29F59A8A}"/>
-              </a:ext>
-              <a:ext uri="{C183D7F6-B498-43B3-948B-1728B52AA6E4}">
-                <adec:decorative xmlns:adec="http://schemas.microsoft.com/office/drawing/2017/decorative" val="1"/>
-              </a:ext>
-            </a:extLst>
-          </p:cNvPr>
-          <p:cNvSpPr>
-            <a:spLocks noGrp="1" noRot="1" noChangeAspect="1" noMove="1" noResize="1" noEditPoints="1" noAdjustHandles="1" noChangeArrowheads="1" noChangeShapeType="1" noTextEdit="1"/>
-          </p:cNvSpPr>
-          <p:nvPr>
-            <p:extLst>
-              <p:ext uri="{386F3935-93C4-4BCD-93E2-E3B085C9AB24}">
-                <p16:designElem xmlns:p16="http://schemas.microsoft.com/office/powerpoint/2015/main" val="1"/>
-              </p:ext>
-            </p:extLst>
-          </p:nvPr>
-        </p:nvSpPr>
-        <p:spPr>
-          <a:xfrm>
-            <a:off x="0" y="638175"/>
-            <a:ext cx="12191999" cy="6219825"/>
-          </a:xfrm>
-          <a:prstGeom prst="rect">
-            <a:avLst/>
-          </a:prstGeom>
-          <a:ln>
-            <a:noFill/>
-          </a:ln>
-        </p:spPr>
-        <p:style>
-          <a:lnRef idx="2">
-            <a:schemeClr val="accent1">
-              <a:shade val="50000"/>
-            </a:schemeClr>
-          </a:lnRef>
-          <a:fillRef idx="1">
-            <a:schemeClr val="accent1"/>
-          </a:fillRef>
-          <a:effectRef idx="0">
-            <a:schemeClr val="accent1"/>
-          </a:effectRef>
-          <a:fontRef idx="minor">
-            <a:schemeClr val="lt1"/>
-          </a:fontRef>
-        </p:style>
-        <p:txBody>
-          <a:bodyPr rtlCol="0" anchor="ctr"/>
-          <a:lstStyle/>
-          <a:p>
-            <a:pPr algn="ctr"/>
-            <a:endParaRPr lang="en-US"/>
+            <a:r>
+              <a:rPr lang="en-US" dirty="0"/>
+              <a:t>Best teams win more on away match</a:t>
+            </a:r>
           </a:p>
         </p:txBody>
       </p:sp>
       <p:pic>
         <p:nvPicPr>
-          <p:cNvPr id="7" name="Graphic 6" descr="Help">
+          <p:cNvPr id="13" name="Image 12" descr="Une image contenant texte, diagramme, ligne, capture d’écran&#10;&#10;Le contenu généré par l’IA peut être incorrect.">
             <a:extLst>
               <a:ext uri="{FF2B5EF4-FFF2-40B4-BE49-F238E27FC236}">
-                <a16:creationId xmlns:a16="http://schemas.microsoft.com/office/drawing/2014/main" id="{BC54648A-A386-6744-9C24-33F8D4054C61}"/>
+                <a16:creationId xmlns:a16="http://schemas.microsoft.com/office/drawing/2014/main" id="{41687BAC-4DA2-C210-5B69-B67388616D4A}"/>
               </a:ext>
             </a:extLst>
           </p:cNvPr>
@@ -14555,8 +16553,41 @@
               <a:ext uri="{28A0092B-C50C-407E-A947-70E740481C1C}">
                 <a14:useLocalDpi xmlns:a14="http://schemas.microsoft.com/office/drawing/2010/main" val="0"/>
               </a:ext>
-              <a:ext uri="{96DAC541-7B7A-43D3-8B79-37D633B846F1}">
-                <asvg:svgBlip xmlns:asvg="http://schemas.microsoft.com/office/drawing/2016/SVG/main" r:embed="rId3"/>
+            </a:extLst>
+          </a:blip>
+          <a:stretch>
+            <a:fillRect/>
+          </a:stretch>
+        </p:blipFill>
+        <p:spPr>
+          <a:xfrm>
+            <a:off x="4267311" y="2498466"/>
+            <a:ext cx="3657378" cy="3657378"/>
+          </a:xfrm>
+          <a:prstGeom prst="rect">
+            <a:avLst/>
+          </a:prstGeom>
+        </p:spPr>
+      </p:pic>
+      <p:pic>
+        <p:nvPicPr>
+          <p:cNvPr id="16" name="Image 15" descr="Une image contenant texte, diagramme, ligne, Parallèle&#10;&#10;Le contenu généré par l’IA peut être incorrect.">
+            <a:extLst>
+              <a:ext uri="{FF2B5EF4-FFF2-40B4-BE49-F238E27FC236}">
+                <a16:creationId xmlns:a16="http://schemas.microsoft.com/office/drawing/2014/main" id="{1F3CB701-3FFD-87B8-594B-377A4E163E7F}"/>
+              </a:ext>
+            </a:extLst>
+          </p:cNvPr>
+          <p:cNvPicPr>
+            <a:picLocks noChangeAspect="1"/>
+          </p:cNvPicPr>
+          <p:nvPr/>
+        </p:nvPicPr>
+        <p:blipFill>
+          <a:blip r:embed="rId3">
+            <a:extLst>
+              <a:ext uri="{28A0092B-C50C-407E-A947-70E740481C1C}">
+                <a14:useLocalDpi xmlns:a14="http://schemas.microsoft.com/office/drawing/2010/main" val="0"/>
               </a:ext>
             </a:extLst>
           </a:blip>
@@ -14566,81 +16597,50 @@
         </p:blipFill>
         <p:spPr>
           <a:xfrm>
-            <a:off x="1146048" y="1208531"/>
-            <a:ext cx="4735069" cy="4735069"/>
+            <a:off x="8177261" y="2498466"/>
+            <a:ext cx="3657378" cy="3657378"/>
           </a:xfrm>
           <a:prstGeom prst="rect">
             <a:avLst/>
           </a:prstGeom>
         </p:spPr>
       </p:pic>
-      <p:sp>
-        <p:nvSpPr>
-          <p:cNvPr id="22" name="Rectangle 21">
-            <a:extLst>
-              <a:ext uri="{FF2B5EF4-FFF2-40B4-BE49-F238E27FC236}">
-                <a16:creationId xmlns:a16="http://schemas.microsoft.com/office/drawing/2014/main" id="{4EA0D2BB-E66C-43E1-9553-F0782C709386}"/>
-              </a:ext>
-              <a:ext uri="{C183D7F6-B498-43B3-948B-1728B52AA6E4}">
-                <adec:decorative xmlns:adec="http://schemas.microsoft.com/office/drawing/2017/decorative" val="1"/>
-              </a:ext>
-            </a:extLst>
-          </p:cNvPr>
-          <p:cNvSpPr>
-            <a:spLocks noGrp="1" noRot="1" noChangeAspect="1" noMove="1" noResize="1" noEditPoints="1" noAdjustHandles="1" noChangeArrowheads="1" noChangeShapeType="1" noTextEdit="1"/>
-          </p:cNvSpPr>
-          <p:nvPr>
-            <p:extLst>
-              <p:ext uri="{386F3935-93C4-4BCD-93E2-E3B085C9AB24}">
-                <p16:designElem xmlns:p16="http://schemas.microsoft.com/office/powerpoint/2015/main" val="1"/>
-              </p:ext>
-            </p:extLst>
-          </p:nvPr>
-        </p:nvSpPr>
-        <p:spPr>
-          <a:xfrm>
-            <a:off x="6736079" y="723899"/>
-            <a:ext cx="5009388" cy="5666666"/>
-          </a:xfrm>
-          <a:prstGeom prst="rect">
-            <a:avLst/>
-          </a:prstGeom>
-          <a:solidFill>
-            <a:schemeClr val="accent1"/>
-          </a:solidFill>
-          <a:ln>
-            <a:noFill/>
-          </a:ln>
-          <a:effectLst/>
-        </p:spPr>
-        <p:style>
-          <a:lnRef idx="1">
-            <a:schemeClr val="accent1"/>
-          </a:lnRef>
-          <a:fillRef idx="3">
-            <a:schemeClr val="accent1"/>
-          </a:fillRef>
-          <a:effectRef idx="2">
-            <a:schemeClr val="accent1"/>
-          </a:effectRef>
-          <a:fontRef idx="minor">
-            <a:schemeClr val="lt1"/>
-          </a:fontRef>
-        </p:style>
-        <p:txBody>
-          <a:bodyPr/>
-          <a:lstStyle/>
-          <a:p>
-            <a:endParaRPr lang="fr-FR"/>
-          </a:p>
-        </p:txBody>
-      </p:sp>
+    </p:spTree>
+    <p:extLst>
+      <p:ext uri="{BB962C8B-B14F-4D97-AF65-F5344CB8AC3E}">
+        <p14:creationId xmlns:p14="http://schemas.microsoft.com/office/powerpoint/2010/main" val="123848358"/>
+      </p:ext>
+    </p:extLst>
+  </p:cSld>
+  <p:clrMapOvr>
+    <a:masterClrMapping/>
+  </p:clrMapOvr>
+</p:sld>
+</file>
+
+<file path=ppt/slides/slide8.xml><?xml version="1.0" encoding="utf-8"?>
+<p:sld xmlns:a="http://schemas.openxmlformats.org/drawingml/2006/main" xmlns:r="http://schemas.openxmlformats.org/officeDocument/2006/relationships" xmlns:p="http://schemas.openxmlformats.org/presentationml/2006/main">
+  <p:cSld>
+    <p:spTree>
+      <p:nvGrpSpPr>
+        <p:cNvPr id="1" name=""/>
+        <p:cNvGrpSpPr/>
+        <p:nvPr/>
+      </p:nvGrpSpPr>
+      <p:grpSpPr>
+        <a:xfrm>
+          <a:off x="0" y="0"/>
+          <a:ext cx="0" cy="0"/>
+          <a:chOff x="0" y="0"/>
+          <a:chExt cx="0" cy="0"/>
+        </a:xfrm>
+      </p:grpSpPr>
       <p:sp>
         <p:nvSpPr>
           <p:cNvPr id="2" name="Titre 1">
             <a:extLst>
               <a:ext uri="{FF2B5EF4-FFF2-40B4-BE49-F238E27FC236}">
-                <a16:creationId xmlns:a16="http://schemas.microsoft.com/office/drawing/2014/main" id="{5A84D677-06EF-0036-3178-6DAE00E46496}"/>
+                <a16:creationId xmlns:a16="http://schemas.microsoft.com/office/drawing/2014/main" id="{CCC0E5A2-FF52-04D0-D4F1-598A98D3B08F}"/>
               </a:ext>
             </a:extLst>
           </p:cNvPr>
@@ -14651,33 +16651,74 @@
             <p:ph type="title"/>
           </p:nvPr>
         </p:nvSpPr>
-        <p:spPr>
-          <a:xfrm>
-            <a:off x="7261934" y="1419225"/>
-            <a:ext cx="4115917" cy="2085869"/>
-          </a:xfrm>
-        </p:spPr>
+        <p:spPr/>
         <p:txBody>
-          <a:bodyPr vert="horz" lIns="91440" tIns="45720" rIns="91440" bIns="45720" rtlCol="0" anchor="b">
-            <a:normAutofit/>
-          </a:bodyPr>
+          <a:bodyPr/>
           <a:lstStyle/>
           <a:p>
             <a:r>
-              <a:rPr lang="en-US" sz="3600" dirty="0">
-                <a:solidFill>
-                  <a:srgbClr val="FFFFFF"/>
-                </a:solidFill>
-              </a:rPr>
-              <a:t>Questions</a:t>
-            </a:r>
+              <a:rPr lang="fr-FR" dirty="0"/>
+              <a:t>One of the </a:t>
+            </a:r>
+            <a:r>
+              <a:rPr lang="fr-FR" dirty="0" err="1"/>
+              <a:t>most</a:t>
+            </a:r>
+            <a:r>
+              <a:rPr lang="fr-FR" dirty="0"/>
+              <a:t> important </a:t>
+            </a:r>
+            <a:r>
+              <a:rPr lang="fr-FR" dirty="0" err="1"/>
+              <a:t>feature</a:t>
+            </a:r>
+            <a:r>
+              <a:rPr lang="fr-FR" dirty="0"/>
+              <a:t> : Team </a:t>
+            </a:r>
+            <a:r>
+              <a:rPr lang="fr-FR" dirty="0" err="1"/>
+              <a:t>form</a:t>
+            </a:r>
+            <a:endParaRPr lang="fr-FR" dirty="0"/>
           </a:p>
         </p:txBody>
       </p:sp>
+      <p:graphicFrame>
+        <p:nvGraphicFramePr>
+          <p:cNvPr id="6" name="Espace réservé du contenu 5">
+            <a:extLst>
+              <a:ext uri="{FF2B5EF4-FFF2-40B4-BE49-F238E27FC236}">
+                <a16:creationId xmlns:a16="http://schemas.microsoft.com/office/drawing/2014/main" id="{4AF326C5-5878-2340-7458-BBCC4B54C81F}"/>
+              </a:ext>
+            </a:extLst>
+          </p:cNvPr>
+          <p:cNvGraphicFramePr>
+            <a:graphicFrameLocks noGrp="1"/>
+          </p:cNvGraphicFramePr>
+          <p:nvPr>
+            <p:ph idx="1"/>
+            <p:extLst>
+              <p:ext uri="{D42A27DB-BD31-4B8C-83A1-F6EECF244321}">
+                <p14:modId xmlns:p14="http://schemas.microsoft.com/office/powerpoint/2010/main" val="868363526"/>
+              </p:ext>
+            </p:extLst>
+          </p:nvPr>
+        </p:nvGraphicFramePr>
+        <p:xfrm>
+          <a:off x="581193" y="2181225"/>
+          <a:ext cx="11029782" cy="3678238"/>
+        </p:xfrm>
+        <a:graphic>
+          <a:graphicData uri="http://schemas.openxmlformats.org/drawingml/2006/chart">
+            <c:chart xmlns:c="http://schemas.openxmlformats.org/drawingml/2006/chart" xmlns:r="http://schemas.openxmlformats.org/officeDocument/2006/relationships" r:id="rId2"/>
+          </a:graphicData>
+        </a:graphic>
+      </p:graphicFrame>
     </p:spTree>
     <p:extLst>
       <p:ext uri="{BB962C8B-B14F-4D97-AF65-F5344CB8AC3E}">
-        <p14:creationId xmlns:p14="http://schemas.microsoft.com/office/powerpoint/2010/main" val="11558085"/>
+        <p14:creationId xmlns:p14="http://schemas.microsoft.com/office/powerpoint/2010/main" val="1632116328"/>
       </p:ext>
     </p:extLst>
   </p:cSld>
@@ -14709,7 +16750,7 @@
           <p:cNvPr id="2" name="Titre 1">
             <a:extLst>
               <a:ext uri="{FF2B5EF4-FFF2-40B4-BE49-F238E27FC236}">
-                <a16:creationId xmlns:a16="http://schemas.microsoft.com/office/drawing/2014/main" id="{6518DDBF-4F3E-B694-4D27-2C69AADDF73B}"/>
+                <a16:creationId xmlns:a16="http://schemas.microsoft.com/office/drawing/2014/main" id="{3712AFD9-B614-F4A9-2B85-6A0D9F26AC3D}"/>
               </a:ext>
             </a:extLst>
           </p:cNvPr>
@@ -14727,398 +16768,74 @@
           <a:p>
             <a:r>
               <a:rPr lang="fr-FR" dirty="0" err="1"/>
-              <a:t>Bilbiography</a:t>
-            </a:r>
-            <a:endParaRPr lang="fr-FR" dirty="0"/>
+              <a:t>Same</a:t>
+            </a:r>
+            <a:r>
+              <a:rPr lang="fr-FR" dirty="0"/>
+              <a:t> </a:t>
+            </a:r>
+            <a:r>
+              <a:rPr lang="fr-FR" dirty="0" err="1"/>
+              <a:t>tendancy</a:t>
+            </a:r>
+            <a:r>
+              <a:rPr lang="fr-FR" dirty="0"/>
+              <a:t> in </a:t>
+            </a:r>
+            <a:r>
+              <a:rPr lang="fr-FR" dirty="0" err="1"/>
+              <a:t>each</a:t>
+            </a:r>
+            <a:r>
+              <a:rPr lang="fr-FR" dirty="0"/>
+              <a:t> </a:t>
+            </a:r>
+            <a:r>
+              <a:rPr lang="fr-FR" dirty="0" err="1"/>
+              <a:t>league</a:t>
+            </a:r>
+            <a:r>
+              <a:rPr lang="fr-FR" dirty="0"/>
+              <a:t> </a:t>
+            </a:r>
           </a:p>
         </p:txBody>
       </p:sp>
-      <p:sp>
-        <p:nvSpPr>
-          <p:cNvPr id="3" name="Espace réservé du contenu 2">
+      <p:graphicFrame>
+        <p:nvGraphicFramePr>
+          <p:cNvPr id="11" name="Espace réservé du contenu 10">
             <a:extLst>
               <a:ext uri="{FF2B5EF4-FFF2-40B4-BE49-F238E27FC236}">
-                <a16:creationId xmlns:a16="http://schemas.microsoft.com/office/drawing/2014/main" id="{7888631E-80D8-EFFC-63F1-660F683C84C2}"/>
+                <a16:creationId xmlns:a16="http://schemas.microsoft.com/office/drawing/2014/main" id="{08FCB61F-C5C1-C04A-3414-A0603BA2EF82}"/>
               </a:ext>
             </a:extLst>
           </p:cNvPr>
-          <p:cNvSpPr>
-            <a:spLocks noGrp="1"/>
-          </p:cNvSpPr>
+          <p:cNvGraphicFramePr>
+            <a:graphicFrameLocks noGrp="1"/>
+          </p:cNvGraphicFramePr>
           <p:nvPr>
             <p:ph idx="1"/>
+            <p:extLst>
+              <p:ext uri="{D42A27DB-BD31-4B8C-83A1-F6EECF244321}">
+                <p14:modId xmlns:p14="http://schemas.microsoft.com/office/powerpoint/2010/main" val="2393793687"/>
+              </p:ext>
+            </p:extLst>
           </p:nvPr>
-        </p:nvSpPr>
-        <p:spPr/>
-        <p:txBody>
-          <a:bodyPr>
-            <a:normAutofit fontScale="70000" lnSpcReduction="20000"/>
-          </a:bodyPr>
-          <a:lstStyle/>
-          <a:p>
-            <a:r>
-              <a:rPr lang="fr-FR" dirty="0"/>
-              <a:t>Bordes, A., </a:t>
-            </a:r>
-            <a:r>
-              <a:rPr lang="fr-FR" dirty="0" err="1"/>
-              <a:t>Usunier</a:t>
-            </a:r>
-            <a:r>
-              <a:rPr lang="fr-FR" dirty="0"/>
-              <a:t>, N., Garcia-Duran, A., Weston, J., and </a:t>
-            </a:r>
-            <a:r>
-              <a:rPr lang="fr-FR" dirty="0" err="1"/>
-              <a:t>Yakhnenko</a:t>
-            </a:r>
-            <a:r>
-              <a:rPr lang="fr-FR" dirty="0"/>
-              <a:t>, O. (2013). </a:t>
-            </a:r>
-            <a:r>
-              <a:rPr lang="fr-FR" dirty="0" err="1"/>
-              <a:t>Translating</a:t>
-            </a:r>
-            <a:r>
-              <a:rPr lang="fr-FR" dirty="0"/>
-              <a:t> </a:t>
-            </a:r>
-            <a:r>
-              <a:rPr lang="fr-FR" dirty="0" err="1"/>
-              <a:t>embeddings</a:t>
-            </a:r>
-            <a:r>
-              <a:rPr lang="fr-FR" dirty="0"/>
-              <a:t> </a:t>
-            </a:r>
-            <a:r>
-              <a:rPr lang="fr-FR" dirty="0" err="1"/>
-              <a:t>formodeling</a:t>
-            </a:r>
-            <a:r>
-              <a:rPr lang="fr-FR" dirty="0"/>
-              <a:t> multi-</a:t>
-            </a:r>
-            <a:r>
-              <a:rPr lang="fr-FR" dirty="0" err="1"/>
-              <a:t>relational</a:t>
-            </a:r>
-            <a:r>
-              <a:rPr lang="fr-FR" dirty="0"/>
-              <a:t> data. In </a:t>
-            </a:r>
-            <a:r>
-              <a:rPr lang="fr-FR" dirty="0" err="1"/>
-              <a:t>Burges</a:t>
-            </a:r>
-            <a:r>
-              <a:rPr lang="fr-FR" dirty="0"/>
-              <a:t>, C., </a:t>
-            </a:r>
-            <a:r>
-              <a:rPr lang="fr-FR" dirty="0" err="1"/>
-              <a:t>Bottou</a:t>
-            </a:r>
-            <a:r>
-              <a:rPr lang="fr-FR" dirty="0"/>
-              <a:t>, L., </a:t>
-            </a:r>
-            <a:r>
-              <a:rPr lang="fr-FR" dirty="0" err="1"/>
-              <a:t>Welling</a:t>
-            </a:r>
-            <a:r>
-              <a:rPr lang="fr-FR" dirty="0"/>
-              <a:t>, M., </a:t>
-            </a:r>
-            <a:r>
-              <a:rPr lang="fr-FR" dirty="0" err="1"/>
-              <a:t>Ghahramani</a:t>
-            </a:r>
-            <a:r>
-              <a:rPr lang="fr-FR" dirty="0"/>
-              <a:t>, Z., and </a:t>
-            </a:r>
-            <a:r>
-              <a:rPr lang="fr-FR" dirty="0" err="1"/>
-              <a:t>Weinberger,K</a:t>
-            </a:r>
-            <a:r>
-              <a:rPr lang="fr-FR" dirty="0"/>
-              <a:t>., editors, </a:t>
-            </a:r>
-            <a:r>
-              <a:rPr lang="fr-FR" dirty="0" err="1"/>
-              <a:t>Advances</a:t>
-            </a:r>
-            <a:r>
-              <a:rPr lang="fr-FR" dirty="0"/>
-              <a:t> in Neural Information </a:t>
-            </a:r>
-            <a:r>
-              <a:rPr lang="fr-FR" dirty="0" err="1"/>
-              <a:t>Processing</a:t>
-            </a:r>
-            <a:r>
-              <a:rPr lang="fr-FR" dirty="0"/>
-              <a:t> </a:t>
-            </a:r>
-            <a:r>
-              <a:rPr lang="fr-FR" dirty="0" err="1"/>
-              <a:t>Systems</a:t>
-            </a:r>
-            <a:r>
-              <a:rPr lang="fr-FR" dirty="0"/>
-              <a:t>, volume 26. </a:t>
-            </a:r>
-            <a:r>
-              <a:rPr lang="fr-FR" dirty="0" err="1"/>
-              <a:t>Curran</a:t>
-            </a:r>
-            <a:r>
-              <a:rPr lang="fr-FR" dirty="0"/>
-              <a:t> Associates, Inc.</a:t>
-            </a:r>
-          </a:p>
-          <a:p>
-            <a:r>
-              <a:rPr lang="en-US" dirty="0"/>
-              <a:t>Devlin, J., Chang, M.-W., Lee, K., and Toutanova, K. (2019). Bert: Pre-training of deep </a:t>
-            </a:r>
-            <a:r>
-              <a:rPr lang="en-US" dirty="0" err="1"/>
-              <a:t>bidirectionaltransformers</a:t>
-            </a:r>
-            <a:r>
-              <a:rPr lang="en-US" dirty="0"/>
-              <a:t> for language understanding.</a:t>
-            </a:r>
-            <a:endParaRPr lang="fr-FR" dirty="0"/>
-          </a:p>
-          <a:p>
-            <a:r>
-              <a:rPr lang="fr-FR" dirty="0"/>
-              <a:t>Ge, X., Wang, Y. C., Wang, B., and </a:t>
-            </a:r>
-            <a:r>
-              <a:rPr lang="fr-FR" dirty="0" err="1"/>
-              <a:t>Kuo</a:t>
-            </a:r>
-            <a:r>
-              <a:rPr lang="fr-FR" dirty="0"/>
-              <a:t>, C.-C. J. (2023). </a:t>
-            </a:r>
-            <a:r>
-              <a:rPr lang="fr-FR" dirty="0" err="1"/>
-              <a:t>Compounding</a:t>
-            </a:r>
-            <a:r>
-              <a:rPr lang="fr-FR" dirty="0"/>
-              <a:t> </a:t>
-            </a:r>
-            <a:r>
-              <a:rPr lang="fr-FR" dirty="0" err="1"/>
-              <a:t>geometric</a:t>
-            </a:r>
-            <a:r>
-              <a:rPr lang="fr-FR" dirty="0"/>
-              <a:t> </a:t>
-            </a:r>
-            <a:r>
-              <a:rPr lang="fr-FR" dirty="0" err="1"/>
-              <a:t>operations</a:t>
-            </a:r>
-            <a:r>
-              <a:rPr lang="fr-FR" dirty="0"/>
-              <a:t> for </a:t>
-            </a:r>
-            <a:r>
-              <a:rPr lang="fr-FR" dirty="0" err="1"/>
-              <a:t>knowledgegraph</a:t>
-            </a:r>
-            <a:r>
-              <a:rPr lang="fr-FR" dirty="0"/>
-              <a:t> </a:t>
-            </a:r>
-            <a:r>
-              <a:rPr lang="fr-FR" dirty="0" err="1"/>
-              <a:t>completion</a:t>
-            </a:r>
-            <a:r>
-              <a:rPr lang="fr-FR" dirty="0"/>
-              <a:t>. In Rogers, A., Boyd-</a:t>
-            </a:r>
-            <a:r>
-              <a:rPr lang="fr-FR" dirty="0" err="1"/>
-              <a:t>Graber</a:t>
-            </a:r>
-            <a:r>
-              <a:rPr lang="fr-FR" dirty="0"/>
-              <a:t>, J., and Okazaki, N., editors, </a:t>
-            </a:r>
-            <a:r>
-              <a:rPr lang="fr-FR" dirty="0" err="1"/>
-              <a:t>Proceedings</a:t>
-            </a:r>
-            <a:r>
-              <a:rPr lang="fr-FR" dirty="0"/>
-              <a:t> of the 61stAnnual Meeting of the Association for </a:t>
-            </a:r>
-            <a:r>
-              <a:rPr lang="fr-FR" dirty="0" err="1"/>
-              <a:t>Computational</a:t>
-            </a:r>
-            <a:r>
-              <a:rPr lang="fr-FR" dirty="0"/>
-              <a:t> </a:t>
-            </a:r>
-            <a:r>
-              <a:rPr lang="fr-FR" dirty="0" err="1"/>
-              <a:t>Linguistics</a:t>
-            </a:r>
-            <a:r>
-              <a:rPr lang="fr-FR" dirty="0"/>
-              <a:t> (Volume 1: Long Papers), pages 6947–6965, Toronto, Canada. Association for </a:t>
-            </a:r>
-            <a:r>
-              <a:rPr lang="fr-FR" dirty="0" err="1"/>
-              <a:t>Computational</a:t>
-            </a:r>
-            <a:r>
-              <a:rPr lang="fr-FR" dirty="0"/>
-              <a:t> </a:t>
-            </a:r>
-            <a:r>
-              <a:rPr lang="fr-FR" dirty="0" err="1"/>
-              <a:t>Linguistics</a:t>
-            </a:r>
-            <a:r>
-              <a:rPr lang="fr-FR" dirty="0"/>
-              <a:t>.</a:t>
-            </a:r>
-          </a:p>
-          <a:p>
-            <a:r>
-              <a:rPr lang="en-US" dirty="0"/>
-              <a:t>Li, M., Hu, M., King, I., and Leung, H.-f. (2024). The integration of semantic and structural knowledge </a:t>
-            </a:r>
-            <a:r>
-              <a:rPr lang="en-US" dirty="0" err="1"/>
-              <a:t>inknowledge</a:t>
-            </a:r>
-            <a:r>
-              <a:rPr lang="en-US" dirty="0"/>
-              <a:t> graph entity typing. In Proceedings of the 2024 Conference of the North American Chapter </a:t>
-            </a:r>
-            <a:r>
-              <a:rPr lang="en-US" dirty="0" err="1"/>
-              <a:t>ofthe</a:t>
-            </a:r>
-            <a:r>
-              <a:rPr lang="en-US" dirty="0"/>
-              <a:t> Association for Computational Linguistics: Human Language Technologies (Volume 1: Long Papers),page 6625–6638. Association for Computational Linguistics.</a:t>
-            </a:r>
-          </a:p>
-          <a:p>
-            <a:r>
-              <a:rPr lang="en-US" dirty="0"/>
-              <a:t>Moon, C., Jones, P., and </a:t>
-            </a:r>
-            <a:r>
-              <a:rPr lang="en-US" dirty="0" err="1"/>
-              <a:t>Samatova</a:t>
-            </a:r>
-            <a:r>
-              <a:rPr lang="en-US" dirty="0"/>
-              <a:t>, N. F. (2017). Learning entity type embeddings for knowledge </a:t>
-            </a:r>
-            <a:r>
-              <a:rPr lang="en-US" dirty="0" err="1"/>
-              <a:t>graphcompletion</a:t>
-            </a:r>
-            <a:r>
-              <a:rPr lang="en-US" dirty="0"/>
-              <a:t>. In Proceedings of the 2017 ACM on Conference on Information and Knowledge </a:t>
-            </a:r>
-            <a:r>
-              <a:rPr lang="en-US" dirty="0" err="1"/>
-              <a:t>Management,CIKM</a:t>
-            </a:r>
-            <a:r>
-              <a:rPr lang="en-US" dirty="0"/>
-              <a:t> ’17, page 2215–2218, New York, NY, USA. Association for Computing Machinery.</a:t>
-            </a:r>
-          </a:p>
-          <a:p>
-            <a:r>
-              <a:rPr lang="en-US" dirty="0"/>
-              <a:t>Sun, Z., Deng, Z.-H., Nie, J.-Y., and Tang, J. (2019). Rotate: Knowledge graph embedding by </a:t>
-            </a:r>
-            <a:r>
-              <a:rPr lang="en-US" dirty="0" err="1"/>
-              <a:t>relationalrotation</a:t>
-            </a:r>
-            <a:r>
-              <a:rPr lang="en-US" dirty="0"/>
-              <a:t> in complex space.</a:t>
-            </a:r>
-          </a:p>
-          <a:p>
-            <a:r>
-              <a:rPr lang="en-US" dirty="0" err="1"/>
-              <a:t>Trouillon</a:t>
-            </a:r>
-            <a:r>
-              <a:rPr lang="en-US" dirty="0"/>
-              <a:t>, T., </a:t>
-            </a:r>
-            <a:r>
-              <a:rPr lang="en-US" dirty="0" err="1"/>
-              <a:t>Welbl</a:t>
-            </a:r>
-            <a:r>
-              <a:rPr lang="en-US" dirty="0"/>
-              <a:t>, J., Riedel, S., ´Eric </a:t>
-            </a:r>
-            <a:r>
-              <a:rPr lang="en-US" dirty="0" err="1"/>
-              <a:t>Gaussier</a:t>
-            </a:r>
-            <a:r>
-              <a:rPr lang="en-US" dirty="0"/>
-              <a:t>, and Bouchard, G. (2016). Complex embeddings for </a:t>
-            </a:r>
-            <a:r>
-              <a:rPr lang="en-US" dirty="0" err="1"/>
-              <a:t>simplelink</a:t>
-            </a:r>
-            <a:r>
-              <a:rPr lang="en-US" dirty="0"/>
-              <a:t> prediction.</a:t>
-            </a:r>
-          </a:p>
-          <a:p>
-            <a:r>
-              <a:rPr lang="en-US" dirty="0"/>
-              <a:t>Zhao, Y., Zhang, A., Feng, H., Li, Q., Gallinari, P., and Ren, F. (2020). Knowledge graph entity typing </a:t>
-            </a:r>
-            <a:r>
-              <a:rPr lang="en-US" dirty="0" err="1"/>
-              <a:t>vialearning</a:t>
-            </a:r>
-            <a:r>
-              <a:rPr lang="en-US" dirty="0"/>
-              <a:t> connecting embeddings. Knowledge-Based Systems, 196:105808.</a:t>
-            </a:r>
-            <a:endParaRPr lang="fr-FR" dirty="0"/>
-          </a:p>
-        </p:txBody>
-      </p:sp>
+        </p:nvGraphicFramePr>
+        <p:xfrm>
+          <a:off x="581025" y="2181225"/>
+          <a:ext cx="11029950" cy="3678238"/>
+        </p:xfrm>
+        <a:graphic>
+          <a:graphicData uri="http://schemas.openxmlformats.org/drawingml/2006/chart">
+            <c:chart xmlns:c="http://schemas.openxmlformats.org/drawingml/2006/chart" xmlns:r="http://schemas.openxmlformats.org/officeDocument/2006/relationships" r:id="rId2"/>
+          </a:graphicData>
+        </a:graphic>
+      </p:graphicFrame>
     </p:spTree>
     <p:extLst>
       <p:ext uri="{BB962C8B-B14F-4D97-AF65-F5344CB8AC3E}">
-        <p14:creationId xmlns:p14="http://schemas.microsoft.com/office/powerpoint/2010/main" val="3068688433"/>
+        <p14:creationId xmlns:p14="http://schemas.microsoft.com/office/powerpoint/2010/main" val="2632432104"/>
       </p:ext>
     </p:extLst>
   </p:cSld>

--- a/Soutenance DALAS.pptx
+++ b/Soutenance DALAS.pptx
@@ -1,6 +1,6 @@
 
 <file path=ppt/presentation.xml><?xml version="1.0" encoding="utf-8"?>
-<p:presentation xmlns:a="http://schemas.openxmlformats.org/drawingml/2006/main" xmlns:r="http://schemas.openxmlformats.org/officeDocument/2006/relationships" xmlns:p="http://schemas.openxmlformats.org/presentationml/2006/main" saveSubsetFonts="1">
+<p:presentation xmlns:a="http://schemas.openxmlformats.org/drawingml/2006/main" xmlns:r="http://schemas.openxmlformats.org/officeDocument/2006/relationships" xmlns:p="http://schemas.openxmlformats.org/presentationml/2006/main" showSpecialPlsOnTitleSld="0" saveSubsetFonts="1">
   <p:sldMasterIdLst>
     <p:sldMasterId id="2147483702" r:id="rId1"/>
   </p:sldMasterIdLst>
@@ -17,8 +17,8 @@
     <p:sldId id="271" r:id="rId8"/>
     <p:sldId id="272" r:id="rId9"/>
     <p:sldId id="273" r:id="rId10"/>
-    <p:sldId id="264" r:id="rId11"/>
-    <p:sldId id="266" r:id="rId12"/>
+    <p:sldId id="274" r:id="rId11"/>
+    <p:sldId id="264" r:id="rId12"/>
   </p:sldIdLst>
   <p:sldSz cx="12192000" cy="6858000"/>
   <p:notesSz cx="6858000" cy="9144000"/>
@@ -1903,6 +1903,36 @@
   </mc:AlternateContent>
   <c:chart>
     <c:title>
+      <c:tx>
+        <c:rich>
+          <a:bodyPr rot="0" spcFirstLastPara="1" vertOverflow="ellipsis" vert="horz" wrap="square" anchor="ctr" anchorCtr="1"/>
+          <a:lstStyle/>
+          <a:p>
+            <a:pPr>
+              <a:defRPr sz="1862" b="0" i="0" u="none" strike="noStrike" kern="1200" spc="0" baseline="0">
+                <a:solidFill>
+                  <a:schemeClr val="tx1">
+                    <a:lumMod val="65000"/>
+                    <a:lumOff val="35000"/>
+                  </a:schemeClr>
+                </a:solidFill>
+                <a:latin typeface="+mn-lt"/>
+                <a:ea typeface="+mn-ea"/>
+                <a:cs typeface="+mn-cs"/>
+              </a:defRPr>
+            </a:pPr>
+            <a:r>
+              <a:rPr lang="en-US" dirty="0"/>
+              <a:t>Win</a:t>
+            </a:r>
+            <a:r>
+              <a:rPr lang="en-US" baseline="0" dirty="0"/>
+              <a:t> rate based on the general form for each league (5 last matches)</a:t>
+            </a:r>
+            <a:endParaRPr lang="en-US" dirty="0"/>
+          </a:p>
+        </c:rich>
+      </c:tx>
       <c:overlay val="0"/>
       <c:spPr>
         <a:noFill/>
@@ -1947,7 +1977,7 @@
               <c:strCache>
                 <c:ptCount val="1"/>
                 <c:pt idx="0">
-                  <c:v>Valeur des Y</c:v>
+                  <c:v>Bundesliga</c:v>
                 </c:pt>
               </c:strCache>
             </c:strRef>
@@ -1978,36 +2008,114 @@
           </c:marker>
           <c:xVal>
             <c:numRef>
-              <c:f>Feuil1!$A$2:$A$4</c:f>
+              <c:f>Feuil1!$A$2:$A$17</c:f>
               <c:numCache>
                 <c:formatCode>General</c:formatCode>
-                <c:ptCount val="3"/>
+                <c:ptCount val="16"/>
                 <c:pt idx="0">
-                  <c:v>0.7</c:v>
+                  <c:v>0</c:v>
                 </c:pt>
                 <c:pt idx="1">
-                  <c:v>1.8</c:v>
+                  <c:v>1</c:v>
                 </c:pt>
                 <c:pt idx="2">
-                  <c:v>2.6</c:v>
+                  <c:v>2</c:v>
+                </c:pt>
+                <c:pt idx="3">
+                  <c:v>3</c:v>
+                </c:pt>
+                <c:pt idx="4">
+                  <c:v>4</c:v>
+                </c:pt>
+                <c:pt idx="5">
+                  <c:v>5</c:v>
+                </c:pt>
+                <c:pt idx="6">
+                  <c:v>6</c:v>
+                </c:pt>
+                <c:pt idx="7">
+                  <c:v>7</c:v>
+                </c:pt>
+                <c:pt idx="8">
+                  <c:v>8</c:v>
+                </c:pt>
+                <c:pt idx="9">
+                  <c:v>9</c:v>
+                </c:pt>
+                <c:pt idx="10">
+                  <c:v>10</c:v>
+                </c:pt>
+                <c:pt idx="11">
+                  <c:v>11</c:v>
+                </c:pt>
+                <c:pt idx="12">
+                  <c:v>12</c:v>
+                </c:pt>
+                <c:pt idx="13">
+                  <c:v>13</c:v>
+                </c:pt>
+                <c:pt idx="14">
+                  <c:v>14</c:v>
+                </c:pt>
+                <c:pt idx="15">
+                  <c:v>15</c:v>
                 </c:pt>
               </c:numCache>
             </c:numRef>
           </c:xVal>
           <c:yVal>
             <c:numRef>
-              <c:f>Feuil1!$B$2:$B$4</c:f>
+              <c:f>Feuil1!$B$2:$B$17</c:f>
               <c:numCache>
                 <c:formatCode>General</c:formatCode>
-                <c:ptCount val="3"/>
+                <c:ptCount val="16"/>
                 <c:pt idx="0">
-                  <c:v>2.7</c:v>
+                  <c:v>0.21</c:v>
                 </c:pt>
                 <c:pt idx="1">
-                  <c:v>3.2</c:v>
+                  <c:v>0.20799999999999999</c:v>
                 </c:pt>
                 <c:pt idx="2">
-                  <c:v>0.8</c:v>
+                  <c:v>0.215</c:v>
+                </c:pt>
+                <c:pt idx="3">
+                  <c:v>0.42</c:v>
+                </c:pt>
+                <c:pt idx="4">
+                  <c:v>0.35</c:v>
+                </c:pt>
+                <c:pt idx="5">
+                  <c:v>0.35399999999999998</c:v>
+                </c:pt>
+                <c:pt idx="6">
+                  <c:v>0.35</c:v>
+                </c:pt>
+                <c:pt idx="7">
+                  <c:v>0.39500000000000002</c:v>
+                </c:pt>
+                <c:pt idx="8">
+                  <c:v>0.47499999999999998</c:v>
+                </c:pt>
+                <c:pt idx="9">
+                  <c:v>0.48499999999999999</c:v>
+                </c:pt>
+                <c:pt idx="10">
+                  <c:v>0.38</c:v>
+                </c:pt>
+                <c:pt idx="11">
+                  <c:v>0.56000000000000005</c:v>
+                </c:pt>
+                <c:pt idx="12">
+                  <c:v>0.45</c:v>
+                </c:pt>
+                <c:pt idx="13">
+                  <c:v>0.63</c:v>
+                </c:pt>
+                <c:pt idx="14">
+                  <c:v>0.58499999999999996</c:v>
+                </c:pt>
+                <c:pt idx="15">
+                  <c:v>0.55000000000000004</c:v>
                 </c:pt>
               </c:numCache>
             </c:numRef>
@@ -2016,6 +2124,642 @@
           <c:extLst>
             <c:ext xmlns:c16="http://schemas.microsoft.com/office/drawing/2014/chart" uri="{C3380CC4-5D6E-409C-BE32-E72D297353CC}">
               <c16:uniqueId val="{00000000-0640-4F3E-BE29-2C5F2E851F73}"/>
+            </c:ext>
+          </c:extLst>
+        </c:ser>
+        <c:ser>
+          <c:idx val="1"/>
+          <c:order val="1"/>
+          <c:tx>
+            <c:strRef>
+              <c:f>Feuil1!$C$1</c:f>
+              <c:strCache>
+                <c:ptCount val="1"/>
+                <c:pt idx="0">
+                  <c:v>La Liga</c:v>
+                </c:pt>
+              </c:strCache>
+            </c:strRef>
+          </c:tx>
+          <c:spPr>
+            <a:ln w="19050" cap="rnd">
+              <a:solidFill>
+                <a:schemeClr val="accent2"/>
+              </a:solidFill>
+              <a:round/>
+            </a:ln>
+            <a:effectLst/>
+          </c:spPr>
+          <c:marker>
+            <c:symbol val="circle"/>
+            <c:size val="5"/>
+            <c:spPr>
+              <a:solidFill>
+                <a:schemeClr val="accent2"/>
+              </a:solidFill>
+              <a:ln w="9525">
+                <a:solidFill>
+                  <a:schemeClr val="accent2"/>
+                </a:solidFill>
+              </a:ln>
+              <a:effectLst/>
+            </c:spPr>
+          </c:marker>
+          <c:xVal>
+            <c:numRef>
+              <c:f>Feuil1!$A$2:$A$17</c:f>
+              <c:numCache>
+                <c:formatCode>General</c:formatCode>
+                <c:ptCount val="16"/>
+                <c:pt idx="0">
+                  <c:v>0</c:v>
+                </c:pt>
+                <c:pt idx="1">
+                  <c:v>1</c:v>
+                </c:pt>
+                <c:pt idx="2">
+                  <c:v>2</c:v>
+                </c:pt>
+                <c:pt idx="3">
+                  <c:v>3</c:v>
+                </c:pt>
+                <c:pt idx="4">
+                  <c:v>4</c:v>
+                </c:pt>
+                <c:pt idx="5">
+                  <c:v>5</c:v>
+                </c:pt>
+                <c:pt idx="6">
+                  <c:v>6</c:v>
+                </c:pt>
+                <c:pt idx="7">
+                  <c:v>7</c:v>
+                </c:pt>
+                <c:pt idx="8">
+                  <c:v>8</c:v>
+                </c:pt>
+                <c:pt idx="9">
+                  <c:v>9</c:v>
+                </c:pt>
+                <c:pt idx="10">
+                  <c:v>10</c:v>
+                </c:pt>
+                <c:pt idx="11">
+                  <c:v>11</c:v>
+                </c:pt>
+                <c:pt idx="12">
+                  <c:v>12</c:v>
+                </c:pt>
+                <c:pt idx="13">
+                  <c:v>13</c:v>
+                </c:pt>
+                <c:pt idx="14">
+                  <c:v>14</c:v>
+                </c:pt>
+                <c:pt idx="15">
+                  <c:v>15</c:v>
+                </c:pt>
+              </c:numCache>
+            </c:numRef>
+          </c:xVal>
+          <c:yVal>
+            <c:numRef>
+              <c:f>Feuil1!$C$2:$C$17</c:f>
+              <c:numCache>
+                <c:formatCode>General</c:formatCode>
+                <c:ptCount val="16"/>
+                <c:pt idx="0">
+                  <c:v>0.19</c:v>
+                </c:pt>
+                <c:pt idx="1">
+                  <c:v>0.21</c:v>
+                </c:pt>
+                <c:pt idx="2">
+                  <c:v>0.39500000000000002</c:v>
+                </c:pt>
+                <c:pt idx="3">
+                  <c:v>0.35</c:v>
+                </c:pt>
+                <c:pt idx="4">
+                  <c:v>0.34</c:v>
+                </c:pt>
+                <c:pt idx="5">
+                  <c:v>0.39</c:v>
+                </c:pt>
+                <c:pt idx="6">
+                  <c:v>0.315</c:v>
+                </c:pt>
+                <c:pt idx="7">
+                  <c:v>0.40500000000000003</c:v>
+                </c:pt>
+                <c:pt idx="8">
+                  <c:v>0.32</c:v>
+                </c:pt>
+                <c:pt idx="9">
+                  <c:v>0.45</c:v>
+                </c:pt>
+                <c:pt idx="10">
+                  <c:v>0.42</c:v>
+                </c:pt>
+                <c:pt idx="11">
+                  <c:v>0.40500000000000003</c:v>
+                </c:pt>
+                <c:pt idx="12">
+                  <c:v>0.505</c:v>
+                </c:pt>
+                <c:pt idx="13">
+                  <c:v>0.61</c:v>
+                </c:pt>
+                <c:pt idx="14">
+                  <c:v>0.56499999999999995</c:v>
+                </c:pt>
+                <c:pt idx="15">
+                  <c:v>0.53</c:v>
+                </c:pt>
+              </c:numCache>
+            </c:numRef>
+          </c:yVal>
+          <c:smooth val="0"/>
+          <c:extLst>
+            <c:ext xmlns:c16="http://schemas.microsoft.com/office/drawing/2014/chart" uri="{C3380CC4-5D6E-409C-BE32-E72D297353CC}">
+              <c16:uniqueId val="{00000001-0640-4F3E-BE29-2C5F2E851F73}"/>
+            </c:ext>
+          </c:extLst>
+        </c:ser>
+        <c:ser>
+          <c:idx val="2"/>
+          <c:order val="2"/>
+          <c:tx>
+            <c:strRef>
+              <c:f>Feuil1!$D$1</c:f>
+              <c:strCache>
+                <c:ptCount val="1"/>
+                <c:pt idx="0">
+                  <c:v>Ligue 1</c:v>
+                </c:pt>
+              </c:strCache>
+            </c:strRef>
+          </c:tx>
+          <c:spPr>
+            <a:ln w="19050" cap="rnd">
+              <a:solidFill>
+                <a:schemeClr val="accent3"/>
+              </a:solidFill>
+              <a:round/>
+            </a:ln>
+            <a:effectLst/>
+          </c:spPr>
+          <c:marker>
+            <c:symbol val="circle"/>
+            <c:size val="5"/>
+            <c:spPr>
+              <a:solidFill>
+                <a:schemeClr val="accent3"/>
+              </a:solidFill>
+              <a:ln w="9525">
+                <a:solidFill>
+                  <a:schemeClr val="accent3"/>
+                </a:solidFill>
+              </a:ln>
+              <a:effectLst/>
+            </c:spPr>
+          </c:marker>
+          <c:xVal>
+            <c:numRef>
+              <c:f>Feuil1!$A$2:$A$17</c:f>
+              <c:numCache>
+                <c:formatCode>General</c:formatCode>
+                <c:ptCount val="16"/>
+                <c:pt idx="0">
+                  <c:v>0</c:v>
+                </c:pt>
+                <c:pt idx="1">
+                  <c:v>1</c:v>
+                </c:pt>
+                <c:pt idx="2">
+                  <c:v>2</c:v>
+                </c:pt>
+                <c:pt idx="3">
+                  <c:v>3</c:v>
+                </c:pt>
+                <c:pt idx="4">
+                  <c:v>4</c:v>
+                </c:pt>
+                <c:pt idx="5">
+                  <c:v>5</c:v>
+                </c:pt>
+                <c:pt idx="6">
+                  <c:v>6</c:v>
+                </c:pt>
+                <c:pt idx="7">
+                  <c:v>7</c:v>
+                </c:pt>
+                <c:pt idx="8">
+                  <c:v>8</c:v>
+                </c:pt>
+                <c:pt idx="9">
+                  <c:v>9</c:v>
+                </c:pt>
+                <c:pt idx="10">
+                  <c:v>10</c:v>
+                </c:pt>
+                <c:pt idx="11">
+                  <c:v>11</c:v>
+                </c:pt>
+                <c:pt idx="12">
+                  <c:v>12</c:v>
+                </c:pt>
+                <c:pt idx="13">
+                  <c:v>13</c:v>
+                </c:pt>
+                <c:pt idx="14">
+                  <c:v>14</c:v>
+                </c:pt>
+                <c:pt idx="15">
+                  <c:v>15</c:v>
+                </c:pt>
+              </c:numCache>
+            </c:numRef>
+          </c:xVal>
+          <c:yVal>
+            <c:numRef>
+              <c:f>Feuil1!$D$2:$D$17</c:f>
+              <c:numCache>
+                <c:formatCode>General</c:formatCode>
+                <c:ptCount val="16"/>
+                <c:pt idx="0">
+                  <c:v>0.1</c:v>
+                </c:pt>
+                <c:pt idx="1">
+                  <c:v>0.22</c:v>
+                </c:pt>
+                <c:pt idx="2">
+                  <c:v>0.22500000000000001</c:v>
+                </c:pt>
+                <c:pt idx="3">
+                  <c:v>0.42</c:v>
+                </c:pt>
+                <c:pt idx="4">
+                  <c:v>0.32</c:v>
+                </c:pt>
+                <c:pt idx="5">
+                  <c:v>0.36</c:v>
+                </c:pt>
+                <c:pt idx="6">
+                  <c:v>0.39</c:v>
+                </c:pt>
+                <c:pt idx="7">
+                  <c:v>0.49</c:v>
+                </c:pt>
+                <c:pt idx="8">
+                  <c:v>0.4</c:v>
+                </c:pt>
+                <c:pt idx="9">
+                  <c:v>0.40799999999999997</c:v>
+                </c:pt>
+                <c:pt idx="10">
+                  <c:v>0.46</c:v>
+                </c:pt>
+                <c:pt idx="11">
+                  <c:v>0.47</c:v>
+                </c:pt>
+                <c:pt idx="12">
+                  <c:v>0.4</c:v>
+                </c:pt>
+                <c:pt idx="13">
+                  <c:v>0.5</c:v>
+                </c:pt>
+                <c:pt idx="14">
+                  <c:v>0.55500000000000005</c:v>
+                </c:pt>
+                <c:pt idx="15">
+                  <c:v>0.6</c:v>
+                </c:pt>
+              </c:numCache>
+            </c:numRef>
+          </c:yVal>
+          <c:smooth val="0"/>
+          <c:extLst>
+            <c:ext xmlns:c16="http://schemas.microsoft.com/office/drawing/2014/chart" uri="{C3380CC4-5D6E-409C-BE32-E72D297353CC}">
+              <c16:uniqueId val="{00000002-0640-4F3E-BE29-2C5F2E851F73}"/>
+            </c:ext>
+          </c:extLst>
+        </c:ser>
+        <c:ser>
+          <c:idx val="3"/>
+          <c:order val="3"/>
+          <c:tx>
+            <c:strRef>
+              <c:f>Feuil1!$E$1</c:f>
+              <c:strCache>
+                <c:ptCount val="1"/>
+                <c:pt idx="0">
+                  <c:v>Premier League</c:v>
+                </c:pt>
+              </c:strCache>
+            </c:strRef>
+          </c:tx>
+          <c:spPr>
+            <a:ln w="19050" cap="rnd">
+              <a:solidFill>
+                <a:schemeClr val="accent4"/>
+              </a:solidFill>
+              <a:round/>
+            </a:ln>
+            <a:effectLst/>
+          </c:spPr>
+          <c:marker>
+            <c:symbol val="circle"/>
+            <c:size val="5"/>
+            <c:spPr>
+              <a:solidFill>
+                <a:schemeClr val="accent4"/>
+              </a:solidFill>
+              <a:ln w="9525">
+                <a:solidFill>
+                  <a:schemeClr val="accent4"/>
+                </a:solidFill>
+              </a:ln>
+              <a:effectLst/>
+            </c:spPr>
+          </c:marker>
+          <c:xVal>
+            <c:numRef>
+              <c:f>Feuil1!$A$2:$A$17</c:f>
+              <c:numCache>
+                <c:formatCode>General</c:formatCode>
+                <c:ptCount val="16"/>
+                <c:pt idx="0">
+                  <c:v>0</c:v>
+                </c:pt>
+                <c:pt idx="1">
+                  <c:v>1</c:v>
+                </c:pt>
+                <c:pt idx="2">
+                  <c:v>2</c:v>
+                </c:pt>
+                <c:pt idx="3">
+                  <c:v>3</c:v>
+                </c:pt>
+                <c:pt idx="4">
+                  <c:v>4</c:v>
+                </c:pt>
+                <c:pt idx="5">
+                  <c:v>5</c:v>
+                </c:pt>
+                <c:pt idx="6">
+                  <c:v>6</c:v>
+                </c:pt>
+                <c:pt idx="7">
+                  <c:v>7</c:v>
+                </c:pt>
+                <c:pt idx="8">
+                  <c:v>8</c:v>
+                </c:pt>
+                <c:pt idx="9">
+                  <c:v>9</c:v>
+                </c:pt>
+                <c:pt idx="10">
+                  <c:v>10</c:v>
+                </c:pt>
+                <c:pt idx="11">
+                  <c:v>11</c:v>
+                </c:pt>
+                <c:pt idx="12">
+                  <c:v>12</c:v>
+                </c:pt>
+                <c:pt idx="13">
+                  <c:v>13</c:v>
+                </c:pt>
+                <c:pt idx="14">
+                  <c:v>14</c:v>
+                </c:pt>
+                <c:pt idx="15">
+                  <c:v>15</c:v>
+                </c:pt>
+              </c:numCache>
+            </c:numRef>
+          </c:xVal>
+          <c:yVal>
+            <c:numRef>
+              <c:f>Feuil1!$E$2:$E$17</c:f>
+              <c:numCache>
+                <c:formatCode>General</c:formatCode>
+                <c:ptCount val="16"/>
+                <c:pt idx="0">
+                  <c:v>0.23799999999999999</c:v>
+                </c:pt>
+                <c:pt idx="1">
+                  <c:v>0.23499999999999999</c:v>
+                </c:pt>
+                <c:pt idx="2">
+                  <c:v>0.23400000000000001</c:v>
+                </c:pt>
+                <c:pt idx="3">
+                  <c:v>0.40500000000000003</c:v>
+                </c:pt>
+                <c:pt idx="4">
+                  <c:v>0.34</c:v>
+                </c:pt>
+                <c:pt idx="5">
+                  <c:v>0.27</c:v>
+                </c:pt>
+                <c:pt idx="6">
+                  <c:v>0.39500000000000002</c:v>
+                </c:pt>
+                <c:pt idx="7">
+                  <c:v>0.38</c:v>
+                </c:pt>
+                <c:pt idx="8">
+                  <c:v>0.40699999999999997</c:v>
+                </c:pt>
+                <c:pt idx="9">
+                  <c:v>0.43</c:v>
+                </c:pt>
+                <c:pt idx="10">
+                  <c:v>0.51</c:v>
+                </c:pt>
+                <c:pt idx="11">
+                  <c:v>0.57999999999999996</c:v>
+                </c:pt>
+                <c:pt idx="12">
+                  <c:v>0.64</c:v>
+                </c:pt>
+                <c:pt idx="13">
+                  <c:v>0.52</c:v>
+                </c:pt>
+                <c:pt idx="14">
+                  <c:v>0.64</c:v>
+                </c:pt>
+                <c:pt idx="15">
+                  <c:v>0.78</c:v>
+                </c:pt>
+              </c:numCache>
+            </c:numRef>
+          </c:yVal>
+          <c:smooth val="0"/>
+          <c:extLst>
+            <c:ext xmlns:c16="http://schemas.microsoft.com/office/drawing/2014/chart" uri="{C3380CC4-5D6E-409C-BE32-E72D297353CC}">
+              <c16:uniqueId val="{00000003-0640-4F3E-BE29-2C5F2E851F73}"/>
+            </c:ext>
+          </c:extLst>
+        </c:ser>
+        <c:ser>
+          <c:idx val="4"/>
+          <c:order val="4"/>
+          <c:tx>
+            <c:strRef>
+              <c:f>Feuil1!$F$1</c:f>
+              <c:strCache>
+                <c:ptCount val="1"/>
+                <c:pt idx="0">
+                  <c:v>Serie A</c:v>
+                </c:pt>
+              </c:strCache>
+            </c:strRef>
+          </c:tx>
+          <c:spPr>
+            <a:ln w="19050" cap="rnd">
+              <a:solidFill>
+                <a:schemeClr val="accent5"/>
+              </a:solidFill>
+              <a:round/>
+            </a:ln>
+            <a:effectLst/>
+          </c:spPr>
+          <c:marker>
+            <c:symbol val="circle"/>
+            <c:size val="5"/>
+            <c:spPr>
+              <a:solidFill>
+                <a:schemeClr val="accent5"/>
+              </a:solidFill>
+              <a:ln w="9525">
+                <a:solidFill>
+                  <a:schemeClr val="accent5"/>
+                </a:solidFill>
+              </a:ln>
+              <a:effectLst/>
+            </c:spPr>
+          </c:marker>
+          <c:xVal>
+            <c:numRef>
+              <c:f>Feuil1!$A$2:$A$17</c:f>
+              <c:numCache>
+                <c:formatCode>General</c:formatCode>
+                <c:ptCount val="16"/>
+                <c:pt idx="0">
+                  <c:v>0</c:v>
+                </c:pt>
+                <c:pt idx="1">
+                  <c:v>1</c:v>
+                </c:pt>
+                <c:pt idx="2">
+                  <c:v>2</c:v>
+                </c:pt>
+                <c:pt idx="3">
+                  <c:v>3</c:v>
+                </c:pt>
+                <c:pt idx="4">
+                  <c:v>4</c:v>
+                </c:pt>
+                <c:pt idx="5">
+                  <c:v>5</c:v>
+                </c:pt>
+                <c:pt idx="6">
+                  <c:v>6</c:v>
+                </c:pt>
+                <c:pt idx="7">
+                  <c:v>7</c:v>
+                </c:pt>
+                <c:pt idx="8">
+                  <c:v>8</c:v>
+                </c:pt>
+                <c:pt idx="9">
+                  <c:v>9</c:v>
+                </c:pt>
+                <c:pt idx="10">
+                  <c:v>10</c:v>
+                </c:pt>
+                <c:pt idx="11">
+                  <c:v>11</c:v>
+                </c:pt>
+                <c:pt idx="12">
+                  <c:v>12</c:v>
+                </c:pt>
+                <c:pt idx="13">
+                  <c:v>13</c:v>
+                </c:pt>
+                <c:pt idx="14">
+                  <c:v>14</c:v>
+                </c:pt>
+                <c:pt idx="15">
+                  <c:v>15</c:v>
+                </c:pt>
+              </c:numCache>
+            </c:numRef>
+          </c:xVal>
+          <c:yVal>
+            <c:numRef>
+              <c:f>Feuil1!$F$2:$F$17</c:f>
+              <c:numCache>
+                <c:formatCode>General</c:formatCode>
+                <c:ptCount val="16"/>
+                <c:pt idx="0">
+                  <c:v>0.21</c:v>
+                </c:pt>
+                <c:pt idx="1">
+                  <c:v>0.21</c:v>
+                </c:pt>
+                <c:pt idx="2">
+                  <c:v>0.17</c:v>
+                </c:pt>
+                <c:pt idx="3">
+                  <c:v>0.38</c:v>
+                </c:pt>
+                <c:pt idx="4">
+                  <c:v>0.3</c:v>
+                </c:pt>
+                <c:pt idx="5">
+                  <c:v>0.35799999999999998</c:v>
+                </c:pt>
+                <c:pt idx="6">
+                  <c:v>0.34799999999999998</c:v>
+                </c:pt>
+                <c:pt idx="7">
+                  <c:v>0.37</c:v>
+                </c:pt>
+                <c:pt idx="8">
+                  <c:v>0.47299999999999998</c:v>
+                </c:pt>
+                <c:pt idx="9">
+                  <c:v>0.5</c:v>
+                </c:pt>
+                <c:pt idx="10">
+                  <c:v>0.52</c:v>
+                </c:pt>
+                <c:pt idx="11">
+                  <c:v>0.46200000000000002</c:v>
+                </c:pt>
+                <c:pt idx="12">
+                  <c:v>0.48</c:v>
+                </c:pt>
+                <c:pt idx="13">
+                  <c:v>0.44</c:v>
+                </c:pt>
+                <c:pt idx="14">
+                  <c:v>0.47</c:v>
+                </c:pt>
+                <c:pt idx="15">
+                  <c:v>0.5</c:v>
+                </c:pt>
+              </c:numCache>
+            </c:numRef>
+          </c:yVal>
+          <c:smooth val="0"/>
+          <c:extLst>
+            <c:ext xmlns:c16="http://schemas.microsoft.com/office/drawing/2014/chart" uri="{C3380CC4-5D6E-409C-BE32-E72D297353CC}">
+              <c16:uniqueId val="{00000004-0640-4F3E-BE29-2C5F2E851F73}"/>
             </c:ext>
           </c:extLst>
         </c:ser>
@@ -2051,6 +2795,66 @@
             <a:effectLst/>
           </c:spPr>
         </c:majorGridlines>
+        <c:title>
+          <c:tx>
+            <c:rich>
+              <a:bodyPr rot="0" spcFirstLastPara="1" vertOverflow="ellipsis" vert="horz" wrap="square" anchor="ctr" anchorCtr="1"/>
+              <a:lstStyle/>
+              <a:p>
+                <a:pPr>
+                  <a:defRPr sz="1330" b="0" i="0" u="none" strike="noStrike" kern="1200" baseline="0">
+                    <a:solidFill>
+                      <a:schemeClr val="tx1">
+                        <a:lumMod val="65000"/>
+                        <a:lumOff val="35000"/>
+                      </a:schemeClr>
+                    </a:solidFill>
+                    <a:latin typeface="+mn-lt"/>
+                    <a:ea typeface="+mn-ea"/>
+                    <a:cs typeface="+mn-cs"/>
+                  </a:defRPr>
+                </a:pPr>
+                <a:r>
+                  <a:rPr lang="fr-FR" dirty="0"/>
+                  <a:t>Points </a:t>
+                </a:r>
+                <a:r>
+                  <a:rPr lang="fr-FR" dirty="0" err="1"/>
+                  <a:t>Earned</a:t>
+                </a:r>
+                <a:endParaRPr lang="fr-FR" dirty="0"/>
+              </a:p>
+            </c:rich>
+          </c:tx>
+          <c:overlay val="0"/>
+          <c:spPr>
+            <a:noFill/>
+            <a:ln>
+              <a:noFill/>
+            </a:ln>
+            <a:effectLst/>
+          </c:spPr>
+          <c:txPr>
+            <a:bodyPr rot="0" spcFirstLastPara="1" vertOverflow="ellipsis" vert="horz" wrap="square" anchor="ctr" anchorCtr="1"/>
+            <a:lstStyle/>
+            <a:p>
+              <a:pPr>
+                <a:defRPr sz="1330" b="0" i="0" u="none" strike="noStrike" kern="1200" baseline="0">
+                  <a:solidFill>
+                    <a:schemeClr val="tx1">
+                      <a:lumMod val="65000"/>
+                      <a:lumOff val="35000"/>
+                    </a:schemeClr>
+                  </a:solidFill>
+                  <a:latin typeface="+mn-lt"/>
+                  <a:ea typeface="+mn-ea"/>
+                  <a:cs typeface="+mn-cs"/>
+                </a:defRPr>
+              </a:pPr>
+              <a:endParaRPr lang="fr-FR"/>
+            </a:p>
+          </c:txPr>
+        </c:title>
         <c:numFmt formatCode="General" sourceLinked="1"/>
         <c:majorTickMark val="none"/>
         <c:minorTickMark val="none"/>
@@ -2091,11 +2895,13 @@
         <c:crossAx val="938725712"/>
         <c:crosses val="autoZero"/>
         <c:crossBetween val="midCat"/>
+        <c:majorUnit val="1"/>
       </c:valAx>
       <c:valAx>
         <c:axId val="938725712"/>
         <c:scaling>
           <c:orientation val="minMax"/>
+          <c:max val="0.8"/>
         </c:scaling>
         <c:delete val="0"/>
         <c:axPos val="l"/>
@@ -2113,6 +2919,36 @@
             <a:effectLst/>
           </c:spPr>
         </c:majorGridlines>
+        <c:title>
+          <c:overlay val="0"/>
+          <c:spPr>
+            <a:noFill/>
+            <a:ln>
+              <a:noFill/>
+            </a:ln>
+            <a:effectLst/>
+          </c:spPr>
+          <c:txPr>
+            <a:bodyPr rot="-5400000" spcFirstLastPara="1" vertOverflow="ellipsis" vert="horz" wrap="square" anchor="ctr" anchorCtr="1"/>
+            <a:lstStyle/>
+            <a:p>
+              <a:pPr>
+                <a:defRPr sz="1330" b="0" i="0" u="none" strike="noStrike" kern="1200" baseline="0">
+                  <a:solidFill>
+                    <a:schemeClr val="tx1">
+                      <a:lumMod val="65000"/>
+                      <a:lumOff val="35000"/>
+                    </a:schemeClr>
+                  </a:solidFill>
+                  <a:latin typeface="+mn-lt"/>
+                  <a:ea typeface="+mn-ea"/>
+                  <a:cs typeface="+mn-cs"/>
+                </a:defRPr>
+              </a:pPr>
+              <a:endParaRPr lang="fr-FR"/>
+            </a:p>
+          </c:txPr>
+        </c:title>
         <c:numFmt formatCode="General" sourceLinked="1"/>
         <c:majorTickMark val="none"/>
         <c:minorTickMark val="none"/>
@@ -2153,6 +2989,7 @@
         <c:crossAx val="938728112"/>
         <c:crosses val="autoZero"/>
         <c:crossBetween val="midCat"/>
+        <c:majorUnit val="0.2"/>
       </c:valAx>
       <c:spPr>
         <a:noFill/>
@@ -2162,6 +2999,37 @@
         <a:effectLst/>
       </c:spPr>
     </c:plotArea>
+    <c:legend>
+      <c:legendPos val="r"/>
+      <c:overlay val="0"/>
+      <c:spPr>
+        <a:noFill/>
+        <a:ln>
+          <a:noFill/>
+        </a:ln>
+        <a:effectLst/>
+      </c:spPr>
+      <c:txPr>
+        <a:bodyPr rot="0" spcFirstLastPara="1" vertOverflow="ellipsis" vert="horz" wrap="square" anchor="ctr" anchorCtr="1"/>
+        <a:lstStyle/>
+        <a:p>
+          <a:pPr>
+            <a:defRPr sz="1197" b="0" i="0" u="none" strike="noStrike" kern="1200" baseline="0">
+              <a:solidFill>
+                <a:schemeClr val="tx1">
+                  <a:lumMod val="65000"/>
+                  <a:lumOff val="35000"/>
+                </a:schemeClr>
+              </a:solidFill>
+              <a:latin typeface="+mn-lt"/>
+              <a:ea typeface="+mn-ea"/>
+              <a:cs typeface="+mn-cs"/>
+            </a:defRPr>
+          </a:pPr>
+          <a:endParaRPr lang="fr-FR"/>
+        </a:p>
+      </c:txPr>
+    </c:legend>
     <c:plotVisOnly val="1"/>
     <c:dispBlanksAs val="gap"/>
     <c:extLst>
@@ -5316,6 +6184,927 @@
 </file>
 
 <file path=ppt/diagrams/colors2.xml><?xml version="1.0" encoding="utf-8"?>
+<dgm:colorsDef xmlns:dgm="http://schemas.openxmlformats.org/drawingml/2006/diagram" xmlns:a="http://schemas.openxmlformats.org/drawingml/2006/main" uniqueId="urn:microsoft.com/office/officeart/2018/5/colors/Iconchunking_neutralicon_colorful1">
+  <dgm:title val=""/>
+  <dgm:desc val=""/>
+  <dgm:catLst>
+    <dgm:cat type="colorful" pri="10100"/>
+  </dgm:catLst>
+  <dgm:styleLbl name="node0">
+    <dgm:fillClrLst meth="repeat">
+      <a:schemeClr val="accent1"/>
+    </dgm:fillClrLst>
+    <dgm:linClrLst meth="repeat">
+      <a:schemeClr val="lt1"/>
+    </dgm:linClrLst>
+    <dgm:effectClrLst/>
+    <dgm:txLinClrLst/>
+    <dgm:txFillClrLst/>
+    <dgm:txEffectClrLst/>
+  </dgm:styleLbl>
+  <dgm:styleLbl name="node1">
+    <dgm:fillClrLst meth="repeat">
+      <a:schemeClr val="bg1"/>
+    </dgm:fillClrLst>
+    <dgm:linClrLst meth="repeat">
+      <a:schemeClr val="lt1">
+        <a:alpha val="0"/>
+      </a:schemeClr>
+    </dgm:linClrLst>
+    <dgm:effectClrLst/>
+    <dgm:txLinClrLst/>
+    <dgm:txFillClrLst meth="repeat">
+      <a:schemeClr val="dk1"/>
+    </dgm:txFillClrLst>
+    <dgm:txEffectClrLst/>
+  </dgm:styleLbl>
+  <dgm:styleLbl name="alignNode1">
+    <dgm:fillClrLst meth="repeat">
+      <a:schemeClr val="accent2"/>
+      <a:schemeClr val="accent3"/>
+      <a:schemeClr val="accent4"/>
+      <a:schemeClr val="accent5"/>
+      <a:schemeClr val="accent6"/>
+    </dgm:fillClrLst>
+    <dgm:linClrLst meth="repeat">
+      <a:schemeClr val="accent2"/>
+      <a:schemeClr val="accent3"/>
+      <a:schemeClr val="accent4"/>
+      <a:schemeClr val="accent5"/>
+      <a:schemeClr val="accent6"/>
+    </dgm:linClrLst>
+    <dgm:effectClrLst/>
+    <dgm:txLinClrLst/>
+    <dgm:txFillClrLst/>
+    <dgm:txEffectClrLst/>
+  </dgm:styleLbl>
+  <dgm:styleLbl name="lnNode1">
+    <dgm:fillClrLst meth="repeat">
+      <a:schemeClr val="accent2"/>
+      <a:schemeClr val="accent3"/>
+      <a:schemeClr val="accent4"/>
+      <a:schemeClr val="accent5"/>
+      <a:schemeClr val="accent6"/>
+    </dgm:fillClrLst>
+    <dgm:linClrLst meth="repeat">
+      <a:schemeClr val="lt1"/>
+    </dgm:linClrLst>
+    <dgm:effectClrLst/>
+    <dgm:txLinClrLst/>
+    <dgm:txFillClrLst/>
+    <dgm:txEffectClrLst/>
+  </dgm:styleLbl>
+  <dgm:styleLbl name="vennNode1">
+    <dgm:fillClrLst meth="repeat">
+      <a:schemeClr val="accent2">
+        <a:alpha val="50000"/>
+      </a:schemeClr>
+      <a:schemeClr val="accent3">
+        <a:alpha val="50000"/>
+      </a:schemeClr>
+      <a:schemeClr val="accent4">
+        <a:alpha val="50000"/>
+      </a:schemeClr>
+      <a:schemeClr val="accent5">
+        <a:alpha val="50000"/>
+      </a:schemeClr>
+      <a:schemeClr val="accent6">
+        <a:alpha val="50000"/>
+      </a:schemeClr>
+    </dgm:fillClrLst>
+    <dgm:linClrLst meth="repeat">
+      <a:schemeClr val="lt1"/>
+    </dgm:linClrLst>
+    <dgm:effectClrLst/>
+    <dgm:txLinClrLst/>
+    <dgm:txFillClrLst/>
+    <dgm:txEffectClrLst/>
+  </dgm:styleLbl>
+  <dgm:styleLbl name="node2">
+    <dgm:fillClrLst>
+      <a:schemeClr val="accent2"/>
+    </dgm:fillClrLst>
+    <dgm:linClrLst meth="repeat">
+      <a:schemeClr val="lt1"/>
+    </dgm:linClrLst>
+    <dgm:effectClrLst/>
+    <dgm:txLinClrLst/>
+    <dgm:txFillClrLst/>
+    <dgm:txEffectClrLst/>
+  </dgm:styleLbl>
+  <dgm:styleLbl name="node3">
+    <dgm:fillClrLst>
+      <a:schemeClr val="accent3"/>
+    </dgm:fillClrLst>
+    <dgm:linClrLst meth="repeat">
+      <a:schemeClr val="lt1"/>
+    </dgm:linClrLst>
+    <dgm:effectClrLst/>
+    <dgm:txLinClrLst/>
+    <dgm:txFillClrLst/>
+    <dgm:txEffectClrLst/>
+  </dgm:styleLbl>
+  <dgm:styleLbl name="node4">
+    <dgm:fillClrLst>
+      <a:schemeClr val="accent4"/>
+    </dgm:fillClrLst>
+    <dgm:linClrLst meth="repeat">
+      <a:schemeClr val="lt1"/>
+    </dgm:linClrLst>
+    <dgm:effectClrLst/>
+    <dgm:txLinClrLst/>
+    <dgm:txFillClrLst/>
+    <dgm:txEffectClrLst/>
+  </dgm:styleLbl>
+  <dgm:styleLbl name="fgImgPlace1">
+    <dgm:fillClrLst meth="repeat">
+      <a:schemeClr val="accent2">
+        <a:tint val="50000"/>
+      </a:schemeClr>
+      <a:schemeClr val="accent3">
+        <a:tint val="50000"/>
+      </a:schemeClr>
+      <a:schemeClr val="accent4">
+        <a:tint val="50000"/>
+      </a:schemeClr>
+      <a:schemeClr val="accent5">
+        <a:tint val="50000"/>
+      </a:schemeClr>
+      <a:schemeClr val="accent6">
+        <a:tint val="50000"/>
+      </a:schemeClr>
+    </dgm:fillClrLst>
+    <dgm:linClrLst meth="repeat">
+      <a:schemeClr val="lt1"/>
+    </dgm:linClrLst>
+    <dgm:effectClrLst/>
+    <dgm:txLinClrLst/>
+    <dgm:txFillClrLst meth="repeat">
+      <a:schemeClr val="lt1"/>
+    </dgm:txFillClrLst>
+    <dgm:txEffectClrLst/>
+  </dgm:styleLbl>
+  <dgm:styleLbl name="alignImgPlace1">
+    <dgm:fillClrLst>
+      <a:schemeClr val="accent1">
+        <a:tint val="50000"/>
+      </a:schemeClr>
+      <a:schemeClr val="accent2">
+        <a:tint val="20000"/>
+      </a:schemeClr>
+    </dgm:fillClrLst>
+    <dgm:linClrLst meth="repeat">
+      <a:schemeClr val="lt1"/>
+    </dgm:linClrLst>
+    <dgm:effectClrLst/>
+    <dgm:txLinClrLst/>
+    <dgm:txFillClrLst meth="repeat">
+      <a:schemeClr val="lt1"/>
+    </dgm:txFillClrLst>
+    <dgm:txEffectClrLst/>
+  </dgm:styleLbl>
+  <dgm:styleLbl name="bgImgPlace1">
+    <dgm:fillClrLst>
+      <a:schemeClr val="accent1">
+        <a:tint val="50000"/>
+      </a:schemeClr>
+      <a:schemeClr val="accent2">
+        <a:tint val="20000"/>
+      </a:schemeClr>
+    </dgm:fillClrLst>
+    <dgm:linClrLst meth="repeat">
+      <a:schemeClr val="lt1"/>
+    </dgm:linClrLst>
+    <dgm:effectClrLst/>
+    <dgm:txLinClrLst/>
+    <dgm:txFillClrLst meth="repeat">
+      <a:schemeClr val="lt1"/>
+    </dgm:txFillClrLst>
+    <dgm:txEffectClrLst/>
+  </dgm:styleLbl>
+  <dgm:styleLbl name="sibTrans2D1">
+    <dgm:fillClrLst meth="repeat">
+      <a:schemeClr val="accent2"/>
+      <a:schemeClr val="accent3"/>
+      <a:schemeClr val="accent4"/>
+      <a:schemeClr val="accent5"/>
+      <a:schemeClr val="accent6"/>
+    </dgm:fillClrLst>
+    <dgm:linClrLst meth="cycle">
+      <a:schemeClr val="lt1"/>
+    </dgm:linClrLst>
+    <dgm:effectClrLst/>
+    <dgm:txLinClrLst/>
+    <dgm:txFillClrLst/>
+    <dgm:txEffectClrLst/>
+  </dgm:styleLbl>
+  <dgm:styleLbl name="fgSibTrans2D1">
+    <dgm:fillClrLst meth="repeat">
+      <a:schemeClr val="accent2"/>
+      <a:schemeClr val="accent3"/>
+      <a:schemeClr val="accent4"/>
+      <a:schemeClr val="accent5"/>
+      <a:schemeClr val="accent6"/>
+    </dgm:fillClrLst>
+    <dgm:linClrLst meth="cycle">
+      <a:schemeClr val="lt1"/>
+    </dgm:linClrLst>
+    <dgm:effectClrLst/>
+    <dgm:txLinClrLst/>
+    <dgm:txFillClrLst meth="repeat">
+      <a:schemeClr val="lt1"/>
+    </dgm:txFillClrLst>
+    <dgm:txEffectClrLst/>
+  </dgm:styleLbl>
+  <dgm:styleLbl name="bgSibTrans2D1">
+    <dgm:fillClrLst meth="repeat">
+      <a:schemeClr val="accent2"/>
+      <a:schemeClr val="accent3"/>
+      <a:schemeClr val="accent4"/>
+      <a:schemeClr val="accent5"/>
+      <a:schemeClr val="accent6"/>
+    </dgm:fillClrLst>
+    <dgm:linClrLst meth="cycle">
+      <a:schemeClr val="lt1"/>
+    </dgm:linClrLst>
+    <dgm:effectClrLst/>
+    <dgm:txLinClrLst/>
+    <dgm:txFillClrLst meth="repeat">
+      <a:schemeClr val="lt1"/>
+    </dgm:txFillClrLst>
+    <dgm:txEffectClrLst/>
+  </dgm:styleLbl>
+  <dgm:styleLbl name="sibTrans1D1">
+    <dgm:fillClrLst meth="repeat">
+      <a:schemeClr val="accent2"/>
+      <a:schemeClr val="accent3"/>
+      <a:schemeClr val="accent4"/>
+      <a:schemeClr val="accent5"/>
+      <a:schemeClr val="accent6"/>
+    </dgm:fillClrLst>
+    <dgm:linClrLst meth="repeat">
+      <a:schemeClr val="accent2"/>
+      <a:schemeClr val="accent3"/>
+      <a:schemeClr val="accent4"/>
+      <a:schemeClr val="accent5"/>
+      <a:schemeClr val="accent6"/>
+    </dgm:linClrLst>
+    <dgm:effectClrLst/>
+    <dgm:txLinClrLst/>
+    <dgm:txFillClrLst meth="repeat">
+      <a:schemeClr val="tx1"/>
+    </dgm:txFillClrLst>
+    <dgm:txEffectClrLst/>
+  </dgm:styleLbl>
+  <dgm:styleLbl name="callout">
+    <dgm:fillClrLst meth="repeat">
+      <a:schemeClr val="accent2"/>
+    </dgm:fillClrLst>
+    <dgm:linClrLst meth="repeat">
+      <a:schemeClr val="accent2">
+        <a:tint val="50000"/>
+      </a:schemeClr>
+    </dgm:linClrLst>
+    <dgm:effectClrLst/>
+    <dgm:txLinClrLst/>
+    <dgm:txFillClrLst meth="repeat">
+      <a:schemeClr val="tx1"/>
+    </dgm:txFillClrLst>
+    <dgm:txEffectClrLst/>
+  </dgm:styleLbl>
+  <dgm:styleLbl name="asst0">
+    <dgm:fillClrLst meth="repeat">
+      <a:schemeClr val="accent1"/>
+    </dgm:fillClrLst>
+    <dgm:linClrLst meth="repeat">
+      <a:schemeClr val="lt1"/>
+    </dgm:linClrLst>
+    <dgm:effectClrLst/>
+    <dgm:txLinClrLst/>
+    <dgm:txFillClrLst/>
+    <dgm:txEffectClrLst/>
+  </dgm:styleLbl>
+  <dgm:styleLbl name="asst1">
+    <dgm:fillClrLst meth="repeat">
+      <a:schemeClr val="accent2"/>
+    </dgm:fillClrLst>
+    <dgm:linClrLst meth="repeat">
+      <a:schemeClr val="lt1"/>
+    </dgm:linClrLst>
+    <dgm:effectClrLst/>
+    <dgm:txLinClrLst/>
+    <dgm:txFillClrLst/>
+    <dgm:txEffectClrLst/>
+  </dgm:styleLbl>
+  <dgm:styleLbl name="asst2">
+    <dgm:fillClrLst>
+      <a:schemeClr val="accent3"/>
+    </dgm:fillClrLst>
+    <dgm:linClrLst meth="repeat">
+      <a:schemeClr val="lt1"/>
+    </dgm:linClrLst>
+    <dgm:effectClrLst/>
+    <dgm:txLinClrLst/>
+    <dgm:txFillClrLst/>
+    <dgm:txEffectClrLst/>
+  </dgm:styleLbl>
+  <dgm:styleLbl name="asst3">
+    <dgm:fillClrLst>
+      <a:schemeClr val="accent4"/>
+    </dgm:fillClrLst>
+    <dgm:linClrLst meth="repeat">
+      <a:schemeClr val="lt1"/>
+    </dgm:linClrLst>
+    <dgm:effectClrLst/>
+    <dgm:txLinClrLst/>
+    <dgm:txFillClrLst/>
+    <dgm:txEffectClrLst/>
+  </dgm:styleLbl>
+  <dgm:styleLbl name="asst4">
+    <dgm:fillClrLst>
+      <a:schemeClr val="accent5"/>
+    </dgm:fillClrLst>
+    <dgm:linClrLst meth="repeat">
+      <a:schemeClr val="lt1"/>
+    </dgm:linClrLst>
+    <dgm:effectClrLst/>
+    <dgm:txLinClrLst/>
+    <dgm:txFillClrLst/>
+    <dgm:txEffectClrLst/>
+  </dgm:styleLbl>
+  <dgm:styleLbl name="parChTrans2D1">
+    <dgm:fillClrLst meth="repeat">
+      <a:schemeClr val="accent2"/>
+    </dgm:fillClrLst>
+    <dgm:linClrLst meth="repeat">
+      <a:schemeClr val="lt1"/>
+    </dgm:linClrLst>
+    <dgm:effectClrLst/>
+    <dgm:txLinClrLst/>
+    <dgm:txFillClrLst meth="repeat">
+      <a:schemeClr val="lt1"/>
+    </dgm:txFillClrLst>
+    <dgm:txEffectClrLst/>
+  </dgm:styleLbl>
+  <dgm:styleLbl name="parChTrans2D2">
+    <dgm:fillClrLst meth="repeat">
+      <a:schemeClr val="accent3"/>
+    </dgm:fillClrLst>
+    <dgm:linClrLst meth="repeat">
+      <a:schemeClr val="lt1"/>
+    </dgm:linClrLst>
+    <dgm:effectClrLst/>
+    <dgm:txLinClrLst/>
+    <dgm:txFillClrLst/>
+    <dgm:txEffectClrLst/>
+  </dgm:styleLbl>
+  <dgm:styleLbl name="parChTrans2D3">
+    <dgm:fillClrLst meth="repeat">
+      <a:schemeClr val="accent4"/>
+    </dgm:fillClrLst>
+    <dgm:linClrLst meth="repeat">
+      <a:schemeClr val="lt1"/>
+    </dgm:linClrLst>
+    <dgm:effectClrLst/>
+    <dgm:txLinClrLst/>
+    <dgm:txFillClrLst/>
+    <dgm:txEffectClrLst/>
+  </dgm:styleLbl>
+  <dgm:styleLbl name="parChTrans2D4">
+    <dgm:fillClrLst meth="repeat">
+      <a:schemeClr val="accent5"/>
+    </dgm:fillClrLst>
+    <dgm:linClrLst meth="repeat">
+      <a:schemeClr val="lt1"/>
+    </dgm:linClrLst>
+    <dgm:effectClrLst/>
+    <dgm:txLinClrLst/>
+    <dgm:txFillClrLst meth="repeat">
+      <a:schemeClr val="lt1"/>
+    </dgm:txFillClrLst>
+    <dgm:txEffectClrLst/>
+  </dgm:styleLbl>
+  <dgm:styleLbl name="parChTrans1D1">
+    <dgm:fillClrLst meth="repeat">
+      <a:schemeClr val="accent2"/>
+    </dgm:fillClrLst>
+    <dgm:linClrLst meth="repeat">
+      <a:schemeClr val="accent1"/>
+    </dgm:linClrLst>
+    <dgm:effectClrLst/>
+    <dgm:txLinClrLst/>
+    <dgm:txFillClrLst meth="repeat">
+      <a:schemeClr val="tx1"/>
+    </dgm:txFillClrLst>
+    <dgm:txEffectClrLst/>
+  </dgm:styleLbl>
+  <dgm:styleLbl name="parChTrans1D2">
+    <dgm:fillClrLst meth="repeat">
+      <a:schemeClr val="accent3">
+        <a:tint val="90000"/>
+      </a:schemeClr>
+    </dgm:fillClrLst>
+    <dgm:linClrLst meth="repeat">
+      <a:schemeClr val="accent2"/>
+    </dgm:linClrLst>
+    <dgm:effectClrLst/>
+    <dgm:txLinClrLst/>
+    <dgm:txFillClrLst meth="repeat">
+      <a:schemeClr val="tx1"/>
+    </dgm:txFillClrLst>
+    <dgm:txEffectClrLst/>
+  </dgm:styleLbl>
+  <dgm:styleLbl name="parChTrans1D3">
+    <dgm:fillClrLst meth="repeat">
+      <a:schemeClr val="accent4">
+        <a:tint val="70000"/>
+      </a:schemeClr>
+    </dgm:fillClrLst>
+    <dgm:linClrLst meth="repeat">
+      <a:schemeClr val="accent3"/>
+    </dgm:linClrLst>
+    <dgm:effectClrLst/>
+    <dgm:txLinClrLst/>
+    <dgm:txFillClrLst meth="repeat">
+      <a:schemeClr val="tx1"/>
+    </dgm:txFillClrLst>
+    <dgm:txEffectClrLst/>
+  </dgm:styleLbl>
+  <dgm:styleLbl name="parChTrans1D4">
+    <dgm:fillClrLst meth="repeat">
+      <a:schemeClr val="accent5">
+        <a:tint val="50000"/>
+      </a:schemeClr>
+    </dgm:fillClrLst>
+    <dgm:linClrLst meth="repeat">
+      <a:schemeClr val="accent4"/>
+    </dgm:linClrLst>
+    <dgm:effectClrLst/>
+    <dgm:txLinClrLst/>
+    <dgm:txFillClrLst meth="repeat">
+      <a:schemeClr val="tx1"/>
+    </dgm:txFillClrLst>
+    <dgm:txEffectClrLst/>
+  </dgm:styleLbl>
+  <dgm:styleLbl name="fgAcc1">
+    <dgm:fillClrLst meth="repeat">
+      <a:schemeClr val="lt1">
+        <a:alpha val="90000"/>
+      </a:schemeClr>
+    </dgm:fillClrLst>
+    <dgm:linClrLst meth="repeat">
+      <a:schemeClr val="accent2"/>
+      <a:schemeClr val="accent3"/>
+      <a:schemeClr val="accent4"/>
+      <a:schemeClr val="accent5"/>
+      <a:schemeClr val="accent6"/>
+    </dgm:linClrLst>
+    <dgm:effectClrLst/>
+    <dgm:txLinClrLst/>
+    <dgm:txFillClrLst meth="repeat">
+      <a:schemeClr val="dk1"/>
+    </dgm:txFillClrLst>
+    <dgm:txEffectClrLst/>
+  </dgm:styleLbl>
+  <dgm:styleLbl name="conFgAcc1">
+    <dgm:fillClrLst meth="repeat">
+      <a:schemeClr val="lt1">
+        <a:alpha val="90000"/>
+      </a:schemeClr>
+    </dgm:fillClrLst>
+    <dgm:linClrLst meth="repeat">
+      <a:schemeClr val="accent2"/>
+      <a:schemeClr val="accent3"/>
+      <a:schemeClr val="accent4"/>
+      <a:schemeClr val="accent5"/>
+      <a:schemeClr val="accent6"/>
+    </dgm:linClrLst>
+    <dgm:effectClrLst/>
+    <dgm:txLinClrLst/>
+    <dgm:txFillClrLst meth="repeat">
+      <a:schemeClr val="dk1"/>
+    </dgm:txFillClrLst>
+    <dgm:txEffectClrLst/>
+  </dgm:styleLbl>
+  <dgm:styleLbl name="alignAcc1">
+    <dgm:fillClrLst meth="repeat">
+      <a:schemeClr val="lt1">
+        <a:alpha val="90000"/>
+      </a:schemeClr>
+    </dgm:fillClrLst>
+    <dgm:linClrLst meth="repeat">
+      <a:schemeClr val="accent2"/>
+      <a:schemeClr val="accent3"/>
+      <a:schemeClr val="accent4"/>
+      <a:schemeClr val="accent5"/>
+      <a:schemeClr val="accent6"/>
+    </dgm:linClrLst>
+    <dgm:effectClrLst/>
+    <dgm:txLinClrLst/>
+    <dgm:txFillClrLst meth="repeat">
+      <a:schemeClr val="dk1"/>
+    </dgm:txFillClrLst>
+    <dgm:txEffectClrLst/>
+  </dgm:styleLbl>
+  <dgm:styleLbl name="trAlignAcc1">
+    <dgm:fillClrLst meth="repeat">
+      <a:schemeClr val="lt1">
+        <a:alpha val="40000"/>
+      </a:schemeClr>
+    </dgm:fillClrLst>
+    <dgm:linClrLst meth="repeat">
+      <a:schemeClr val="accent1"/>
+    </dgm:linClrLst>
+    <dgm:effectClrLst/>
+    <dgm:txLinClrLst/>
+    <dgm:txFillClrLst meth="repeat">
+      <a:schemeClr val="dk1"/>
+    </dgm:txFillClrLst>
+    <dgm:txEffectClrLst/>
+  </dgm:styleLbl>
+  <dgm:styleLbl name="bgAcc1">
+    <dgm:fillClrLst meth="repeat">
+      <a:schemeClr val="lt1">
+        <a:alpha val="90000"/>
+      </a:schemeClr>
+    </dgm:fillClrLst>
+    <dgm:linClrLst meth="repeat">
+      <a:schemeClr val="accent2"/>
+      <a:schemeClr val="accent3"/>
+      <a:schemeClr val="accent4"/>
+      <a:schemeClr val="accent5"/>
+      <a:schemeClr val="accent6"/>
+    </dgm:linClrLst>
+    <dgm:effectClrLst/>
+    <dgm:txLinClrLst/>
+    <dgm:txFillClrLst meth="repeat">
+      <a:schemeClr val="dk1"/>
+    </dgm:txFillClrLst>
+    <dgm:txEffectClrLst/>
+  </dgm:styleLbl>
+  <dgm:styleLbl name="solidFgAcc1">
+    <dgm:fillClrLst meth="repeat">
+      <a:schemeClr val="lt1"/>
+    </dgm:fillClrLst>
+    <dgm:linClrLst meth="repeat">
+      <a:schemeClr val="accent2"/>
+      <a:schemeClr val="accent3"/>
+      <a:schemeClr val="accent4"/>
+      <a:schemeClr val="accent5"/>
+      <a:schemeClr val="accent6"/>
+    </dgm:linClrLst>
+    <dgm:effectClrLst/>
+    <dgm:txLinClrLst/>
+    <dgm:txFillClrLst meth="repeat">
+      <a:schemeClr val="dk1"/>
+    </dgm:txFillClrLst>
+    <dgm:txEffectClrLst/>
+  </dgm:styleLbl>
+  <dgm:styleLbl name="solidAlignAcc1">
+    <dgm:fillClrLst meth="repeat">
+      <a:schemeClr val="lt1"/>
+    </dgm:fillClrLst>
+    <dgm:linClrLst meth="repeat">
+      <a:schemeClr val="accent2"/>
+      <a:schemeClr val="accent3"/>
+      <a:schemeClr val="accent4"/>
+      <a:schemeClr val="accent5"/>
+      <a:schemeClr val="accent6"/>
+    </dgm:linClrLst>
+    <dgm:effectClrLst/>
+    <dgm:txLinClrLst/>
+    <dgm:txFillClrLst meth="repeat">
+      <a:schemeClr val="dk1"/>
+    </dgm:txFillClrLst>
+    <dgm:txEffectClrLst/>
+  </dgm:styleLbl>
+  <dgm:styleLbl name="solidBgAcc1">
+    <dgm:fillClrLst meth="repeat">
+      <a:schemeClr val="lt1"/>
+    </dgm:fillClrLst>
+    <dgm:linClrLst meth="repeat">
+      <a:schemeClr val="accent2"/>
+      <a:schemeClr val="accent3"/>
+      <a:schemeClr val="accent4"/>
+      <a:schemeClr val="accent5"/>
+      <a:schemeClr val="accent6"/>
+    </dgm:linClrLst>
+    <dgm:effectClrLst/>
+    <dgm:txLinClrLst/>
+    <dgm:txFillClrLst meth="repeat">
+      <a:schemeClr val="dk1"/>
+    </dgm:txFillClrLst>
+    <dgm:txEffectClrLst/>
+  </dgm:styleLbl>
+  <dgm:styleLbl name="fgAccFollowNode1">
+    <dgm:fillClrLst meth="repeat">
+      <a:schemeClr val="accent2">
+        <a:tint val="40000"/>
+        <a:alpha val="90000"/>
+      </a:schemeClr>
+      <a:schemeClr val="accent3">
+        <a:tint val="40000"/>
+        <a:alpha val="90000"/>
+      </a:schemeClr>
+      <a:schemeClr val="accent4">
+        <a:tint val="40000"/>
+        <a:alpha val="90000"/>
+      </a:schemeClr>
+      <a:schemeClr val="accent5">
+        <a:tint val="40000"/>
+        <a:alpha val="90000"/>
+      </a:schemeClr>
+      <a:schemeClr val="accent6">
+        <a:tint val="40000"/>
+        <a:alpha val="90000"/>
+      </a:schemeClr>
+    </dgm:fillClrLst>
+    <dgm:linClrLst meth="repeat">
+      <a:schemeClr val="accent2">
+        <a:tint val="40000"/>
+        <a:alpha val="90000"/>
+      </a:schemeClr>
+      <a:schemeClr val="accent3">
+        <a:tint val="40000"/>
+        <a:alpha val="90000"/>
+      </a:schemeClr>
+      <a:schemeClr val="accent4">
+        <a:tint val="40000"/>
+        <a:alpha val="90000"/>
+      </a:schemeClr>
+      <a:schemeClr val="accent5">
+        <a:tint val="40000"/>
+        <a:alpha val="90000"/>
+      </a:schemeClr>
+      <a:schemeClr val="accent6">
+        <a:tint val="40000"/>
+        <a:alpha val="90000"/>
+      </a:schemeClr>
+    </dgm:linClrLst>
+    <dgm:effectClrLst/>
+    <dgm:txLinClrLst/>
+    <dgm:txFillClrLst meth="repeat">
+      <a:schemeClr val="dk1"/>
+    </dgm:txFillClrLst>
+    <dgm:txEffectClrLst/>
+  </dgm:styleLbl>
+  <dgm:styleLbl name="alignAccFollowNode1">
+    <dgm:fillClrLst meth="repeat">
+      <a:schemeClr val="accent2">
+        <a:tint val="40000"/>
+        <a:alpha val="90000"/>
+      </a:schemeClr>
+      <a:schemeClr val="accent3">
+        <a:tint val="40000"/>
+        <a:alpha val="90000"/>
+      </a:schemeClr>
+      <a:schemeClr val="accent4">
+        <a:tint val="40000"/>
+        <a:alpha val="90000"/>
+      </a:schemeClr>
+      <a:schemeClr val="accent5">
+        <a:tint val="40000"/>
+        <a:alpha val="90000"/>
+      </a:schemeClr>
+      <a:schemeClr val="accent6">
+        <a:tint val="40000"/>
+        <a:alpha val="90000"/>
+      </a:schemeClr>
+    </dgm:fillClrLst>
+    <dgm:linClrLst meth="repeat">
+      <a:schemeClr val="accent2">
+        <a:tint val="40000"/>
+        <a:alpha val="90000"/>
+      </a:schemeClr>
+      <a:schemeClr val="accent3">
+        <a:tint val="40000"/>
+        <a:alpha val="90000"/>
+      </a:schemeClr>
+      <a:schemeClr val="accent4">
+        <a:tint val="40000"/>
+        <a:alpha val="90000"/>
+      </a:schemeClr>
+      <a:schemeClr val="accent5">
+        <a:tint val="40000"/>
+        <a:alpha val="90000"/>
+      </a:schemeClr>
+      <a:schemeClr val="accent6">
+        <a:tint val="40000"/>
+        <a:alpha val="90000"/>
+      </a:schemeClr>
+    </dgm:linClrLst>
+    <dgm:effectClrLst/>
+    <dgm:txLinClrLst/>
+    <dgm:txFillClrLst meth="repeat">
+      <a:schemeClr val="dk1"/>
+    </dgm:txFillClrLst>
+    <dgm:txEffectClrLst/>
+  </dgm:styleLbl>
+  <dgm:styleLbl name="bgAccFollowNode1">
+    <dgm:fillClrLst meth="repeat">
+      <a:schemeClr val="accent2">
+        <a:tint val="40000"/>
+        <a:alpha val="90000"/>
+      </a:schemeClr>
+      <a:schemeClr val="accent3">
+        <a:tint val="40000"/>
+        <a:alpha val="90000"/>
+      </a:schemeClr>
+      <a:schemeClr val="accent4">
+        <a:tint val="40000"/>
+        <a:alpha val="90000"/>
+      </a:schemeClr>
+      <a:schemeClr val="accent5">
+        <a:tint val="40000"/>
+        <a:alpha val="90000"/>
+      </a:schemeClr>
+      <a:schemeClr val="accent6">
+        <a:tint val="40000"/>
+        <a:alpha val="90000"/>
+      </a:schemeClr>
+    </dgm:fillClrLst>
+    <dgm:linClrLst meth="repeat">
+      <a:schemeClr val="accent2">
+        <a:tint val="40000"/>
+        <a:alpha val="90000"/>
+      </a:schemeClr>
+      <a:schemeClr val="accent3">
+        <a:tint val="40000"/>
+        <a:alpha val="90000"/>
+      </a:schemeClr>
+      <a:schemeClr val="accent4">
+        <a:tint val="40000"/>
+        <a:alpha val="90000"/>
+      </a:schemeClr>
+      <a:schemeClr val="accent5">
+        <a:tint val="40000"/>
+        <a:alpha val="90000"/>
+      </a:schemeClr>
+      <a:schemeClr val="accent6">
+        <a:tint val="40000"/>
+        <a:alpha val="90000"/>
+      </a:schemeClr>
+    </dgm:linClrLst>
+    <dgm:effectClrLst/>
+    <dgm:txLinClrLst/>
+    <dgm:txFillClrLst meth="repeat">
+      <a:schemeClr val="dk1"/>
+    </dgm:txFillClrLst>
+    <dgm:txEffectClrLst/>
+  </dgm:styleLbl>
+  <dgm:styleLbl name="fgAcc0">
+    <dgm:fillClrLst meth="repeat">
+      <a:schemeClr val="lt1">
+        <a:alpha val="90000"/>
+      </a:schemeClr>
+    </dgm:fillClrLst>
+    <dgm:linClrLst>
+      <a:schemeClr val="accent1"/>
+    </dgm:linClrLst>
+    <dgm:effectClrLst/>
+    <dgm:txLinClrLst/>
+    <dgm:txFillClrLst meth="repeat">
+      <a:schemeClr val="dk1"/>
+    </dgm:txFillClrLst>
+    <dgm:txEffectClrLst/>
+  </dgm:styleLbl>
+  <dgm:styleLbl name="fgAcc2">
+    <dgm:fillClrLst meth="repeat">
+      <a:schemeClr val="lt1">
+        <a:alpha val="90000"/>
+      </a:schemeClr>
+    </dgm:fillClrLst>
+    <dgm:linClrLst>
+      <a:schemeClr val="accent2"/>
+    </dgm:linClrLst>
+    <dgm:effectClrLst/>
+    <dgm:txLinClrLst/>
+    <dgm:txFillClrLst meth="repeat">
+      <a:schemeClr val="dk1"/>
+    </dgm:txFillClrLst>
+    <dgm:txEffectClrLst/>
+  </dgm:styleLbl>
+  <dgm:styleLbl name="fgAcc3">
+    <dgm:fillClrLst meth="repeat">
+      <a:schemeClr val="lt1">
+        <a:alpha val="90000"/>
+      </a:schemeClr>
+    </dgm:fillClrLst>
+    <dgm:linClrLst>
+      <a:schemeClr val="accent3"/>
+    </dgm:linClrLst>
+    <dgm:effectClrLst/>
+    <dgm:txLinClrLst/>
+    <dgm:txFillClrLst meth="repeat">
+      <a:schemeClr val="dk1"/>
+    </dgm:txFillClrLst>
+    <dgm:txEffectClrLst/>
+  </dgm:styleLbl>
+  <dgm:styleLbl name="fgAcc4">
+    <dgm:fillClrLst meth="repeat">
+      <a:schemeClr val="lt1">
+        <a:alpha val="90000"/>
+      </a:schemeClr>
+    </dgm:fillClrLst>
+    <dgm:linClrLst>
+      <a:schemeClr val="accent4"/>
+    </dgm:linClrLst>
+    <dgm:effectClrLst/>
+    <dgm:txLinClrLst/>
+    <dgm:txFillClrLst meth="repeat">
+      <a:schemeClr val="dk1"/>
+    </dgm:txFillClrLst>
+    <dgm:txEffectClrLst/>
+  </dgm:styleLbl>
+  <dgm:styleLbl name="bgShp">
+    <dgm:fillClrLst meth="repeat">
+      <a:schemeClr val="accent2"/>
+      <a:schemeClr val="accent3"/>
+      <a:schemeClr val="accent4"/>
+      <a:schemeClr val="accent5"/>
+      <a:schemeClr val="accent6"/>
+    </dgm:fillClrLst>
+    <dgm:linClrLst meth="repeat">
+      <a:schemeClr val="lt1">
+        <a:alpha val="0"/>
+      </a:schemeClr>
+    </dgm:linClrLst>
+    <dgm:effectClrLst/>
+    <dgm:txLinClrLst/>
+    <dgm:txFillClrLst/>
+    <dgm:txEffectClrLst/>
+  </dgm:styleLbl>
+  <dgm:styleLbl name="dkBgShp">
+    <dgm:fillClrLst meth="repeat">
+      <a:schemeClr val="accent2">
+        <a:shade val="90000"/>
+      </a:schemeClr>
+    </dgm:fillClrLst>
+    <dgm:linClrLst meth="repeat">
+      <a:schemeClr val="dk1"/>
+    </dgm:linClrLst>
+    <dgm:effectClrLst/>
+    <dgm:txLinClrLst/>
+    <dgm:txFillClrLst meth="repeat">
+      <a:schemeClr val="lt1"/>
+    </dgm:txFillClrLst>
+    <dgm:txEffectClrLst/>
+  </dgm:styleLbl>
+  <dgm:styleLbl name="trBgShp">
+    <dgm:fillClrLst meth="repeat">
+      <a:schemeClr val="accent1">
+        <a:tint val="50000"/>
+        <a:alpha val="40000"/>
+      </a:schemeClr>
+    </dgm:fillClrLst>
+    <dgm:linClrLst meth="repeat">
+      <a:schemeClr val="accent2"/>
+    </dgm:linClrLst>
+    <dgm:effectClrLst/>
+    <dgm:txLinClrLst/>
+    <dgm:txFillClrLst meth="repeat">
+      <a:schemeClr val="lt1"/>
+    </dgm:txFillClrLst>
+    <dgm:txEffectClrLst/>
+  </dgm:styleLbl>
+  <dgm:styleLbl name="fgShp">
+    <dgm:fillClrLst meth="repeat">
+      <a:schemeClr val="accent2">
+        <a:tint val="40000"/>
+      </a:schemeClr>
+    </dgm:fillClrLst>
+    <dgm:linClrLst meth="repeat">
+      <a:schemeClr val="lt1"/>
+    </dgm:linClrLst>
+    <dgm:effectClrLst/>
+    <dgm:txLinClrLst/>
+    <dgm:txFillClrLst meth="repeat">
+      <a:schemeClr val="dk1"/>
+    </dgm:txFillClrLst>
+    <dgm:txEffectClrLst/>
+  </dgm:styleLbl>
+  <dgm:styleLbl name="revTx">
+    <dgm:fillClrLst meth="repeat">
+      <a:schemeClr val="lt1">
+        <a:alpha val="0"/>
+      </a:schemeClr>
+    </dgm:fillClrLst>
+    <dgm:linClrLst meth="repeat">
+      <a:schemeClr val="dk1">
+        <a:alpha val="0"/>
+      </a:schemeClr>
+    </dgm:linClrLst>
+    <dgm:effectClrLst/>
+    <dgm:txLinClrLst/>
+    <dgm:txFillClrLst meth="repeat">
+      <a:schemeClr val="tx1"/>
+    </dgm:txFillClrLst>
+    <dgm:txEffectClrLst/>
+  </dgm:styleLbl>
+</dgm:colorsDef>
+</file>
+
+<file path=ppt/diagrams/colors3.xml><?xml version="1.0" encoding="utf-8"?>
 <dgm:colorsDef xmlns:dgm="http://schemas.openxmlformats.org/drawingml/2006/diagram" xmlns:a="http://schemas.openxmlformats.org/drawingml/2006/main" uniqueId="urn:microsoft.com/office/officeart/2018/5/colors/Iconchunking_neutralicon_colorful1">
   <dgm:title val=""/>
   <dgm:desc val=""/>
@@ -6968,6 +8757,337 @@
     <dgm:cxn modelId="{FA92A03D-DCF4-4D82-8461-92F7B9DCB3AE}" type="presParOf" srcId="{FE5D5089-B950-4599-9977-864C5D799043}" destId="{592ADCFE-F466-4A14-B194-F0682392FAB6}" srcOrd="1" destOrd="0" presId="urn:microsoft.com/office/officeart/2018/5/layout/IconCircleLabelList"/>
     <dgm:cxn modelId="{477E3611-B082-43B9-9A0D-2BC7D6256FC9}" type="presParOf" srcId="{FE5D5089-B950-4599-9977-864C5D799043}" destId="{916B31E0-29F6-4B6F-B9C1-542C9C51F14F}" srcOrd="2" destOrd="0" presId="urn:microsoft.com/office/officeart/2018/5/layout/IconCircleLabelList"/>
     <dgm:cxn modelId="{ED7A5E31-C10C-4B73-94DB-1B9EFD6ACFA9}" type="presParOf" srcId="{FE5D5089-B950-4599-9977-864C5D799043}" destId="{34D245EF-5DE4-4986-80D0-E75CC07F8B63}" srcOrd="3" destOrd="0" presId="urn:microsoft.com/office/officeart/2018/5/layout/IconCircleLabelList"/>
+  </dgm:cxnLst>
+  <dgm:bg/>
+  <dgm:whole/>
+  <dgm:extLst>
+    <a:ext uri="http://schemas.microsoft.com/office/drawing/2008/diagram">
+      <dsp:dataModelExt xmlns:dsp="http://schemas.microsoft.com/office/drawing/2008/diagram" relId="rId6" minVer="http://schemas.openxmlformats.org/drawingml/2006/diagram"/>
+    </a:ext>
+  </dgm:extLst>
+</dgm:dataModel>
+</file>
+
+<file path=ppt/diagrams/data3.xml><?xml version="1.0" encoding="utf-8"?>
+<dgm:dataModel xmlns:dgm="http://schemas.openxmlformats.org/drawingml/2006/diagram" xmlns:a="http://schemas.openxmlformats.org/drawingml/2006/main">
+  <dgm:ptLst>
+    <dgm:pt modelId="{ABA5FD35-6BA0-4238-8FC9-A3D0E7319ADB}" type="doc">
+      <dgm:prSet loTypeId="urn:microsoft.com/office/officeart/2018/5/layout/IconCircleLabelList" loCatId="icon" qsTypeId="urn:microsoft.com/office/officeart/2005/8/quickstyle/simple1" qsCatId="simple" csTypeId="urn:microsoft.com/office/officeart/2018/5/colors/Iconchunking_neutralicon_colorful1" csCatId="colorful" phldr="1"/>
+      <dgm:spPr/>
+      <dgm:t>
+        <a:bodyPr/>
+        <a:lstStyle/>
+        <a:p>
+          <a:endParaRPr lang="en-US"/>
+        </a:p>
+      </dgm:t>
+    </dgm:pt>
+    <dgm:pt modelId="{68F7F5C7-E78C-4F04-A6A2-B7D099CDFE8D}">
+      <dgm:prSet/>
+      <dgm:spPr/>
+      <dgm:t>
+        <a:bodyPr/>
+        <a:lstStyle/>
+        <a:p>
+          <a:pPr>
+            <a:defRPr cap="all"/>
+          </a:pPr>
+          <a:r>
+            <a:rPr lang="fr-FR"/>
+            <a:t>Accuracy of winning prediction : 72 %</a:t>
+          </a:r>
+          <a:endParaRPr lang="en-US"/>
+        </a:p>
+      </dgm:t>
+    </dgm:pt>
+    <dgm:pt modelId="{2DADB1E1-108E-4291-A4AF-369CB7D04BC2}" type="parTrans" cxnId="{E0686936-2CDF-460F-A1E3-CF72D56AFEFD}">
+      <dgm:prSet/>
+      <dgm:spPr/>
+      <dgm:t>
+        <a:bodyPr/>
+        <a:lstStyle/>
+        <a:p>
+          <a:endParaRPr lang="en-US"/>
+        </a:p>
+      </dgm:t>
+    </dgm:pt>
+    <dgm:pt modelId="{0295B48A-3EE0-431C-AE36-E7F44531790F}" type="sibTrans" cxnId="{E0686936-2CDF-460F-A1E3-CF72D56AFEFD}">
+      <dgm:prSet/>
+      <dgm:spPr/>
+      <dgm:t>
+        <a:bodyPr/>
+        <a:lstStyle/>
+        <a:p>
+          <a:endParaRPr lang="en-US"/>
+        </a:p>
+      </dgm:t>
+    </dgm:pt>
+    <dgm:pt modelId="{38F8B722-5766-4FB8-846F-B8D525C004D7}">
+      <dgm:prSet/>
+      <dgm:spPr/>
+      <dgm:t>
+        <a:bodyPr/>
+        <a:lstStyle/>
+        <a:p>
+          <a:pPr>
+            <a:defRPr cap="all"/>
+          </a:pPr>
+          <a:r>
+            <a:rPr lang="fr-FR"/>
+            <a:t>Data explained by our features : team form, market values on each position</a:t>
+          </a:r>
+          <a:endParaRPr lang="en-US"/>
+        </a:p>
+      </dgm:t>
+    </dgm:pt>
+    <dgm:pt modelId="{40DC6C1E-2678-497C-9710-F3CA9AAE35D8}" type="parTrans" cxnId="{4DDC7187-E479-4B87-BF57-6E7562166883}">
+      <dgm:prSet/>
+      <dgm:spPr/>
+      <dgm:t>
+        <a:bodyPr/>
+        <a:lstStyle/>
+        <a:p>
+          <a:endParaRPr lang="en-US"/>
+        </a:p>
+      </dgm:t>
+    </dgm:pt>
+    <dgm:pt modelId="{49B7F55B-8A78-432E-AE02-B08E28562A11}" type="sibTrans" cxnId="{4DDC7187-E479-4B87-BF57-6E7562166883}">
+      <dgm:prSet/>
+      <dgm:spPr/>
+      <dgm:t>
+        <a:bodyPr/>
+        <a:lstStyle/>
+        <a:p>
+          <a:endParaRPr lang="en-US"/>
+        </a:p>
+      </dgm:t>
+    </dgm:pt>
+    <dgm:pt modelId="{F5D5C114-05EE-4DB2-8ABF-CB5DD03DAA5C}">
+      <dgm:prSet/>
+      <dgm:spPr/>
+      <dgm:t>
+        <a:bodyPr/>
+        <a:lstStyle/>
+        <a:p>
+          <a:pPr>
+            <a:defRPr cap="all"/>
+          </a:pPr>
+          <a:r>
+            <a:rPr lang="fr-FR"/>
+            <a:t>Most important variable : Clean sheet potential </a:t>
+          </a:r>
+          <a:endParaRPr lang="en-US"/>
+        </a:p>
+      </dgm:t>
+    </dgm:pt>
+    <dgm:pt modelId="{FC7908E8-B39F-4EFB-94CE-954C0C7C619A}" type="parTrans" cxnId="{F1FB52E4-18F3-4692-8444-B5F875E4B7D6}">
+      <dgm:prSet/>
+      <dgm:spPr/>
+      <dgm:t>
+        <a:bodyPr/>
+        <a:lstStyle/>
+        <a:p>
+          <a:endParaRPr lang="en-US"/>
+        </a:p>
+      </dgm:t>
+    </dgm:pt>
+    <dgm:pt modelId="{A1A644F1-3AA6-43EC-B3B8-165B4D554A74}" type="sibTrans" cxnId="{F1FB52E4-18F3-4692-8444-B5F875E4B7D6}">
+      <dgm:prSet/>
+      <dgm:spPr/>
+      <dgm:t>
+        <a:bodyPr/>
+        <a:lstStyle/>
+        <a:p>
+          <a:endParaRPr lang="en-US"/>
+        </a:p>
+      </dgm:t>
+    </dgm:pt>
+    <dgm:pt modelId="{DD7A0083-AEEF-4E20-9362-38531215EA09}" type="pres">
+      <dgm:prSet presAssocID="{ABA5FD35-6BA0-4238-8FC9-A3D0E7319ADB}" presName="root" presStyleCnt="0">
+        <dgm:presLayoutVars>
+          <dgm:dir/>
+          <dgm:resizeHandles val="exact"/>
+        </dgm:presLayoutVars>
+      </dgm:prSet>
+      <dgm:spPr/>
+    </dgm:pt>
+    <dgm:pt modelId="{CBA38653-78C9-4768-8AEF-0255B41C2AC1}" type="pres">
+      <dgm:prSet presAssocID="{68F7F5C7-E78C-4F04-A6A2-B7D099CDFE8D}" presName="compNode" presStyleCnt="0"/>
+      <dgm:spPr/>
+    </dgm:pt>
+    <dgm:pt modelId="{FBEA0393-A8C2-46A9-98DC-3A7075BDD608}" type="pres">
+      <dgm:prSet presAssocID="{68F7F5C7-E78C-4F04-A6A2-B7D099CDFE8D}" presName="iconBgRect" presStyleLbl="bgShp" presStyleIdx="0" presStyleCnt="3"/>
+      <dgm:spPr/>
+    </dgm:pt>
+    <dgm:pt modelId="{D869FA0D-7FFD-42CB-92AE-01C1C8B7FAB8}" type="pres">
+      <dgm:prSet presAssocID="{68F7F5C7-E78C-4F04-A6A2-B7D099CDFE8D}" presName="iconRect" presStyleLbl="node1" presStyleIdx="0" presStyleCnt="3"/>
+      <dgm:spPr>
+        <a:blipFill>
+          <a:blip xmlns:r="http://schemas.openxmlformats.org/officeDocument/2006/relationships" r:embed="rId1">
+            <a:extLst>
+              <a:ext uri="{28A0092B-C50C-407E-A947-70E740481C1C}">
+                <a14:useLocalDpi xmlns:a14="http://schemas.microsoft.com/office/drawing/2010/main" val="0"/>
+              </a:ext>
+              <a:ext uri="{96DAC541-7B7A-43D3-8B79-37D633B846F1}">
+                <asvg:svgBlip xmlns:asvg="http://schemas.microsoft.com/office/drawing/2016/SVG/main" r:embed="rId2"/>
+              </a:ext>
+            </a:extLst>
+          </a:blip>
+          <a:stretch>
+            <a:fillRect/>
+          </a:stretch>
+        </a:blipFill>
+        <a:ln>
+          <a:noFill/>
+        </a:ln>
+      </dgm:spPr>
+      <dgm:extLst>
+        <a:ext uri="{E40237B7-FDA0-4F09-8148-C483321AD2D9}">
+          <dgm14:cNvPr xmlns:dgm14="http://schemas.microsoft.com/office/drawing/2010/diagram" id="0" name="" descr="Gauge"/>
+        </a:ext>
+      </dgm:extLst>
+    </dgm:pt>
+    <dgm:pt modelId="{F6246FFE-3D77-4C52-87B7-B7A2C8FDB2F8}" type="pres">
+      <dgm:prSet presAssocID="{68F7F5C7-E78C-4F04-A6A2-B7D099CDFE8D}" presName="spaceRect" presStyleCnt="0"/>
+      <dgm:spPr/>
+    </dgm:pt>
+    <dgm:pt modelId="{FE1752F2-3108-4ABD-9C2A-3F102E3BA775}" type="pres">
+      <dgm:prSet presAssocID="{68F7F5C7-E78C-4F04-A6A2-B7D099CDFE8D}" presName="textRect" presStyleLbl="revTx" presStyleIdx="0" presStyleCnt="3">
+        <dgm:presLayoutVars>
+          <dgm:chMax val="1"/>
+          <dgm:chPref val="1"/>
+        </dgm:presLayoutVars>
+      </dgm:prSet>
+      <dgm:spPr/>
+    </dgm:pt>
+    <dgm:pt modelId="{61654A0F-18DD-4C3D-B272-D8A6A0433603}" type="pres">
+      <dgm:prSet presAssocID="{0295B48A-3EE0-431C-AE36-E7F44531790F}" presName="sibTrans" presStyleCnt="0"/>
+      <dgm:spPr/>
+    </dgm:pt>
+    <dgm:pt modelId="{7A528F80-6A5D-4B42-B042-8A0966ADC678}" type="pres">
+      <dgm:prSet presAssocID="{38F8B722-5766-4FB8-846F-B8D525C004D7}" presName="compNode" presStyleCnt="0"/>
+      <dgm:spPr/>
+    </dgm:pt>
+    <dgm:pt modelId="{BAB018B1-26D4-4DC8-8E81-A92F9FD91B76}" type="pres">
+      <dgm:prSet presAssocID="{38F8B722-5766-4FB8-846F-B8D525C004D7}" presName="iconBgRect" presStyleLbl="bgShp" presStyleIdx="1" presStyleCnt="3"/>
+      <dgm:spPr/>
+    </dgm:pt>
+    <dgm:pt modelId="{9B0DAA61-4D75-403F-961E-1FFFB3EA1B98}" type="pres">
+      <dgm:prSet presAssocID="{38F8B722-5766-4FB8-846F-B8D525C004D7}" presName="iconRect" presStyleLbl="node1" presStyleIdx="1" presStyleCnt="3"/>
+      <dgm:spPr>
+        <a:blipFill>
+          <a:blip xmlns:r="http://schemas.openxmlformats.org/officeDocument/2006/relationships" r:embed="rId3">
+            <a:extLst>
+              <a:ext uri="{96DAC541-7B7A-43D3-8B79-37D633B846F1}">
+                <asvg:svgBlip xmlns:asvg="http://schemas.microsoft.com/office/drawing/2016/SVG/main" r:embed="rId4"/>
+              </a:ext>
+            </a:extLst>
+          </a:blip>
+          <a:srcRect/>
+          <a:stretch>
+            <a:fillRect/>
+          </a:stretch>
+        </a:blipFill>
+        <a:ln>
+          <a:noFill/>
+        </a:ln>
+      </dgm:spPr>
+      <dgm:extLst>
+        <a:ext uri="{E40237B7-FDA0-4F09-8148-C483321AD2D9}">
+          <dgm14:cNvPr xmlns:dgm14="http://schemas.microsoft.com/office/drawing/2010/diagram" id="0" name="" descr="Base de données contour"/>
+        </a:ext>
+      </dgm:extLst>
+    </dgm:pt>
+    <dgm:pt modelId="{F85B1FB3-2FB7-4FD5-9ED0-21162073B1C8}" type="pres">
+      <dgm:prSet presAssocID="{38F8B722-5766-4FB8-846F-B8D525C004D7}" presName="spaceRect" presStyleCnt="0"/>
+      <dgm:spPr/>
+    </dgm:pt>
+    <dgm:pt modelId="{B8FA7378-A03D-49C7-9C48-2102DE00E93F}" type="pres">
+      <dgm:prSet presAssocID="{38F8B722-5766-4FB8-846F-B8D525C004D7}" presName="textRect" presStyleLbl="revTx" presStyleIdx="1" presStyleCnt="3">
+        <dgm:presLayoutVars>
+          <dgm:chMax val="1"/>
+          <dgm:chPref val="1"/>
+        </dgm:presLayoutVars>
+      </dgm:prSet>
+      <dgm:spPr/>
+    </dgm:pt>
+    <dgm:pt modelId="{2C35D0E4-CFD6-41F1-B41A-ED224D440A7D}" type="pres">
+      <dgm:prSet presAssocID="{49B7F55B-8A78-432E-AE02-B08E28562A11}" presName="sibTrans" presStyleCnt="0"/>
+      <dgm:spPr/>
+    </dgm:pt>
+    <dgm:pt modelId="{96755955-C834-4FA3-9194-789AB4EA16B9}" type="pres">
+      <dgm:prSet presAssocID="{F5D5C114-05EE-4DB2-8ABF-CB5DD03DAA5C}" presName="compNode" presStyleCnt="0"/>
+      <dgm:spPr/>
+    </dgm:pt>
+    <dgm:pt modelId="{947B38D2-4239-48FD-B17A-D6B836BA3AF6}" type="pres">
+      <dgm:prSet presAssocID="{F5D5C114-05EE-4DB2-8ABF-CB5DD03DAA5C}" presName="iconBgRect" presStyleLbl="bgShp" presStyleIdx="2" presStyleCnt="3"/>
+      <dgm:spPr/>
+    </dgm:pt>
+    <dgm:pt modelId="{7B0F2E57-F86B-4A2A-A24A-6CABB93E5369}" type="pres">
+      <dgm:prSet presAssocID="{F5D5C114-05EE-4DB2-8ABF-CB5DD03DAA5C}" presName="iconRect" presStyleLbl="node1" presStyleIdx="2" presStyleCnt="3"/>
+      <dgm:spPr>
+        <a:blipFill>
+          <a:blip xmlns:r="http://schemas.openxmlformats.org/officeDocument/2006/relationships" r:embed="rId5">
+            <a:extLst>
+              <a:ext uri="{96DAC541-7B7A-43D3-8B79-37D633B846F1}">
+                <asvg:svgBlip xmlns:asvg="http://schemas.microsoft.com/office/drawing/2016/SVG/main" r:embed="rId6"/>
+              </a:ext>
+            </a:extLst>
+          </a:blip>
+          <a:srcRect/>
+          <a:stretch>
+            <a:fillRect/>
+          </a:stretch>
+        </a:blipFill>
+        <a:ln>
+          <a:noFill/>
+        </a:ln>
+      </dgm:spPr>
+      <dgm:extLst>
+        <a:ext uri="{E40237B7-FDA0-4F09-8148-C483321AD2D9}">
+          <dgm14:cNvPr xmlns:dgm14="http://schemas.microsoft.com/office/drawing/2010/diagram" id="0" name="" descr="Presse-papiers tout croix avec un remplissage uni"/>
+        </a:ext>
+      </dgm:extLst>
+    </dgm:pt>
+    <dgm:pt modelId="{2C675818-665B-4ECC-86B8-7B16D08C0F07}" type="pres">
+      <dgm:prSet presAssocID="{F5D5C114-05EE-4DB2-8ABF-CB5DD03DAA5C}" presName="spaceRect" presStyleCnt="0"/>
+      <dgm:spPr/>
+    </dgm:pt>
+    <dgm:pt modelId="{E100D369-0EFC-49C8-B0E6-F1A06DD001CF}" type="pres">
+      <dgm:prSet presAssocID="{F5D5C114-05EE-4DB2-8ABF-CB5DD03DAA5C}" presName="textRect" presStyleLbl="revTx" presStyleIdx="2" presStyleCnt="3">
+        <dgm:presLayoutVars>
+          <dgm:chMax val="1"/>
+          <dgm:chPref val="1"/>
+        </dgm:presLayoutVars>
+      </dgm:prSet>
+      <dgm:spPr/>
+    </dgm:pt>
+  </dgm:ptLst>
+  <dgm:cxnLst>
+    <dgm:cxn modelId="{6A20462F-4D4B-47C9-8436-AA744E3DB121}" type="presOf" srcId="{68F7F5C7-E78C-4F04-A6A2-B7D099CDFE8D}" destId="{FE1752F2-3108-4ABD-9C2A-3F102E3BA775}" srcOrd="0" destOrd="0" presId="urn:microsoft.com/office/officeart/2018/5/layout/IconCircleLabelList"/>
+    <dgm:cxn modelId="{0B337433-9A0C-4841-A127-56FA070AA22F}" type="presOf" srcId="{F5D5C114-05EE-4DB2-8ABF-CB5DD03DAA5C}" destId="{E100D369-0EFC-49C8-B0E6-F1A06DD001CF}" srcOrd="0" destOrd="0" presId="urn:microsoft.com/office/officeart/2018/5/layout/IconCircleLabelList"/>
+    <dgm:cxn modelId="{E0686936-2CDF-460F-A1E3-CF72D56AFEFD}" srcId="{ABA5FD35-6BA0-4238-8FC9-A3D0E7319ADB}" destId="{68F7F5C7-E78C-4F04-A6A2-B7D099CDFE8D}" srcOrd="0" destOrd="0" parTransId="{2DADB1E1-108E-4291-A4AF-369CB7D04BC2}" sibTransId="{0295B48A-3EE0-431C-AE36-E7F44531790F}"/>
+    <dgm:cxn modelId="{8AAAEF46-0300-4694-9F17-66865F3C98F9}" type="presOf" srcId="{ABA5FD35-6BA0-4238-8FC9-A3D0E7319ADB}" destId="{DD7A0083-AEEF-4E20-9362-38531215EA09}" srcOrd="0" destOrd="0" presId="urn:microsoft.com/office/officeart/2018/5/layout/IconCircleLabelList"/>
+    <dgm:cxn modelId="{4DDC7187-E479-4B87-BF57-6E7562166883}" srcId="{ABA5FD35-6BA0-4238-8FC9-A3D0E7319ADB}" destId="{38F8B722-5766-4FB8-846F-B8D525C004D7}" srcOrd="1" destOrd="0" parTransId="{40DC6C1E-2678-497C-9710-F3CA9AAE35D8}" sibTransId="{49B7F55B-8A78-432E-AE02-B08E28562A11}"/>
+    <dgm:cxn modelId="{E22CD399-B056-4F75-BDF5-827FAC22DEF5}" type="presOf" srcId="{38F8B722-5766-4FB8-846F-B8D525C004D7}" destId="{B8FA7378-A03D-49C7-9C48-2102DE00E93F}" srcOrd="0" destOrd="0" presId="urn:microsoft.com/office/officeart/2018/5/layout/IconCircleLabelList"/>
+    <dgm:cxn modelId="{F1FB52E4-18F3-4692-8444-B5F875E4B7D6}" srcId="{ABA5FD35-6BA0-4238-8FC9-A3D0E7319ADB}" destId="{F5D5C114-05EE-4DB2-8ABF-CB5DD03DAA5C}" srcOrd="2" destOrd="0" parTransId="{FC7908E8-B39F-4EFB-94CE-954C0C7C619A}" sibTransId="{A1A644F1-3AA6-43EC-B3B8-165B4D554A74}"/>
+    <dgm:cxn modelId="{47B711B6-FB91-407C-AE37-A860C16D4DAC}" type="presParOf" srcId="{DD7A0083-AEEF-4E20-9362-38531215EA09}" destId="{CBA38653-78C9-4768-8AEF-0255B41C2AC1}" srcOrd="0" destOrd="0" presId="urn:microsoft.com/office/officeart/2018/5/layout/IconCircleLabelList"/>
+    <dgm:cxn modelId="{CC06C117-57A3-46B6-8827-3A79824C3C1D}" type="presParOf" srcId="{CBA38653-78C9-4768-8AEF-0255B41C2AC1}" destId="{FBEA0393-A8C2-46A9-98DC-3A7075BDD608}" srcOrd="0" destOrd="0" presId="urn:microsoft.com/office/officeart/2018/5/layout/IconCircleLabelList"/>
+    <dgm:cxn modelId="{D0B36CC0-2B01-4EEA-A909-3466DE4146BC}" type="presParOf" srcId="{CBA38653-78C9-4768-8AEF-0255B41C2AC1}" destId="{D869FA0D-7FFD-42CB-92AE-01C1C8B7FAB8}" srcOrd="1" destOrd="0" presId="urn:microsoft.com/office/officeart/2018/5/layout/IconCircleLabelList"/>
+    <dgm:cxn modelId="{A7E1DF8B-B461-4DDD-A98B-8BD4EB0DB159}" type="presParOf" srcId="{CBA38653-78C9-4768-8AEF-0255B41C2AC1}" destId="{F6246FFE-3D77-4C52-87B7-B7A2C8FDB2F8}" srcOrd="2" destOrd="0" presId="urn:microsoft.com/office/officeart/2018/5/layout/IconCircleLabelList"/>
+    <dgm:cxn modelId="{6F754915-83EA-4B30-83DD-D37751D88731}" type="presParOf" srcId="{CBA38653-78C9-4768-8AEF-0255B41C2AC1}" destId="{FE1752F2-3108-4ABD-9C2A-3F102E3BA775}" srcOrd="3" destOrd="0" presId="urn:microsoft.com/office/officeart/2018/5/layout/IconCircleLabelList"/>
+    <dgm:cxn modelId="{75011B1E-B785-4742-A196-492D36901821}" type="presParOf" srcId="{DD7A0083-AEEF-4E20-9362-38531215EA09}" destId="{61654A0F-18DD-4C3D-B272-D8A6A0433603}" srcOrd="1" destOrd="0" presId="urn:microsoft.com/office/officeart/2018/5/layout/IconCircleLabelList"/>
+    <dgm:cxn modelId="{6AB50DD3-3879-4BE8-8ABE-08DA57E4C2C5}" type="presParOf" srcId="{DD7A0083-AEEF-4E20-9362-38531215EA09}" destId="{7A528F80-6A5D-4B42-B042-8A0966ADC678}" srcOrd="2" destOrd="0" presId="urn:microsoft.com/office/officeart/2018/5/layout/IconCircleLabelList"/>
+    <dgm:cxn modelId="{9642088A-8706-4439-9027-9F4BADA5E910}" type="presParOf" srcId="{7A528F80-6A5D-4B42-B042-8A0966ADC678}" destId="{BAB018B1-26D4-4DC8-8E81-A92F9FD91B76}" srcOrd="0" destOrd="0" presId="urn:microsoft.com/office/officeart/2018/5/layout/IconCircleLabelList"/>
+    <dgm:cxn modelId="{68EE832A-75CB-44E5-B8A4-6D8C8960E890}" type="presParOf" srcId="{7A528F80-6A5D-4B42-B042-8A0966ADC678}" destId="{9B0DAA61-4D75-403F-961E-1FFFB3EA1B98}" srcOrd="1" destOrd="0" presId="urn:microsoft.com/office/officeart/2018/5/layout/IconCircleLabelList"/>
+    <dgm:cxn modelId="{61A77B5E-0C79-479B-8D11-3FD23792DE8F}" type="presParOf" srcId="{7A528F80-6A5D-4B42-B042-8A0966ADC678}" destId="{F85B1FB3-2FB7-4FD5-9ED0-21162073B1C8}" srcOrd="2" destOrd="0" presId="urn:microsoft.com/office/officeart/2018/5/layout/IconCircleLabelList"/>
+    <dgm:cxn modelId="{1484F3E1-84C2-43B5-BC4E-848B95F0DE55}" type="presParOf" srcId="{7A528F80-6A5D-4B42-B042-8A0966ADC678}" destId="{B8FA7378-A03D-49C7-9C48-2102DE00E93F}" srcOrd="3" destOrd="0" presId="urn:microsoft.com/office/officeart/2018/5/layout/IconCircleLabelList"/>
+    <dgm:cxn modelId="{D8CF90E6-45FA-4C6A-84CA-117ACF773CCE}" type="presParOf" srcId="{DD7A0083-AEEF-4E20-9362-38531215EA09}" destId="{2C35D0E4-CFD6-41F1-B41A-ED224D440A7D}" srcOrd="3" destOrd="0" presId="urn:microsoft.com/office/officeart/2018/5/layout/IconCircleLabelList"/>
+    <dgm:cxn modelId="{75C7F9E6-6E81-4BDD-98A6-955754D2AF14}" type="presParOf" srcId="{DD7A0083-AEEF-4E20-9362-38531215EA09}" destId="{96755955-C834-4FA3-9194-789AB4EA16B9}" srcOrd="4" destOrd="0" presId="urn:microsoft.com/office/officeart/2018/5/layout/IconCircleLabelList"/>
+    <dgm:cxn modelId="{AB1FAC6E-28FF-4751-ACB9-BFF19300A3B9}" type="presParOf" srcId="{96755955-C834-4FA3-9194-789AB4EA16B9}" destId="{947B38D2-4239-48FD-B17A-D6B836BA3AF6}" srcOrd="0" destOrd="0" presId="urn:microsoft.com/office/officeart/2018/5/layout/IconCircleLabelList"/>
+    <dgm:cxn modelId="{154452B4-06D3-4B03-8241-562634556C5E}" type="presParOf" srcId="{96755955-C834-4FA3-9194-789AB4EA16B9}" destId="{7B0F2E57-F86B-4A2A-A24A-6CABB93E5369}" srcOrd="1" destOrd="0" presId="urn:microsoft.com/office/officeart/2018/5/layout/IconCircleLabelList"/>
+    <dgm:cxn modelId="{D8F82A38-1E15-4B25-9B6B-2FF80C2C2E0B}" type="presParOf" srcId="{96755955-C834-4FA3-9194-789AB4EA16B9}" destId="{2C675818-665B-4ECC-86B8-7B16D08C0F07}" srcOrd="2" destOrd="0" presId="urn:microsoft.com/office/officeart/2018/5/layout/IconCircleLabelList"/>
+    <dgm:cxn modelId="{CE55A59B-E65E-4F61-B0C8-EC17AF69BA3E}" type="presParOf" srcId="{96755955-C834-4FA3-9194-789AB4EA16B9}" destId="{E100D369-0EFC-49C8-B0E6-F1A06DD001CF}" srcOrd="3" destOrd="0" presId="urn:microsoft.com/office/officeart/2018/5/layout/IconCircleLabelList"/>
   </dgm:cxnLst>
   <dgm:bg/>
   <dgm:whole/>
@@ -7929,6 +10049,464 @@
 </dsp:drawing>
 </file>
 
+<file path=ppt/diagrams/drawing3.xml><?xml version="1.0" encoding="utf-8"?>
+<dsp:drawing xmlns:dgm="http://schemas.openxmlformats.org/drawingml/2006/diagram" xmlns:dsp="http://schemas.microsoft.com/office/drawing/2008/diagram" xmlns:a="http://schemas.openxmlformats.org/drawingml/2006/main">
+  <dsp:spTree>
+    <dsp:nvGrpSpPr>
+      <dsp:cNvPr id="0" name=""/>
+      <dsp:cNvGrpSpPr/>
+    </dsp:nvGrpSpPr>
+    <dsp:grpSpPr/>
+    <dsp:sp modelId="{FBEA0393-A8C2-46A9-98DC-3A7075BDD608}">
+      <dsp:nvSpPr>
+        <dsp:cNvPr id="0" name=""/>
+        <dsp:cNvSpPr/>
+      </dsp:nvSpPr>
+      <dsp:spPr>
+        <a:xfrm>
+          <a:off x="686474" y="174118"/>
+          <a:ext cx="1990125" cy="1990125"/>
+        </a:xfrm>
+        <a:prstGeom prst="ellipse">
+          <a:avLst/>
+        </a:prstGeom>
+        <a:solidFill>
+          <a:schemeClr val="accent2">
+            <a:hueOff val="0"/>
+            <a:satOff val="0"/>
+            <a:lumOff val="0"/>
+            <a:alphaOff val="0"/>
+          </a:schemeClr>
+        </a:solidFill>
+        <a:ln>
+          <a:noFill/>
+        </a:ln>
+        <a:effectLst/>
+      </dsp:spPr>
+      <dsp:style>
+        <a:lnRef idx="0">
+          <a:scrgbClr r="0" g="0" b="0"/>
+        </a:lnRef>
+        <a:fillRef idx="1">
+          <a:scrgbClr r="0" g="0" b="0"/>
+        </a:fillRef>
+        <a:effectRef idx="0">
+          <a:scrgbClr r="0" g="0" b="0"/>
+        </a:effectRef>
+        <a:fontRef idx="minor"/>
+      </dsp:style>
+    </dsp:sp>
+    <dsp:sp modelId="{D869FA0D-7FFD-42CB-92AE-01C1C8B7FAB8}">
+      <dsp:nvSpPr>
+        <dsp:cNvPr id="0" name=""/>
+        <dsp:cNvSpPr/>
+      </dsp:nvSpPr>
+      <dsp:spPr>
+        <a:xfrm>
+          <a:off x="1110599" y="598243"/>
+          <a:ext cx="1141875" cy="1141875"/>
+        </a:xfrm>
+        <a:prstGeom prst="rect">
+          <a:avLst/>
+        </a:prstGeom>
+        <a:blipFill>
+          <a:blip xmlns:r="http://schemas.openxmlformats.org/officeDocument/2006/relationships" r:embed="rId1">
+            <a:extLst>
+              <a:ext uri="{28A0092B-C50C-407E-A947-70E740481C1C}">
+                <a14:useLocalDpi xmlns:a14="http://schemas.microsoft.com/office/drawing/2010/main" val="0"/>
+              </a:ext>
+              <a:ext uri="{96DAC541-7B7A-43D3-8B79-37D633B846F1}">
+                <asvg:svgBlip xmlns:asvg="http://schemas.microsoft.com/office/drawing/2016/SVG/main" r:embed="rId2"/>
+              </a:ext>
+            </a:extLst>
+          </a:blip>
+          <a:stretch>
+            <a:fillRect/>
+          </a:stretch>
+        </a:blipFill>
+        <a:ln w="22225" cap="rnd" cmpd="sng" algn="ctr">
+          <a:noFill/>
+          <a:prstDash val="solid"/>
+        </a:ln>
+        <a:effectLst/>
+      </dsp:spPr>
+      <dsp:style>
+        <a:lnRef idx="2">
+          <a:scrgbClr r="0" g="0" b="0"/>
+        </a:lnRef>
+        <a:fillRef idx="1">
+          <a:scrgbClr r="0" g="0" b="0"/>
+        </a:fillRef>
+        <a:effectRef idx="0">
+          <a:scrgbClr r="0" g="0" b="0"/>
+        </a:effectRef>
+        <a:fontRef idx="minor">
+          <a:schemeClr val="lt1"/>
+        </a:fontRef>
+      </dsp:style>
+    </dsp:sp>
+    <dsp:sp modelId="{FE1752F2-3108-4ABD-9C2A-3F102E3BA775}">
+      <dsp:nvSpPr>
+        <dsp:cNvPr id="0" name=""/>
+        <dsp:cNvSpPr/>
+      </dsp:nvSpPr>
+      <dsp:spPr>
+        <a:xfrm>
+          <a:off x="50287" y="2784119"/>
+          <a:ext cx="3262500" cy="720000"/>
+        </a:xfrm>
+        <a:prstGeom prst="rect">
+          <a:avLst/>
+        </a:prstGeom>
+        <a:noFill/>
+        <a:ln>
+          <a:noFill/>
+        </a:ln>
+        <a:effectLst/>
+      </dsp:spPr>
+      <dsp:style>
+        <a:lnRef idx="0">
+          <a:scrgbClr r="0" g="0" b="0"/>
+        </a:lnRef>
+        <a:fillRef idx="0">
+          <a:scrgbClr r="0" g="0" b="0"/>
+        </a:fillRef>
+        <a:effectRef idx="0">
+          <a:scrgbClr r="0" g="0" b="0"/>
+        </a:effectRef>
+        <a:fontRef idx="minor"/>
+      </dsp:style>
+      <dsp:txBody>
+        <a:bodyPr spcFirstLastPara="0" vert="horz" wrap="square" lIns="0" tIns="0" rIns="0" bIns="0" numCol="1" spcCol="1270" anchor="t" anchorCtr="0">
+          <a:noAutofit/>
+        </a:bodyPr>
+        <a:lstStyle/>
+        <a:p>
+          <a:pPr marL="0" lvl="0" indent="0" algn="ctr" defTabSz="755650">
+            <a:lnSpc>
+              <a:spcPct val="90000"/>
+            </a:lnSpc>
+            <a:spcBef>
+              <a:spcPct val="0"/>
+            </a:spcBef>
+            <a:spcAft>
+              <a:spcPct val="35000"/>
+            </a:spcAft>
+            <a:buNone/>
+            <a:defRPr cap="all"/>
+          </a:pPr>
+          <a:r>
+            <a:rPr lang="fr-FR" sz="1700" kern="1200"/>
+            <a:t>Accuracy of winning prediction : 72 %</a:t>
+          </a:r>
+          <a:endParaRPr lang="en-US" sz="1700" kern="1200"/>
+        </a:p>
+      </dsp:txBody>
+      <dsp:txXfrm>
+        <a:off x="50287" y="2784119"/>
+        <a:ext cx="3262500" cy="720000"/>
+      </dsp:txXfrm>
+    </dsp:sp>
+    <dsp:sp modelId="{BAB018B1-26D4-4DC8-8E81-A92F9FD91B76}">
+      <dsp:nvSpPr>
+        <dsp:cNvPr id="0" name=""/>
+        <dsp:cNvSpPr/>
+      </dsp:nvSpPr>
+      <dsp:spPr>
+        <a:xfrm>
+          <a:off x="4519912" y="174118"/>
+          <a:ext cx="1990125" cy="1990125"/>
+        </a:xfrm>
+        <a:prstGeom prst="ellipse">
+          <a:avLst/>
+        </a:prstGeom>
+        <a:solidFill>
+          <a:schemeClr val="accent3">
+            <a:hueOff val="0"/>
+            <a:satOff val="0"/>
+            <a:lumOff val="0"/>
+            <a:alphaOff val="0"/>
+          </a:schemeClr>
+        </a:solidFill>
+        <a:ln>
+          <a:noFill/>
+        </a:ln>
+        <a:effectLst/>
+      </dsp:spPr>
+      <dsp:style>
+        <a:lnRef idx="0">
+          <a:scrgbClr r="0" g="0" b="0"/>
+        </a:lnRef>
+        <a:fillRef idx="1">
+          <a:scrgbClr r="0" g="0" b="0"/>
+        </a:fillRef>
+        <a:effectRef idx="0">
+          <a:scrgbClr r="0" g="0" b="0"/>
+        </a:effectRef>
+        <a:fontRef idx="minor"/>
+      </dsp:style>
+    </dsp:sp>
+    <dsp:sp modelId="{9B0DAA61-4D75-403F-961E-1FFFB3EA1B98}">
+      <dsp:nvSpPr>
+        <dsp:cNvPr id="0" name=""/>
+        <dsp:cNvSpPr/>
+      </dsp:nvSpPr>
+      <dsp:spPr>
+        <a:xfrm>
+          <a:off x="4944037" y="598243"/>
+          <a:ext cx="1141875" cy="1141875"/>
+        </a:xfrm>
+        <a:prstGeom prst="rect">
+          <a:avLst/>
+        </a:prstGeom>
+        <a:blipFill>
+          <a:blip xmlns:r="http://schemas.openxmlformats.org/officeDocument/2006/relationships" r:embed="rId3">
+            <a:extLst>
+              <a:ext uri="{96DAC541-7B7A-43D3-8B79-37D633B846F1}">
+                <asvg:svgBlip xmlns:asvg="http://schemas.microsoft.com/office/drawing/2016/SVG/main" r:embed="rId4"/>
+              </a:ext>
+            </a:extLst>
+          </a:blip>
+          <a:srcRect/>
+          <a:stretch>
+            <a:fillRect/>
+          </a:stretch>
+        </a:blipFill>
+        <a:ln w="22225" cap="rnd" cmpd="sng" algn="ctr">
+          <a:noFill/>
+          <a:prstDash val="solid"/>
+        </a:ln>
+        <a:effectLst/>
+      </dsp:spPr>
+      <dsp:style>
+        <a:lnRef idx="2">
+          <a:scrgbClr r="0" g="0" b="0"/>
+        </a:lnRef>
+        <a:fillRef idx="1">
+          <a:scrgbClr r="0" g="0" b="0"/>
+        </a:fillRef>
+        <a:effectRef idx="0">
+          <a:scrgbClr r="0" g="0" b="0"/>
+        </a:effectRef>
+        <a:fontRef idx="minor">
+          <a:schemeClr val="lt1"/>
+        </a:fontRef>
+      </dsp:style>
+    </dsp:sp>
+    <dsp:sp modelId="{B8FA7378-A03D-49C7-9C48-2102DE00E93F}">
+      <dsp:nvSpPr>
+        <dsp:cNvPr id="0" name=""/>
+        <dsp:cNvSpPr/>
+      </dsp:nvSpPr>
+      <dsp:spPr>
+        <a:xfrm>
+          <a:off x="3883725" y="2784119"/>
+          <a:ext cx="3262500" cy="720000"/>
+        </a:xfrm>
+        <a:prstGeom prst="rect">
+          <a:avLst/>
+        </a:prstGeom>
+        <a:noFill/>
+        <a:ln>
+          <a:noFill/>
+        </a:ln>
+        <a:effectLst/>
+      </dsp:spPr>
+      <dsp:style>
+        <a:lnRef idx="0">
+          <a:scrgbClr r="0" g="0" b="0"/>
+        </a:lnRef>
+        <a:fillRef idx="0">
+          <a:scrgbClr r="0" g="0" b="0"/>
+        </a:fillRef>
+        <a:effectRef idx="0">
+          <a:scrgbClr r="0" g="0" b="0"/>
+        </a:effectRef>
+        <a:fontRef idx="minor"/>
+      </dsp:style>
+      <dsp:txBody>
+        <a:bodyPr spcFirstLastPara="0" vert="horz" wrap="square" lIns="0" tIns="0" rIns="0" bIns="0" numCol="1" spcCol="1270" anchor="t" anchorCtr="0">
+          <a:noAutofit/>
+        </a:bodyPr>
+        <a:lstStyle/>
+        <a:p>
+          <a:pPr marL="0" lvl="0" indent="0" algn="ctr" defTabSz="755650">
+            <a:lnSpc>
+              <a:spcPct val="90000"/>
+            </a:lnSpc>
+            <a:spcBef>
+              <a:spcPct val="0"/>
+            </a:spcBef>
+            <a:spcAft>
+              <a:spcPct val="35000"/>
+            </a:spcAft>
+            <a:buNone/>
+            <a:defRPr cap="all"/>
+          </a:pPr>
+          <a:r>
+            <a:rPr lang="fr-FR" sz="1700" kern="1200"/>
+            <a:t>Data explained by our features : team form, market values on each position</a:t>
+          </a:r>
+          <a:endParaRPr lang="en-US" sz="1700" kern="1200"/>
+        </a:p>
+      </dsp:txBody>
+      <dsp:txXfrm>
+        <a:off x="3883725" y="2784119"/>
+        <a:ext cx="3262500" cy="720000"/>
+      </dsp:txXfrm>
+    </dsp:sp>
+    <dsp:sp modelId="{947B38D2-4239-48FD-B17A-D6B836BA3AF6}">
+      <dsp:nvSpPr>
+        <dsp:cNvPr id="0" name=""/>
+        <dsp:cNvSpPr/>
+      </dsp:nvSpPr>
+      <dsp:spPr>
+        <a:xfrm>
+          <a:off x="8353350" y="174118"/>
+          <a:ext cx="1990125" cy="1990125"/>
+        </a:xfrm>
+        <a:prstGeom prst="ellipse">
+          <a:avLst/>
+        </a:prstGeom>
+        <a:solidFill>
+          <a:schemeClr val="accent4">
+            <a:hueOff val="0"/>
+            <a:satOff val="0"/>
+            <a:lumOff val="0"/>
+            <a:alphaOff val="0"/>
+          </a:schemeClr>
+        </a:solidFill>
+        <a:ln>
+          <a:noFill/>
+        </a:ln>
+        <a:effectLst/>
+      </dsp:spPr>
+      <dsp:style>
+        <a:lnRef idx="0">
+          <a:scrgbClr r="0" g="0" b="0"/>
+        </a:lnRef>
+        <a:fillRef idx="1">
+          <a:scrgbClr r="0" g="0" b="0"/>
+        </a:fillRef>
+        <a:effectRef idx="0">
+          <a:scrgbClr r="0" g="0" b="0"/>
+        </a:effectRef>
+        <a:fontRef idx="minor"/>
+      </dsp:style>
+    </dsp:sp>
+    <dsp:sp modelId="{7B0F2E57-F86B-4A2A-A24A-6CABB93E5369}">
+      <dsp:nvSpPr>
+        <dsp:cNvPr id="0" name=""/>
+        <dsp:cNvSpPr/>
+      </dsp:nvSpPr>
+      <dsp:spPr>
+        <a:xfrm>
+          <a:off x="8777475" y="598243"/>
+          <a:ext cx="1141875" cy="1141875"/>
+        </a:xfrm>
+        <a:prstGeom prst="rect">
+          <a:avLst/>
+        </a:prstGeom>
+        <a:blipFill>
+          <a:blip xmlns:r="http://schemas.openxmlformats.org/officeDocument/2006/relationships" r:embed="rId5">
+            <a:extLst>
+              <a:ext uri="{96DAC541-7B7A-43D3-8B79-37D633B846F1}">
+                <asvg:svgBlip xmlns:asvg="http://schemas.microsoft.com/office/drawing/2016/SVG/main" r:embed="rId6"/>
+              </a:ext>
+            </a:extLst>
+          </a:blip>
+          <a:srcRect/>
+          <a:stretch>
+            <a:fillRect/>
+          </a:stretch>
+        </a:blipFill>
+        <a:ln w="22225" cap="rnd" cmpd="sng" algn="ctr">
+          <a:noFill/>
+          <a:prstDash val="solid"/>
+        </a:ln>
+        <a:effectLst/>
+      </dsp:spPr>
+      <dsp:style>
+        <a:lnRef idx="2">
+          <a:scrgbClr r="0" g="0" b="0"/>
+        </a:lnRef>
+        <a:fillRef idx="1">
+          <a:scrgbClr r="0" g="0" b="0"/>
+        </a:fillRef>
+        <a:effectRef idx="0">
+          <a:scrgbClr r="0" g="0" b="0"/>
+        </a:effectRef>
+        <a:fontRef idx="minor">
+          <a:schemeClr val="lt1"/>
+        </a:fontRef>
+      </dsp:style>
+    </dsp:sp>
+    <dsp:sp modelId="{E100D369-0EFC-49C8-B0E6-F1A06DD001CF}">
+      <dsp:nvSpPr>
+        <dsp:cNvPr id="0" name=""/>
+        <dsp:cNvSpPr/>
+      </dsp:nvSpPr>
+      <dsp:spPr>
+        <a:xfrm>
+          <a:off x="7717162" y="2784119"/>
+          <a:ext cx="3262500" cy="720000"/>
+        </a:xfrm>
+        <a:prstGeom prst="rect">
+          <a:avLst/>
+        </a:prstGeom>
+        <a:noFill/>
+        <a:ln>
+          <a:noFill/>
+        </a:ln>
+        <a:effectLst/>
+      </dsp:spPr>
+      <dsp:style>
+        <a:lnRef idx="0">
+          <a:scrgbClr r="0" g="0" b="0"/>
+        </a:lnRef>
+        <a:fillRef idx="0">
+          <a:scrgbClr r="0" g="0" b="0"/>
+        </a:fillRef>
+        <a:effectRef idx="0">
+          <a:scrgbClr r="0" g="0" b="0"/>
+        </a:effectRef>
+        <a:fontRef idx="minor"/>
+      </dsp:style>
+      <dsp:txBody>
+        <a:bodyPr spcFirstLastPara="0" vert="horz" wrap="square" lIns="0" tIns="0" rIns="0" bIns="0" numCol="1" spcCol="1270" anchor="t" anchorCtr="0">
+          <a:noAutofit/>
+        </a:bodyPr>
+        <a:lstStyle/>
+        <a:p>
+          <a:pPr marL="0" lvl="0" indent="0" algn="ctr" defTabSz="755650">
+            <a:lnSpc>
+              <a:spcPct val="90000"/>
+            </a:lnSpc>
+            <a:spcBef>
+              <a:spcPct val="0"/>
+            </a:spcBef>
+            <a:spcAft>
+              <a:spcPct val="35000"/>
+            </a:spcAft>
+            <a:buNone/>
+            <a:defRPr cap="all"/>
+          </a:pPr>
+          <a:r>
+            <a:rPr lang="fr-FR" sz="1700" kern="1200"/>
+            <a:t>Most important variable : Clean sheet potential </a:t>
+          </a:r>
+          <a:endParaRPr lang="en-US" sz="1700" kern="1200"/>
+        </a:p>
+      </dsp:txBody>
+      <dsp:txXfrm>
+        <a:off x="7717162" y="2784119"/>
+        <a:ext cx="3262500" cy="720000"/>
+      </dsp:txXfrm>
+    </dsp:sp>
+  </dsp:spTree>
+</dsp:drawing>
+</file>
+
 <file path=ppt/diagrams/layout1.xml><?xml version="1.0" encoding="utf-8"?>
 <dgm:layoutDef xmlns:dgm="http://schemas.openxmlformats.org/drawingml/2006/diagram" xmlns:a="http://schemas.openxmlformats.org/drawingml/2006/main" uniqueId="urn:microsoft.com/office/officeart/2018/2/layout/IconLabelList">
   <dgm:title val="Icon Label List"/>
@@ -8334,6 +10912,221 @@
 </dgm:layoutDef>
 </file>
 
+<file path=ppt/diagrams/layout3.xml><?xml version="1.0" encoding="utf-8"?>
+<dgm:layoutDef xmlns:dgm="http://schemas.openxmlformats.org/drawingml/2006/diagram" xmlns:a="http://schemas.openxmlformats.org/drawingml/2006/main" uniqueId="urn:microsoft.com/office/officeart/2018/5/layout/IconCircleLabelList">
+  <dgm:title val="Icon Circle Label List"/>
+  <dgm:desc val="Use to show non-sequential or grouped chunks of information accompanied by a related visuals. Works best with icons or small pictures with short text captions."/>
+  <dgm:catLst>
+    <dgm:cat type="icon" pri="500"/>
+  </dgm:catLst>
+  <dgm:sampData useDef="1">
+    <dgm:dataModel>
+      <dgm:ptLst/>
+      <dgm:bg/>
+      <dgm:whole/>
+    </dgm:dataModel>
+  </dgm:sampData>
+  <dgm:styleData useDef="1">
+    <dgm:dataModel>
+      <dgm:ptLst/>
+      <dgm:bg/>
+      <dgm:whole/>
+    </dgm:dataModel>
+  </dgm:styleData>
+  <dgm:clrData useDef="1">
+    <dgm:dataModel>
+      <dgm:ptLst/>
+      <dgm:bg/>
+      <dgm:whole/>
+    </dgm:dataModel>
+  </dgm:clrData>
+  <dgm:layoutNode name="root">
+    <dgm:varLst>
+      <dgm:dir/>
+      <dgm:resizeHandles val="exact"/>
+    </dgm:varLst>
+    <dgm:choose name="Name0">
+      <dgm:if name="Name1" axis="self" func="var" arg="dir" op="equ" val="norm">
+        <dgm:alg type="snake">
+          <dgm:param type="grDir" val="tL"/>
+          <dgm:param type="flowDir" val="row"/>
+          <dgm:param type="contDir" val="sameDir"/>
+          <dgm:param type="off" val="ctr"/>
+          <dgm:param type="vertAlign" val="mid"/>
+          <dgm:param type="horzAlign" val="ctr"/>
+        </dgm:alg>
+      </dgm:if>
+      <dgm:else name="Name2">
+        <dgm:alg type="snake">
+          <dgm:param type="grDir" val="tR"/>
+          <dgm:param type="flowDir" val="row"/>
+          <dgm:param type="contDir" val="sameDir"/>
+          <dgm:param type="off" val="ctr"/>
+          <dgm:param type="vertAlign" val="mid"/>
+          <dgm:param type="horzAlign" val="ctr"/>
+        </dgm:alg>
+      </dgm:else>
+    </dgm:choose>
+    <dgm:shape xmlns:r="http://schemas.openxmlformats.org/officeDocument/2006/relationships" r:blip="">
+      <dgm:adjLst/>
+    </dgm:shape>
+    <dgm:presOf/>
+    <dgm:choose name="Name3">
+      <dgm:if name="Name4" axis="ch" ptType="node" func="cnt" op="lte" val="2">
+        <dgm:constrLst>
+          <dgm:constr type="h" for="ch" forName="compNode" refType="h" fact="0.4"/>
+          <dgm:constr type="w" for="ch" forName="compNode" val="100"/>
+          <dgm:constr type="w" for="ch" forName="sibTrans" refType="w" refFor="ch" refForName="compNode" fact="0.175"/>
+          <dgm:constr type="sp" refType="w" refFor="ch" refForName="compNode" op="equ" fact="0.25"/>
+          <dgm:constr type="primFontSz" for="des" ptType="node" op="equ" val="44"/>
+          <dgm:constr type="h" for="des" forName="compNode" op="equ"/>
+          <dgm:constr type="h" for="des" forName="textRect" op="equ"/>
+        </dgm:constrLst>
+      </dgm:if>
+      <dgm:if name="Name5" axis="ch" ptType="node" func="cnt" op="lte" val="3">
+        <dgm:constrLst>
+          <dgm:constr type="h" for="ch" forName="compNode" refType="h" fact="0.4"/>
+          <dgm:constr type="w" for="ch" forName="compNode" val="100"/>
+          <dgm:constr type="w" for="ch" forName="sibTrans" refType="w" refFor="ch" refForName="compNode" fact="0.175"/>
+          <dgm:constr type="sp" refType="w" refFor="ch" refForName="compNode" op="equ" fact="0.25"/>
+          <dgm:constr type="primFontSz" for="des" ptType="node" op="equ" val="40"/>
+          <dgm:constr type="h" for="des" forName="compNode" op="equ"/>
+          <dgm:constr type="h" for="des" forName="textRect" op="equ"/>
+        </dgm:constrLst>
+      </dgm:if>
+      <dgm:if name="Name6" axis="ch" ptType="node" func="cnt" op="lte" val="4">
+        <dgm:constrLst>
+          <dgm:constr type="h" for="ch" forName="compNode" refType="h" fact="0.4"/>
+          <dgm:constr type="w" for="ch" forName="compNode" refType="w"/>
+          <dgm:constr type="w" for="ch" forName="sibTrans" refType="w" refFor="ch" refForName="compNode" fact="0.175"/>
+          <dgm:constr type="sp" refType="w" refFor="ch" refForName="compNode" op="equ" fact="0.25"/>
+          <dgm:constr type="primFontSz" for="des" ptType="node" op="equ" val="32"/>
+          <dgm:constr type="h" for="des" forName="compNode" op="equ"/>
+          <dgm:constr type="h" for="des" forName="textRect" op="equ"/>
+        </dgm:constrLst>
+      </dgm:if>
+      <dgm:else name="Name7">
+        <dgm:constrLst>
+          <dgm:constr type="h" for="ch" forName="compNode" refType="h" fact="0.4"/>
+          <dgm:constr type="w" for="ch" forName="compNode" refType="w"/>
+          <dgm:constr type="w" for="ch" forName="sibTrans" refType="w" refFor="ch" refForName="compNode" fact="0.175"/>
+          <dgm:constr type="sp" refType="w" refFor="ch" refForName="compNode" op="equ" fact="0.25"/>
+          <dgm:constr type="primFontSz" for="des" ptType="node" op="equ" val="24"/>
+          <dgm:constr type="h" for="des" forName="compNode" op="equ"/>
+          <dgm:constr type="h" for="des" forName="textRect" op="equ"/>
+        </dgm:constrLst>
+      </dgm:else>
+    </dgm:choose>
+    <dgm:ruleLst>
+      <dgm:rule type="w" for="ch" forName="compNode" val="50" fact="NaN" max="NaN"/>
+    </dgm:ruleLst>
+    <dgm:forEach name="Name8" axis="ch" ptType="node">
+      <dgm:layoutNode name="compNode">
+        <dgm:alg type="composite"/>
+        <dgm:shape xmlns:r="http://schemas.openxmlformats.org/officeDocument/2006/relationships" r:blip="">
+          <dgm:adjLst/>
+        </dgm:shape>
+        <dgm:presOf axis="self"/>
+        <dgm:constrLst>
+          <dgm:constr type="w" for="ch" forName="iconBgRect" refType="w" fact="0.61"/>
+          <dgm:constr type="h" for="ch" forName="iconBgRect" refType="w" refFor="ch" refForName="iconBgRect"/>
+          <dgm:constr type="t" for="ch" forName="iconBgRect"/>
+          <dgm:constr type="ctrX" for="ch" forName="iconBgRect" refType="w" fact="0.5"/>
+          <dgm:constr type="w" for="ch" forName="iconRect" refType="w" fact="0.35"/>
+          <dgm:constr type="h" for="ch" forName="iconRect" refType="w" refFor="ch" refForName="iconRect"/>
+          <dgm:constr type="ctrX" for="ch" forName="iconRect" refType="ctrX" refFor="ch" refForName="iconBgRect"/>
+          <dgm:constr type="ctrY" for="ch" forName="iconRect" refType="ctrY" refFor="ch" refForName="iconBgRect"/>
+          <dgm:constr type="h" for="ch" forName="spaceRect" refType="w" fact="0.19"/>
+          <dgm:constr type="w" for="ch" forName="spaceRect" refType="w"/>
+          <dgm:constr type="l" for="ch" forName="spaceRect"/>
+          <dgm:constr type="t" for="ch" forName="spaceRect" refType="b" refFor="ch" refForName="iconBgRect"/>
+          <dgm:constr type="h" for="ch" forName="textRect" val="20"/>
+          <dgm:constr type="w" for="ch" forName="textRect" refType="w"/>
+          <dgm:constr type="l" for="ch" forName="textRect"/>
+          <dgm:constr type="t" for="ch" forName="textRect" refType="b" refFor="ch" refForName="spaceRect"/>
+        </dgm:constrLst>
+        <dgm:ruleLst>
+          <dgm:rule type="h" val="INF" fact="NaN" max="NaN"/>
+        </dgm:ruleLst>
+        <dgm:layoutNode name="iconBgRect" styleLbl="bgShp">
+          <dgm:alg type="sp"/>
+          <dgm:shape xmlns:r="http://schemas.openxmlformats.org/officeDocument/2006/relationships" type="ellipse" r:blip="">
+            <dgm:adjLst/>
+          </dgm:shape>
+          <dgm:presOf/>
+          <dgm:constrLst/>
+          <dgm:ruleLst/>
+        </dgm:layoutNode>
+        <dgm:layoutNode name="iconRect" styleLbl="node1">
+          <dgm:alg type="sp"/>
+          <dgm:shape xmlns:r="http://schemas.openxmlformats.org/officeDocument/2006/relationships" type="rect" r:blip="" blipPhldr="1">
+            <dgm:adjLst/>
+          </dgm:shape>
+          <dgm:presOf/>
+          <dgm:constrLst/>
+          <dgm:ruleLst/>
+        </dgm:layoutNode>
+        <dgm:layoutNode name="spaceRect">
+          <dgm:alg type="sp"/>
+          <dgm:shape xmlns:r="http://schemas.openxmlformats.org/officeDocument/2006/relationships" r:blip="">
+            <dgm:adjLst/>
+          </dgm:shape>
+          <dgm:presOf/>
+          <dgm:constrLst/>
+          <dgm:ruleLst/>
+        </dgm:layoutNode>
+        <dgm:layoutNode name="textRect" styleLbl="revTx">
+          <dgm:varLst>
+            <dgm:chMax val="1"/>
+            <dgm:chPref val="1"/>
+          </dgm:varLst>
+          <dgm:alg type="tx">
+            <dgm:param type="txAnchorVert" val="t"/>
+          </dgm:alg>
+          <dgm:shape xmlns:r="http://schemas.openxmlformats.org/officeDocument/2006/relationships" type="rect" r:blip="">
+            <dgm:adjLst/>
+          </dgm:shape>
+          <dgm:presOf axis="self" ptType="node"/>
+          <dgm:constrLst>
+            <dgm:constr type="lMarg"/>
+            <dgm:constr type="rMarg"/>
+            <dgm:constr type="tMarg"/>
+            <dgm:constr type="bMarg"/>
+          </dgm:constrLst>
+          <dgm:ruleLst>
+            <dgm:rule type="primFontSz" val="11" fact="NaN" max="NaN"/>
+            <dgm:rule type="h" val="INF" fact="NaN" max="NaN"/>
+          </dgm:ruleLst>
+        </dgm:layoutNode>
+      </dgm:layoutNode>
+      <dgm:forEach name="Name9" axis="followSib" ptType="sibTrans" cnt="1">
+        <dgm:layoutNode name="sibTrans">
+          <dgm:alg type="sp"/>
+          <dgm:shape xmlns:r="http://schemas.openxmlformats.org/officeDocument/2006/relationships" r:blip="">
+            <dgm:adjLst/>
+          </dgm:shape>
+          <dgm:presOf axis="self"/>
+          <dgm:constrLst/>
+          <dgm:ruleLst/>
+        </dgm:layoutNode>
+      </dgm:forEach>
+    </dgm:forEach>
+  </dgm:layoutNode>
+  <dgm:extLst>
+    <a:ext uri="{68A01E43-0DF5-4B5B-8FA6-DAF915123BFB}">
+      <dgm1612:lstStyle xmlns:dgm1612="http://schemas.microsoft.com/office/drawing/2016/12/diagram">
+        <a:lvl1pPr>
+          <a:lnSpc>
+            <a:spcPct val="100000"/>
+          </a:lnSpc>
+          <a:defRPr cap="all"/>
+        </a:lvl1pPr>
+      </dgm1612:lstStyle>
+    </a:ext>
+  </dgm:extLst>
+</dgm:layoutDef>
+</file>
+
 <file path=ppt/diagrams/quickStyle1.xml><?xml version="1.0" encoding="utf-8"?>
 <dgm:styleDef xmlns:dgm="http://schemas.openxmlformats.org/drawingml/2006/diagram" xmlns:a="http://schemas.openxmlformats.org/drawingml/2006/main" uniqueId="urn:microsoft.com/office/officeart/2005/8/quickstyle/simple1">
   <dgm:title val=""/>
@@ -9369,6 +12162,1040 @@
 </file>
 
 <file path=ppt/diagrams/quickStyle2.xml><?xml version="1.0" encoding="utf-8"?>
+<dgm:styleDef xmlns:dgm="http://schemas.openxmlformats.org/drawingml/2006/diagram" xmlns:a="http://schemas.openxmlformats.org/drawingml/2006/main" uniqueId="urn:microsoft.com/office/officeart/2005/8/quickstyle/simple1">
+  <dgm:title val=""/>
+  <dgm:desc val=""/>
+  <dgm:catLst>
+    <dgm:cat type="simple" pri="10100"/>
+  </dgm:catLst>
+  <dgm:scene3d>
+    <a:camera prst="orthographicFront"/>
+    <a:lightRig rig="threePt" dir="t"/>
+  </dgm:scene3d>
+  <dgm:styleLbl name="node0">
+    <dgm:scene3d>
+      <a:camera prst="orthographicFront"/>
+      <a:lightRig rig="threePt" dir="t"/>
+    </dgm:scene3d>
+    <dgm:sp3d/>
+    <dgm:txPr/>
+    <dgm:style>
+      <a:lnRef idx="2">
+        <a:scrgbClr r="0" g="0" b="0"/>
+      </a:lnRef>
+      <a:fillRef idx="1">
+        <a:scrgbClr r="0" g="0" b="0"/>
+      </a:fillRef>
+      <a:effectRef idx="0">
+        <a:scrgbClr r="0" g="0" b="0"/>
+      </a:effectRef>
+      <a:fontRef idx="minor">
+        <a:schemeClr val="lt1"/>
+      </a:fontRef>
+    </dgm:style>
+  </dgm:styleLbl>
+  <dgm:styleLbl name="lnNode1">
+    <dgm:scene3d>
+      <a:camera prst="orthographicFront"/>
+      <a:lightRig rig="threePt" dir="t"/>
+    </dgm:scene3d>
+    <dgm:sp3d/>
+    <dgm:txPr/>
+    <dgm:style>
+      <a:lnRef idx="2">
+        <a:scrgbClr r="0" g="0" b="0"/>
+      </a:lnRef>
+      <a:fillRef idx="1">
+        <a:scrgbClr r="0" g="0" b="0"/>
+      </a:fillRef>
+      <a:effectRef idx="0">
+        <a:scrgbClr r="0" g="0" b="0"/>
+      </a:effectRef>
+      <a:fontRef idx="minor">
+        <a:schemeClr val="lt1"/>
+      </a:fontRef>
+    </dgm:style>
+  </dgm:styleLbl>
+  <dgm:styleLbl name="vennNode1">
+    <dgm:scene3d>
+      <a:camera prst="orthographicFront"/>
+      <a:lightRig rig="threePt" dir="t"/>
+    </dgm:scene3d>
+    <dgm:sp3d/>
+    <dgm:txPr/>
+    <dgm:style>
+      <a:lnRef idx="2">
+        <a:scrgbClr r="0" g="0" b="0"/>
+      </a:lnRef>
+      <a:fillRef idx="1">
+        <a:scrgbClr r="0" g="0" b="0"/>
+      </a:fillRef>
+      <a:effectRef idx="0">
+        <a:scrgbClr r="0" g="0" b="0"/>
+      </a:effectRef>
+      <a:fontRef idx="minor">
+        <a:schemeClr val="tx1"/>
+      </a:fontRef>
+    </dgm:style>
+  </dgm:styleLbl>
+  <dgm:styleLbl name="alignNode1">
+    <dgm:scene3d>
+      <a:camera prst="orthographicFront"/>
+      <a:lightRig rig="threePt" dir="t"/>
+    </dgm:scene3d>
+    <dgm:sp3d/>
+    <dgm:txPr/>
+    <dgm:style>
+      <a:lnRef idx="2">
+        <a:scrgbClr r="0" g="0" b="0"/>
+      </a:lnRef>
+      <a:fillRef idx="1">
+        <a:scrgbClr r="0" g="0" b="0"/>
+      </a:fillRef>
+      <a:effectRef idx="0">
+        <a:scrgbClr r="0" g="0" b="0"/>
+      </a:effectRef>
+      <a:fontRef idx="minor">
+        <a:schemeClr val="lt1"/>
+      </a:fontRef>
+    </dgm:style>
+  </dgm:styleLbl>
+  <dgm:styleLbl name="node1">
+    <dgm:scene3d>
+      <a:camera prst="orthographicFront"/>
+      <a:lightRig rig="threePt" dir="t"/>
+    </dgm:scene3d>
+    <dgm:sp3d/>
+    <dgm:txPr/>
+    <dgm:style>
+      <a:lnRef idx="2">
+        <a:scrgbClr r="0" g="0" b="0"/>
+      </a:lnRef>
+      <a:fillRef idx="1">
+        <a:scrgbClr r="0" g="0" b="0"/>
+      </a:fillRef>
+      <a:effectRef idx="0">
+        <a:scrgbClr r="0" g="0" b="0"/>
+      </a:effectRef>
+      <a:fontRef idx="minor">
+        <a:schemeClr val="lt1"/>
+      </a:fontRef>
+    </dgm:style>
+  </dgm:styleLbl>
+  <dgm:styleLbl name="node2">
+    <dgm:scene3d>
+      <a:camera prst="orthographicFront"/>
+      <a:lightRig rig="threePt" dir="t"/>
+    </dgm:scene3d>
+    <dgm:sp3d/>
+    <dgm:txPr/>
+    <dgm:style>
+      <a:lnRef idx="2">
+        <a:scrgbClr r="0" g="0" b="0"/>
+      </a:lnRef>
+      <a:fillRef idx="1">
+        <a:scrgbClr r="0" g="0" b="0"/>
+      </a:fillRef>
+      <a:effectRef idx="0">
+        <a:scrgbClr r="0" g="0" b="0"/>
+      </a:effectRef>
+      <a:fontRef idx="minor">
+        <a:schemeClr val="lt1"/>
+      </a:fontRef>
+    </dgm:style>
+  </dgm:styleLbl>
+  <dgm:styleLbl name="node3">
+    <dgm:scene3d>
+      <a:camera prst="orthographicFront"/>
+      <a:lightRig rig="threePt" dir="t"/>
+    </dgm:scene3d>
+    <dgm:sp3d/>
+    <dgm:txPr/>
+    <dgm:style>
+      <a:lnRef idx="2">
+        <a:scrgbClr r="0" g="0" b="0"/>
+      </a:lnRef>
+      <a:fillRef idx="1">
+        <a:scrgbClr r="0" g="0" b="0"/>
+      </a:fillRef>
+      <a:effectRef idx="0">
+        <a:scrgbClr r="0" g="0" b="0"/>
+      </a:effectRef>
+      <a:fontRef idx="minor">
+        <a:schemeClr val="lt1"/>
+      </a:fontRef>
+    </dgm:style>
+  </dgm:styleLbl>
+  <dgm:styleLbl name="node4">
+    <dgm:scene3d>
+      <a:camera prst="orthographicFront"/>
+      <a:lightRig rig="threePt" dir="t"/>
+    </dgm:scene3d>
+    <dgm:sp3d/>
+    <dgm:txPr/>
+    <dgm:style>
+      <a:lnRef idx="2">
+        <a:scrgbClr r="0" g="0" b="0"/>
+      </a:lnRef>
+      <a:fillRef idx="1">
+        <a:scrgbClr r="0" g="0" b="0"/>
+      </a:fillRef>
+      <a:effectRef idx="0">
+        <a:scrgbClr r="0" g="0" b="0"/>
+      </a:effectRef>
+      <a:fontRef idx="minor">
+        <a:schemeClr val="lt1"/>
+      </a:fontRef>
+    </dgm:style>
+  </dgm:styleLbl>
+  <dgm:styleLbl name="fgImgPlace1">
+    <dgm:scene3d>
+      <a:camera prst="orthographicFront"/>
+      <a:lightRig rig="threePt" dir="t"/>
+    </dgm:scene3d>
+    <dgm:sp3d/>
+    <dgm:txPr/>
+    <dgm:style>
+      <a:lnRef idx="2">
+        <a:scrgbClr r="0" g="0" b="0"/>
+      </a:lnRef>
+      <a:fillRef idx="1">
+        <a:scrgbClr r="0" g="0" b="0"/>
+      </a:fillRef>
+      <a:effectRef idx="0">
+        <a:scrgbClr r="0" g="0" b="0"/>
+      </a:effectRef>
+      <a:fontRef idx="minor"/>
+    </dgm:style>
+  </dgm:styleLbl>
+  <dgm:styleLbl name="alignImgPlace1">
+    <dgm:scene3d>
+      <a:camera prst="orthographicFront"/>
+      <a:lightRig rig="threePt" dir="t"/>
+    </dgm:scene3d>
+    <dgm:sp3d/>
+    <dgm:txPr/>
+    <dgm:style>
+      <a:lnRef idx="2">
+        <a:scrgbClr r="0" g="0" b="0"/>
+      </a:lnRef>
+      <a:fillRef idx="1">
+        <a:scrgbClr r="0" g="0" b="0"/>
+      </a:fillRef>
+      <a:effectRef idx="0">
+        <a:scrgbClr r="0" g="0" b="0"/>
+      </a:effectRef>
+      <a:fontRef idx="minor"/>
+    </dgm:style>
+  </dgm:styleLbl>
+  <dgm:styleLbl name="bgImgPlace1">
+    <dgm:scene3d>
+      <a:camera prst="orthographicFront"/>
+      <a:lightRig rig="threePt" dir="t"/>
+    </dgm:scene3d>
+    <dgm:sp3d/>
+    <dgm:txPr/>
+    <dgm:style>
+      <a:lnRef idx="2">
+        <a:scrgbClr r="0" g="0" b="0"/>
+      </a:lnRef>
+      <a:fillRef idx="1">
+        <a:scrgbClr r="0" g="0" b="0"/>
+      </a:fillRef>
+      <a:effectRef idx="0">
+        <a:scrgbClr r="0" g="0" b="0"/>
+      </a:effectRef>
+      <a:fontRef idx="minor"/>
+    </dgm:style>
+  </dgm:styleLbl>
+  <dgm:styleLbl name="sibTrans2D1">
+    <dgm:scene3d>
+      <a:camera prst="orthographicFront"/>
+      <a:lightRig rig="threePt" dir="t"/>
+    </dgm:scene3d>
+    <dgm:sp3d/>
+    <dgm:txPr/>
+    <dgm:style>
+      <a:lnRef idx="0">
+        <a:scrgbClr r="0" g="0" b="0"/>
+      </a:lnRef>
+      <a:fillRef idx="1">
+        <a:scrgbClr r="0" g="0" b="0"/>
+      </a:fillRef>
+      <a:effectRef idx="0">
+        <a:scrgbClr r="0" g="0" b="0"/>
+      </a:effectRef>
+      <a:fontRef idx="minor">
+        <a:schemeClr val="lt1"/>
+      </a:fontRef>
+    </dgm:style>
+  </dgm:styleLbl>
+  <dgm:styleLbl name="fgSibTrans2D1">
+    <dgm:scene3d>
+      <a:camera prst="orthographicFront"/>
+      <a:lightRig rig="threePt" dir="t"/>
+    </dgm:scene3d>
+    <dgm:sp3d/>
+    <dgm:txPr/>
+    <dgm:style>
+      <a:lnRef idx="0">
+        <a:scrgbClr r="0" g="0" b="0"/>
+      </a:lnRef>
+      <a:fillRef idx="1">
+        <a:scrgbClr r="0" g="0" b="0"/>
+      </a:fillRef>
+      <a:effectRef idx="0">
+        <a:scrgbClr r="0" g="0" b="0"/>
+      </a:effectRef>
+      <a:fontRef idx="minor">
+        <a:schemeClr val="lt1"/>
+      </a:fontRef>
+    </dgm:style>
+  </dgm:styleLbl>
+  <dgm:styleLbl name="bgSibTrans2D1">
+    <dgm:scene3d>
+      <a:camera prst="orthographicFront"/>
+      <a:lightRig rig="threePt" dir="t"/>
+    </dgm:scene3d>
+    <dgm:sp3d/>
+    <dgm:txPr/>
+    <dgm:style>
+      <a:lnRef idx="0">
+        <a:scrgbClr r="0" g="0" b="0"/>
+      </a:lnRef>
+      <a:fillRef idx="1">
+        <a:scrgbClr r="0" g="0" b="0"/>
+      </a:fillRef>
+      <a:effectRef idx="0">
+        <a:scrgbClr r="0" g="0" b="0"/>
+      </a:effectRef>
+      <a:fontRef idx="minor">
+        <a:schemeClr val="lt1"/>
+      </a:fontRef>
+    </dgm:style>
+  </dgm:styleLbl>
+  <dgm:styleLbl name="sibTrans1D1">
+    <dgm:scene3d>
+      <a:camera prst="orthographicFront"/>
+      <a:lightRig rig="threePt" dir="t"/>
+    </dgm:scene3d>
+    <dgm:sp3d/>
+    <dgm:txPr/>
+    <dgm:style>
+      <a:lnRef idx="1">
+        <a:scrgbClr r="0" g="0" b="0"/>
+      </a:lnRef>
+      <a:fillRef idx="0">
+        <a:scrgbClr r="0" g="0" b="0"/>
+      </a:fillRef>
+      <a:effectRef idx="0">
+        <a:scrgbClr r="0" g="0" b="0"/>
+      </a:effectRef>
+      <a:fontRef idx="minor"/>
+    </dgm:style>
+  </dgm:styleLbl>
+  <dgm:styleLbl name="callout">
+    <dgm:scene3d>
+      <a:camera prst="orthographicFront"/>
+      <a:lightRig rig="threePt" dir="t"/>
+    </dgm:scene3d>
+    <dgm:sp3d/>
+    <dgm:txPr/>
+    <dgm:style>
+      <a:lnRef idx="2">
+        <a:scrgbClr r="0" g="0" b="0"/>
+      </a:lnRef>
+      <a:fillRef idx="1">
+        <a:scrgbClr r="0" g="0" b="0"/>
+      </a:fillRef>
+      <a:effectRef idx="0">
+        <a:scrgbClr r="0" g="0" b="0"/>
+      </a:effectRef>
+      <a:fontRef idx="minor"/>
+    </dgm:style>
+  </dgm:styleLbl>
+  <dgm:styleLbl name="asst0">
+    <dgm:scene3d>
+      <a:camera prst="orthographicFront"/>
+      <a:lightRig rig="threePt" dir="t"/>
+    </dgm:scene3d>
+    <dgm:sp3d/>
+    <dgm:txPr/>
+    <dgm:style>
+      <a:lnRef idx="2">
+        <a:scrgbClr r="0" g="0" b="0"/>
+      </a:lnRef>
+      <a:fillRef idx="1">
+        <a:scrgbClr r="0" g="0" b="0"/>
+      </a:fillRef>
+      <a:effectRef idx="0">
+        <a:scrgbClr r="0" g="0" b="0"/>
+      </a:effectRef>
+      <a:fontRef idx="minor">
+        <a:schemeClr val="lt1"/>
+      </a:fontRef>
+    </dgm:style>
+  </dgm:styleLbl>
+  <dgm:styleLbl name="asst1">
+    <dgm:scene3d>
+      <a:camera prst="orthographicFront"/>
+      <a:lightRig rig="threePt" dir="t"/>
+    </dgm:scene3d>
+    <dgm:sp3d/>
+    <dgm:txPr/>
+    <dgm:style>
+      <a:lnRef idx="2">
+        <a:scrgbClr r="0" g="0" b="0"/>
+      </a:lnRef>
+      <a:fillRef idx="1">
+        <a:scrgbClr r="0" g="0" b="0"/>
+      </a:fillRef>
+      <a:effectRef idx="0">
+        <a:scrgbClr r="0" g="0" b="0"/>
+      </a:effectRef>
+      <a:fontRef idx="minor">
+        <a:schemeClr val="lt1"/>
+      </a:fontRef>
+    </dgm:style>
+  </dgm:styleLbl>
+  <dgm:styleLbl name="asst2">
+    <dgm:scene3d>
+      <a:camera prst="orthographicFront"/>
+      <a:lightRig rig="threePt" dir="t"/>
+    </dgm:scene3d>
+    <dgm:sp3d/>
+    <dgm:txPr/>
+    <dgm:style>
+      <a:lnRef idx="2">
+        <a:scrgbClr r="0" g="0" b="0"/>
+      </a:lnRef>
+      <a:fillRef idx="1">
+        <a:scrgbClr r="0" g="0" b="0"/>
+      </a:fillRef>
+      <a:effectRef idx="0">
+        <a:scrgbClr r="0" g="0" b="0"/>
+      </a:effectRef>
+      <a:fontRef idx="minor">
+        <a:schemeClr val="lt1"/>
+      </a:fontRef>
+    </dgm:style>
+  </dgm:styleLbl>
+  <dgm:styleLbl name="asst3">
+    <dgm:scene3d>
+      <a:camera prst="orthographicFront"/>
+      <a:lightRig rig="threePt" dir="t"/>
+    </dgm:scene3d>
+    <dgm:sp3d/>
+    <dgm:txPr/>
+    <dgm:style>
+      <a:lnRef idx="2">
+        <a:scrgbClr r="0" g="0" b="0"/>
+      </a:lnRef>
+      <a:fillRef idx="1">
+        <a:scrgbClr r="0" g="0" b="0"/>
+      </a:fillRef>
+      <a:effectRef idx="0">
+        <a:scrgbClr r="0" g="0" b="0"/>
+      </a:effectRef>
+      <a:fontRef idx="minor">
+        <a:schemeClr val="lt1"/>
+      </a:fontRef>
+    </dgm:style>
+  </dgm:styleLbl>
+  <dgm:styleLbl name="asst4">
+    <dgm:scene3d>
+      <a:camera prst="orthographicFront"/>
+      <a:lightRig rig="threePt" dir="t"/>
+    </dgm:scene3d>
+    <dgm:sp3d/>
+    <dgm:txPr/>
+    <dgm:style>
+      <a:lnRef idx="2">
+        <a:scrgbClr r="0" g="0" b="0"/>
+      </a:lnRef>
+      <a:fillRef idx="1">
+        <a:scrgbClr r="0" g="0" b="0"/>
+      </a:fillRef>
+      <a:effectRef idx="0">
+        <a:scrgbClr r="0" g="0" b="0"/>
+      </a:effectRef>
+      <a:fontRef idx="minor">
+        <a:schemeClr val="lt1"/>
+      </a:fontRef>
+    </dgm:style>
+  </dgm:styleLbl>
+  <dgm:styleLbl name="parChTrans2D1">
+    <dgm:scene3d>
+      <a:camera prst="orthographicFront"/>
+      <a:lightRig rig="threePt" dir="t"/>
+    </dgm:scene3d>
+    <dgm:sp3d/>
+    <dgm:txPr/>
+    <dgm:style>
+      <a:lnRef idx="2">
+        <a:scrgbClr r="0" g="0" b="0"/>
+      </a:lnRef>
+      <a:fillRef idx="1">
+        <a:scrgbClr r="0" g="0" b="0"/>
+      </a:fillRef>
+      <a:effectRef idx="0">
+        <a:scrgbClr r="0" g="0" b="0"/>
+      </a:effectRef>
+      <a:fontRef idx="minor">
+        <a:schemeClr val="lt1"/>
+      </a:fontRef>
+    </dgm:style>
+  </dgm:styleLbl>
+  <dgm:styleLbl name="parChTrans2D2">
+    <dgm:scene3d>
+      <a:camera prst="orthographicFront"/>
+      <a:lightRig rig="threePt" dir="t"/>
+    </dgm:scene3d>
+    <dgm:sp3d/>
+    <dgm:txPr/>
+    <dgm:style>
+      <a:lnRef idx="2">
+        <a:scrgbClr r="0" g="0" b="0"/>
+      </a:lnRef>
+      <a:fillRef idx="1">
+        <a:scrgbClr r="0" g="0" b="0"/>
+      </a:fillRef>
+      <a:effectRef idx="0">
+        <a:scrgbClr r="0" g="0" b="0"/>
+      </a:effectRef>
+      <a:fontRef idx="minor">
+        <a:schemeClr val="lt1"/>
+      </a:fontRef>
+    </dgm:style>
+  </dgm:styleLbl>
+  <dgm:styleLbl name="parChTrans2D3">
+    <dgm:scene3d>
+      <a:camera prst="orthographicFront"/>
+      <a:lightRig rig="threePt" dir="t"/>
+    </dgm:scene3d>
+    <dgm:sp3d/>
+    <dgm:txPr/>
+    <dgm:style>
+      <a:lnRef idx="2">
+        <a:scrgbClr r="0" g="0" b="0"/>
+      </a:lnRef>
+      <a:fillRef idx="1">
+        <a:scrgbClr r="0" g="0" b="0"/>
+      </a:fillRef>
+      <a:effectRef idx="0">
+        <a:scrgbClr r="0" g="0" b="0"/>
+      </a:effectRef>
+      <a:fontRef idx="minor">
+        <a:schemeClr val="lt1"/>
+      </a:fontRef>
+    </dgm:style>
+  </dgm:styleLbl>
+  <dgm:styleLbl name="parChTrans2D4">
+    <dgm:scene3d>
+      <a:camera prst="orthographicFront"/>
+      <a:lightRig rig="threePt" dir="t"/>
+    </dgm:scene3d>
+    <dgm:sp3d/>
+    <dgm:txPr/>
+    <dgm:style>
+      <a:lnRef idx="2">
+        <a:scrgbClr r="0" g="0" b="0"/>
+      </a:lnRef>
+      <a:fillRef idx="1">
+        <a:scrgbClr r="0" g="0" b="0"/>
+      </a:fillRef>
+      <a:effectRef idx="0">
+        <a:scrgbClr r="0" g="0" b="0"/>
+      </a:effectRef>
+      <a:fontRef idx="minor">
+        <a:schemeClr val="lt1"/>
+      </a:fontRef>
+    </dgm:style>
+  </dgm:styleLbl>
+  <dgm:styleLbl name="parChTrans1D1">
+    <dgm:scene3d>
+      <a:camera prst="orthographicFront"/>
+      <a:lightRig rig="threePt" dir="t"/>
+    </dgm:scene3d>
+    <dgm:sp3d/>
+    <dgm:txPr/>
+    <dgm:style>
+      <a:lnRef idx="2">
+        <a:scrgbClr r="0" g="0" b="0"/>
+      </a:lnRef>
+      <a:fillRef idx="0">
+        <a:scrgbClr r="0" g="0" b="0"/>
+      </a:fillRef>
+      <a:effectRef idx="0">
+        <a:scrgbClr r="0" g="0" b="0"/>
+      </a:effectRef>
+      <a:fontRef idx="minor"/>
+    </dgm:style>
+  </dgm:styleLbl>
+  <dgm:styleLbl name="parChTrans1D2">
+    <dgm:scene3d>
+      <a:camera prst="orthographicFront"/>
+      <a:lightRig rig="threePt" dir="t"/>
+    </dgm:scene3d>
+    <dgm:sp3d/>
+    <dgm:txPr/>
+    <dgm:style>
+      <a:lnRef idx="2">
+        <a:scrgbClr r="0" g="0" b="0"/>
+      </a:lnRef>
+      <a:fillRef idx="0">
+        <a:scrgbClr r="0" g="0" b="0"/>
+      </a:fillRef>
+      <a:effectRef idx="0">
+        <a:scrgbClr r="0" g="0" b="0"/>
+      </a:effectRef>
+      <a:fontRef idx="minor"/>
+    </dgm:style>
+  </dgm:styleLbl>
+  <dgm:styleLbl name="parChTrans1D3">
+    <dgm:scene3d>
+      <a:camera prst="orthographicFront"/>
+      <a:lightRig rig="threePt" dir="t"/>
+    </dgm:scene3d>
+    <dgm:sp3d/>
+    <dgm:txPr/>
+    <dgm:style>
+      <a:lnRef idx="2">
+        <a:scrgbClr r="0" g="0" b="0"/>
+      </a:lnRef>
+      <a:fillRef idx="0">
+        <a:scrgbClr r="0" g="0" b="0"/>
+      </a:fillRef>
+      <a:effectRef idx="0">
+        <a:scrgbClr r="0" g="0" b="0"/>
+      </a:effectRef>
+      <a:fontRef idx="minor"/>
+    </dgm:style>
+  </dgm:styleLbl>
+  <dgm:styleLbl name="parChTrans1D4">
+    <dgm:scene3d>
+      <a:camera prst="orthographicFront"/>
+      <a:lightRig rig="threePt" dir="t"/>
+    </dgm:scene3d>
+    <dgm:sp3d/>
+    <dgm:txPr/>
+    <dgm:style>
+      <a:lnRef idx="2">
+        <a:scrgbClr r="0" g="0" b="0"/>
+      </a:lnRef>
+      <a:fillRef idx="0">
+        <a:scrgbClr r="0" g="0" b="0"/>
+      </a:fillRef>
+      <a:effectRef idx="0">
+        <a:scrgbClr r="0" g="0" b="0"/>
+      </a:effectRef>
+      <a:fontRef idx="minor"/>
+    </dgm:style>
+  </dgm:styleLbl>
+  <dgm:styleLbl name="fgAcc1">
+    <dgm:scene3d>
+      <a:camera prst="orthographicFront"/>
+      <a:lightRig rig="threePt" dir="t"/>
+    </dgm:scene3d>
+    <dgm:sp3d/>
+    <dgm:txPr/>
+    <dgm:style>
+      <a:lnRef idx="2">
+        <a:scrgbClr r="0" g="0" b="0"/>
+      </a:lnRef>
+      <a:fillRef idx="1">
+        <a:scrgbClr r="0" g="0" b="0"/>
+      </a:fillRef>
+      <a:effectRef idx="0">
+        <a:scrgbClr r="0" g="0" b="0"/>
+      </a:effectRef>
+      <a:fontRef idx="minor"/>
+    </dgm:style>
+  </dgm:styleLbl>
+  <dgm:styleLbl name="conFgAcc1">
+    <dgm:scene3d>
+      <a:camera prst="orthographicFront"/>
+      <a:lightRig rig="threePt" dir="t"/>
+    </dgm:scene3d>
+    <dgm:sp3d/>
+    <dgm:txPr/>
+    <dgm:style>
+      <a:lnRef idx="2">
+        <a:scrgbClr r="0" g="0" b="0"/>
+      </a:lnRef>
+      <a:fillRef idx="1">
+        <a:scrgbClr r="0" g="0" b="0"/>
+      </a:fillRef>
+      <a:effectRef idx="0">
+        <a:scrgbClr r="0" g="0" b="0"/>
+      </a:effectRef>
+      <a:fontRef idx="minor"/>
+    </dgm:style>
+  </dgm:styleLbl>
+  <dgm:styleLbl name="alignAcc1">
+    <dgm:scene3d>
+      <a:camera prst="orthographicFront"/>
+      <a:lightRig rig="threePt" dir="t"/>
+    </dgm:scene3d>
+    <dgm:sp3d/>
+    <dgm:txPr/>
+    <dgm:style>
+      <a:lnRef idx="2">
+        <a:scrgbClr r="0" g="0" b="0"/>
+      </a:lnRef>
+      <a:fillRef idx="1">
+        <a:scrgbClr r="0" g="0" b="0"/>
+      </a:fillRef>
+      <a:effectRef idx="0">
+        <a:scrgbClr r="0" g="0" b="0"/>
+      </a:effectRef>
+      <a:fontRef idx="minor"/>
+    </dgm:style>
+  </dgm:styleLbl>
+  <dgm:styleLbl name="trAlignAcc1">
+    <dgm:scene3d>
+      <a:camera prst="orthographicFront"/>
+      <a:lightRig rig="threePt" dir="t"/>
+    </dgm:scene3d>
+    <dgm:sp3d/>
+    <dgm:txPr/>
+    <dgm:style>
+      <a:lnRef idx="1">
+        <a:scrgbClr r="0" g="0" b="0"/>
+      </a:lnRef>
+      <a:fillRef idx="1">
+        <a:scrgbClr r="0" g="0" b="0"/>
+      </a:fillRef>
+      <a:effectRef idx="0">
+        <a:scrgbClr r="0" g="0" b="0"/>
+      </a:effectRef>
+      <a:fontRef idx="minor"/>
+    </dgm:style>
+  </dgm:styleLbl>
+  <dgm:styleLbl name="bgAcc1">
+    <dgm:scene3d>
+      <a:camera prst="orthographicFront"/>
+      <a:lightRig rig="threePt" dir="t"/>
+    </dgm:scene3d>
+    <dgm:sp3d/>
+    <dgm:txPr/>
+    <dgm:style>
+      <a:lnRef idx="2">
+        <a:scrgbClr r="0" g="0" b="0"/>
+      </a:lnRef>
+      <a:fillRef idx="1">
+        <a:scrgbClr r="0" g="0" b="0"/>
+      </a:fillRef>
+      <a:effectRef idx="0">
+        <a:scrgbClr r="0" g="0" b="0"/>
+      </a:effectRef>
+      <a:fontRef idx="minor"/>
+    </dgm:style>
+  </dgm:styleLbl>
+  <dgm:styleLbl name="solidFgAcc1">
+    <dgm:scene3d>
+      <a:camera prst="orthographicFront"/>
+      <a:lightRig rig="threePt" dir="t"/>
+    </dgm:scene3d>
+    <dgm:sp3d/>
+    <dgm:txPr/>
+    <dgm:style>
+      <a:lnRef idx="2">
+        <a:scrgbClr r="0" g="0" b="0"/>
+      </a:lnRef>
+      <a:fillRef idx="1">
+        <a:scrgbClr r="0" g="0" b="0"/>
+      </a:fillRef>
+      <a:effectRef idx="0">
+        <a:scrgbClr r="0" g="0" b="0"/>
+      </a:effectRef>
+      <a:fontRef idx="minor"/>
+    </dgm:style>
+  </dgm:styleLbl>
+  <dgm:styleLbl name="solidAlignAcc1">
+    <dgm:scene3d>
+      <a:camera prst="orthographicFront"/>
+      <a:lightRig rig="threePt" dir="t"/>
+    </dgm:scene3d>
+    <dgm:sp3d/>
+    <dgm:txPr/>
+    <dgm:style>
+      <a:lnRef idx="2">
+        <a:scrgbClr r="0" g="0" b="0"/>
+      </a:lnRef>
+      <a:fillRef idx="1">
+        <a:scrgbClr r="0" g="0" b="0"/>
+      </a:fillRef>
+      <a:effectRef idx="0">
+        <a:scrgbClr r="0" g="0" b="0"/>
+      </a:effectRef>
+      <a:fontRef idx="minor"/>
+    </dgm:style>
+  </dgm:styleLbl>
+  <dgm:styleLbl name="solidBgAcc1">
+    <dgm:scene3d>
+      <a:camera prst="orthographicFront"/>
+      <a:lightRig rig="threePt" dir="t"/>
+    </dgm:scene3d>
+    <dgm:sp3d/>
+    <dgm:txPr/>
+    <dgm:style>
+      <a:lnRef idx="2">
+        <a:scrgbClr r="0" g="0" b="0"/>
+      </a:lnRef>
+      <a:fillRef idx="1">
+        <a:scrgbClr r="0" g="0" b="0"/>
+      </a:fillRef>
+      <a:effectRef idx="0">
+        <a:scrgbClr r="0" g="0" b="0"/>
+      </a:effectRef>
+      <a:fontRef idx="minor"/>
+    </dgm:style>
+  </dgm:styleLbl>
+  <dgm:styleLbl name="fgAccFollowNode1">
+    <dgm:scene3d>
+      <a:camera prst="orthographicFront"/>
+      <a:lightRig rig="threePt" dir="t"/>
+    </dgm:scene3d>
+    <dgm:sp3d/>
+    <dgm:txPr/>
+    <dgm:style>
+      <a:lnRef idx="2">
+        <a:scrgbClr r="0" g="0" b="0"/>
+      </a:lnRef>
+      <a:fillRef idx="1">
+        <a:scrgbClr r="0" g="0" b="0"/>
+      </a:fillRef>
+      <a:effectRef idx="0">
+        <a:scrgbClr r="0" g="0" b="0"/>
+      </a:effectRef>
+      <a:fontRef idx="minor"/>
+    </dgm:style>
+  </dgm:styleLbl>
+  <dgm:styleLbl name="alignAccFollowNode1">
+    <dgm:scene3d>
+      <a:camera prst="orthographicFront"/>
+      <a:lightRig rig="threePt" dir="t"/>
+    </dgm:scene3d>
+    <dgm:sp3d/>
+    <dgm:txPr/>
+    <dgm:style>
+      <a:lnRef idx="2">
+        <a:scrgbClr r="0" g="0" b="0"/>
+      </a:lnRef>
+      <a:fillRef idx="1">
+        <a:scrgbClr r="0" g="0" b="0"/>
+      </a:fillRef>
+      <a:effectRef idx="0">
+        <a:scrgbClr r="0" g="0" b="0"/>
+      </a:effectRef>
+      <a:fontRef idx="minor"/>
+    </dgm:style>
+  </dgm:styleLbl>
+  <dgm:styleLbl name="bgAccFollowNode1">
+    <dgm:scene3d>
+      <a:camera prst="orthographicFront"/>
+      <a:lightRig rig="threePt" dir="t"/>
+    </dgm:scene3d>
+    <dgm:sp3d/>
+    <dgm:txPr/>
+    <dgm:style>
+      <a:lnRef idx="2">
+        <a:scrgbClr r="0" g="0" b="0"/>
+      </a:lnRef>
+      <a:fillRef idx="1">
+        <a:scrgbClr r="0" g="0" b="0"/>
+      </a:fillRef>
+      <a:effectRef idx="0">
+        <a:scrgbClr r="0" g="0" b="0"/>
+      </a:effectRef>
+      <a:fontRef idx="minor"/>
+    </dgm:style>
+  </dgm:styleLbl>
+  <dgm:styleLbl name="fgAcc0">
+    <dgm:scene3d>
+      <a:camera prst="orthographicFront"/>
+      <a:lightRig rig="threePt" dir="t"/>
+    </dgm:scene3d>
+    <dgm:sp3d/>
+    <dgm:txPr/>
+    <dgm:style>
+      <a:lnRef idx="2">
+        <a:scrgbClr r="0" g="0" b="0"/>
+      </a:lnRef>
+      <a:fillRef idx="1">
+        <a:scrgbClr r="0" g="0" b="0"/>
+      </a:fillRef>
+      <a:effectRef idx="0">
+        <a:scrgbClr r="0" g="0" b="0"/>
+      </a:effectRef>
+      <a:fontRef idx="minor"/>
+    </dgm:style>
+  </dgm:styleLbl>
+  <dgm:styleLbl name="fgAcc2">
+    <dgm:scene3d>
+      <a:camera prst="orthographicFront"/>
+      <a:lightRig rig="threePt" dir="t"/>
+    </dgm:scene3d>
+    <dgm:sp3d/>
+    <dgm:txPr/>
+    <dgm:style>
+      <a:lnRef idx="2">
+        <a:scrgbClr r="0" g="0" b="0"/>
+      </a:lnRef>
+      <a:fillRef idx="1">
+        <a:scrgbClr r="0" g="0" b="0"/>
+      </a:fillRef>
+      <a:effectRef idx="0">
+        <a:scrgbClr r="0" g="0" b="0"/>
+      </a:effectRef>
+      <a:fontRef idx="minor"/>
+    </dgm:style>
+  </dgm:styleLbl>
+  <dgm:styleLbl name="fgAcc3">
+    <dgm:scene3d>
+      <a:camera prst="orthographicFront"/>
+      <a:lightRig rig="threePt" dir="t"/>
+    </dgm:scene3d>
+    <dgm:sp3d/>
+    <dgm:txPr/>
+    <dgm:style>
+      <a:lnRef idx="2">
+        <a:scrgbClr r="0" g="0" b="0"/>
+      </a:lnRef>
+      <a:fillRef idx="1">
+        <a:scrgbClr r="0" g="0" b="0"/>
+      </a:fillRef>
+      <a:effectRef idx="0">
+        <a:scrgbClr r="0" g="0" b="0"/>
+      </a:effectRef>
+      <a:fontRef idx="minor"/>
+    </dgm:style>
+  </dgm:styleLbl>
+  <dgm:styleLbl name="fgAcc4">
+    <dgm:scene3d>
+      <a:camera prst="orthographicFront"/>
+      <a:lightRig rig="threePt" dir="t"/>
+    </dgm:scene3d>
+    <dgm:sp3d/>
+    <dgm:txPr/>
+    <dgm:style>
+      <a:lnRef idx="2">
+        <a:scrgbClr r="0" g="0" b="0"/>
+      </a:lnRef>
+      <a:fillRef idx="1">
+        <a:scrgbClr r="0" g="0" b="0"/>
+      </a:fillRef>
+      <a:effectRef idx="0">
+        <a:scrgbClr r="0" g="0" b="0"/>
+      </a:effectRef>
+      <a:fontRef idx="minor"/>
+    </dgm:style>
+  </dgm:styleLbl>
+  <dgm:styleLbl name="bgShp">
+    <dgm:scene3d>
+      <a:camera prst="orthographicFront"/>
+      <a:lightRig rig="threePt" dir="t"/>
+    </dgm:scene3d>
+    <dgm:sp3d/>
+    <dgm:txPr/>
+    <dgm:style>
+      <a:lnRef idx="0">
+        <a:scrgbClr r="0" g="0" b="0"/>
+      </a:lnRef>
+      <a:fillRef idx="1">
+        <a:scrgbClr r="0" g="0" b="0"/>
+      </a:fillRef>
+      <a:effectRef idx="0">
+        <a:scrgbClr r="0" g="0" b="0"/>
+      </a:effectRef>
+      <a:fontRef idx="minor"/>
+    </dgm:style>
+  </dgm:styleLbl>
+  <dgm:styleLbl name="dkBgShp">
+    <dgm:scene3d>
+      <a:camera prst="orthographicFront"/>
+      <a:lightRig rig="threePt" dir="t"/>
+    </dgm:scene3d>
+    <dgm:sp3d/>
+    <dgm:txPr/>
+    <dgm:style>
+      <a:lnRef idx="0">
+        <a:scrgbClr r="0" g="0" b="0"/>
+      </a:lnRef>
+      <a:fillRef idx="1">
+        <a:scrgbClr r="0" g="0" b="0"/>
+      </a:fillRef>
+      <a:effectRef idx="0">
+        <a:scrgbClr r="0" g="0" b="0"/>
+      </a:effectRef>
+      <a:fontRef idx="minor"/>
+    </dgm:style>
+  </dgm:styleLbl>
+  <dgm:styleLbl name="trBgShp">
+    <dgm:scene3d>
+      <a:camera prst="orthographicFront"/>
+      <a:lightRig rig="threePt" dir="t"/>
+    </dgm:scene3d>
+    <dgm:sp3d/>
+    <dgm:txPr/>
+    <dgm:style>
+      <a:lnRef idx="0">
+        <a:scrgbClr r="0" g="0" b="0"/>
+      </a:lnRef>
+      <a:fillRef idx="1">
+        <a:scrgbClr r="0" g="0" b="0"/>
+      </a:fillRef>
+      <a:effectRef idx="0">
+        <a:scrgbClr r="0" g="0" b="0"/>
+      </a:effectRef>
+      <a:fontRef idx="minor"/>
+    </dgm:style>
+  </dgm:styleLbl>
+  <dgm:styleLbl name="fgShp">
+    <dgm:scene3d>
+      <a:camera prst="orthographicFront"/>
+      <a:lightRig rig="threePt" dir="t"/>
+    </dgm:scene3d>
+    <dgm:sp3d/>
+    <dgm:txPr/>
+    <dgm:style>
+      <a:lnRef idx="2">
+        <a:scrgbClr r="0" g="0" b="0"/>
+      </a:lnRef>
+      <a:fillRef idx="1">
+        <a:scrgbClr r="0" g="0" b="0"/>
+      </a:fillRef>
+      <a:effectRef idx="0">
+        <a:scrgbClr r="0" g="0" b="0"/>
+      </a:effectRef>
+      <a:fontRef idx="minor"/>
+    </dgm:style>
+  </dgm:styleLbl>
+  <dgm:styleLbl name="revTx">
+    <dgm:scene3d>
+      <a:camera prst="orthographicFront"/>
+      <a:lightRig rig="threePt" dir="t"/>
+    </dgm:scene3d>
+    <dgm:sp3d/>
+    <dgm:txPr/>
+    <dgm:style>
+      <a:lnRef idx="0">
+        <a:scrgbClr r="0" g="0" b="0"/>
+      </a:lnRef>
+      <a:fillRef idx="0">
+        <a:scrgbClr r="0" g="0" b="0"/>
+      </a:fillRef>
+      <a:effectRef idx="0">
+        <a:scrgbClr r="0" g="0" b="0"/>
+      </a:effectRef>
+      <a:fontRef idx="minor"/>
+    </dgm:style>
+  </dgm:styleLbl>
+</dgm:styleDef>
+</file>
+
+<file path=ppt/diagrams/quickStyle3.xml><?xml version="1.0" encoding="utf-8"?>
 <dgm:styleDef xmlns:dgm="http://schemas.openxmlformats.org/drawingml/2006/diagram" xmlns:a="http://schemas.openxmlformats.org/drawingml/2006/main" uniqueId="urn:microsoft.com/office/officeart/2005/8/quickstyle/simple1">
   <dgm:title val=""/>
   <dgm:desc val=""/>
@@ -11078,7 +14905,7 @@
             </a:lvl1pPr>
           </a:lstStyle>
           <a:p>
-            <a:fld id="{9221AC29-25D1-4F0E-8396-0F7F236C9DA8}" type="datetimeFigureOut">
+            <a:fld id="{5A63CED9-F769-4D12-AE5C-2D140CC665B5}" type="datetime1">
               <a:rPr lang="fr-FR" smtClean="0"/>
               <a:t>11/05/2025</a:t>
             </a:fld>
@@ -11117,7 +14944,10 @@
             </a:lvl1pPr>
           </a:lstStyle>
           <a:p>
-            <a:endParaRPr lang="fr-FR"/>
+            <a:r>
+              <a:rPr lang="fr-FR"/>
+              <a:t>Antoine Théologien &amp; Armand Bonn M1 DAC</a:t>
+            </a:r>
           </a:p>
         </p:txBody>
       </p:sp>
@@ -11340,7 +15170,7 @@
           <a:bodyPr/>
           <a:lstStyle/>
           <a:p>
-            <a:fld id="{9221AC29-25D1-4F0E-8396-0F7F236C9DA8}" type="datetimeFigureOut">
+            <a:fld id="{A3EAC67A-717B-4D4D-ACE4-17DEE20BC6CF}" type="datetime1">
               <a:rPr lang="fr-FR" smtClean="0"/>
               <a:t>11/05/2025</a:t>
             </a:fld>
@@ -11363,7 +15193,10 @@
           <a:bodyPr/>
           <a:lstStyle/>
           <a:p>
-            <a:endParaRPr lang="fr-FR"/>
+            <a:r>
+              <a:rPr lang="fr-FR"/>
+              <a:t>Antoine Théologien &amp; Armand Bonn M1 DAC</a:t>
+            </a:r>
           </a:p>
         </p:txBody>
       </p:sp>
@@ -11575,7 +15408,7 @@
             </a:lvl1pPr>
           </a:lstStyle>
           <a:p>
-            <a:fld id="{9221AC29-25D1-4F0E-8396-0F7F236C9DA8}" type="datetimeFigureOut">
+            <a:fld id="{25E37C73-5F6E-49E3-A2F1-BAF4D7BB31BD}" type="datetime1">
               <a:rPr lang="fr-FR" smtClean="0"/>
               <a:t>11/05/2025</a:t>
             </a:fld>
@@ -11603,7 +15436,10 @@
           <a:bodyPr/>
           <a:lstStyle/>
           <a:p>
-            <a:endParaRPr lang="fr-FR"/>
+            <a:r>
+              <a:rPr lang="fr-FR"/>
+              <a:t>Antoine Théologien &amp; Armand Bonn M1 DAC</a:t>
+            </a:r>
           </a:p>
         </p:txBody>
       </p:sp>
@@ -11815,7 +15651,7 @@
           <a:bodyPr/>
           <a:lstStyle/>
           <a:p>
-            <a:fld id="{9221AC29-25D1-4F0E-8396-0F7F236C9DA8}" type="datetimeFigureOut">
+            <a:fld id="{1873A6BD-8B16-46FC-9952-90CA61D44B00}" type="datetime1">
               <a:rPr lang="fr-FR" smtClean="0"/>
               <a:t>11/05/2025</a:t>
             </a:fld>
@@ -11838,7 +15674,10 @@
           <a:bodyPr/>
           <a:lstStyle/>
           <a:p>
-            <a:endParaRPr lang="fr-FR"/>
+            <a:r>
+              <a:rPr lang="fr-FR"/>
+              <a:t>Antoine Théologien &amp; Armand Bonn M1 DAC</a:t>
+            </a:r>
           </a:p>
         </p:txBody>
       </p:sp>
@@ -12122,7 +15961,7 @@
             </a:lvl1pPr>
           </a:lstStyle>
           <a:p>
-            <a:fld id="{9221AC29-25D1-4F0E-8396-0F7F236C9DA8}" type="datetimeFigureOut">
+            <a:fld id="{A6F86C2F-9BE5-4B60-AEC7-AE3A3B8E35A6}" type="datetime1">
               <a:rPr lang="fr-FR" smtClean="0"/>
               <a:t>11/05/2025</a:t>
             </a:fld>
@@ -12156,7 +15995,10 @@
             </a:lvl1pPr>
           </a:lstStyle>
           <a:p>
-            <a:endParaRPr lang="fr-FR"/>
+            <a:r>
+              <a:rPr lang="fr-FR"/>
+              <a:t>Antoine Théologien &amp; Armand Bonn M1 DAC</a:t>
+            </a:r>
           </a:p>
         </p:txBody>
       </p:sp>
@@ -12424,7 +16266,7 @@
           <a:bodyPr/>
           <a:lstStyle/>
           <a:p>
-            <a:fld id="{9221AC29-25D1-4F0E-8396-0F7F236C9DA8}" type="datetimeFigureOut">
+            <a:fld id="{8BD50888-8FA0-482D-B0F0-282194699FAD}" type="datetime1">
               <a:rPr lang="fr-FR" smtClean="0"/>
               <a:t>11/05/2025</a:t>
             </a:fld>
@@ -12447,7 +16289,10 @@
           <a:bodyPr/>
           <a:lstStyle/>
           <a:p>
-            <a:endParaRPr lang="fr-FR"/>
+            <a:r>
+              <a:rPr lang="fr-FR"/>
+              <a:t>Antoine Théologien &amp; Armand Bonn M1 DAC</a:t>
+            </a:r>
           </a:p>
         </p:txBody>
       </p:sp>
@@ -12846,7 +16691,7 @@
           <a:bodyPr/>
           <a:lstStyle/>
           <a:p>
-            <a:fld id="{9221AC29-25D1-4F0E-8396-0F7F236C9DA8}" type="datetimeFigureOut">
+            <a:fld id="{713549B1-4BC0-46CF-911D-9C4BC14EE087}" type="datetime1">
               <a:rPr lang="fr-FR" smtClean="0"/>
               <a:t>11/05/2025</a:t>
             </a:fld>
@@ -12869,7 +16714,10 @@
           <a:bodyPr/>
           <a:lstStyle/>
           <a:p>
-            <a:endParaRPr lang="fr-FR"/>
+            <a:r>
+              <a:rPr lang="fr-FR"/>
+              <a:t>Antoine Théologien &amp; Armand Bonn M1 DAC</a:t>
+            </a:r>
           </a:p>
         </p:txBody>
       </p:sp>
@@ -12941,7 +16789,7 @@
           <a:bodyPr/>
           <a:lstStyle/>
           <a:p>
-            <a:fld id="{9221AC29-25D1-4F0E-8396-0F7F236C9DA8}" type="datetimeFigureOut">
+            <a:fld id="{87548392-BE36-4397-9684-82208CE29522}" type="datetime1">
               <a:rPr lang="fr-FR" smtClean="0"/>
               <a:t>11/05/2025</a:t>
             </a:fld>
@@ -12964,7 +16812,10 @@
           <a:bodyPr/>
           <a:lstStyle/>
           <a:p>
-            <a:endParaRPr lang="fr-FR"/>
+            <a:r>
+              <a:rPr lang="fr-FR"/>
+              <a:t>Antoine Théologien &amp; Armand Bonn M1 DAC</a:t>
+            </a:r>
           </a:p>
         </p:txBody>
       </p:sp>
@@ -13103,7 +16954,7 @@
           <a:bodyPr/>
           <a:lstStyle/>
           <a:p>
-            <a:fld id="{9221AC29-25D1-4F0E-8396-0F7F236C9DA8}" type="datetimeFigureOut">
+            <a:fld id="{9E10BBCC-1A8F-4D65-AE4F-75E489FEDCDC}" type="datetime1">
               <a:rPr lang="fr-FR" smtClean="0"/>
               <a:t>11/05/2025</a:t>
             </a:fld>
@@ -13126,7 +16977,10 @@
           <a:bodyPr/>
           <a:lstStyle/>
           <a:p>
-            <a:endParaRPr lang="fr-FR"/>
+            <a:r>
+              <a:rPr lang="fr-FR"/>
+              <a:t>Antoine Théologien &amp; Armand Bonn M1 DAC</a:t>
+            </a:r>
           </a:p>
         </p:txBody>
       </p:sp>
@@ -13481,7 +17335,7 @@
             </a:lvl1pPr>
           </a:lstStyle>
           <a:p>
-            <a:fld id="{9221AC29-25D1-4F0E-8396-0F7F236C9DA8}" type="datetimeFigureOut">
+            <a:fld id="{9DE0DA34-B3F6-45F9-A6AA-8D9196944CC0}" type="datetime1">
               <a:rPr lang="fr-FR" smtClean="0"/>
               <a:t>11/05/2025</a:t>
             </a:fld>
@@ -13515,7 +17369,10 @@
             </a:lvl1pPr>
           </a:lstStyle>
           <a:p>
-            <a:endParaRPr lang="fr-FR"/>
+            <a:r>
+              <a:rPr lang="fr-FR"/>
+              <a:t>Antoine Théologien &amp; Armand Bonn M1 DAC</a:t>
+            </a:r>
           </a:p>
         </p:txBody>
       </p:sp>
@@ -13770,7 +17627,7 @@
           <a:bodyPr/>
           <a:lstStyle/>
           <a:p>
-            <a:fld id="{9221AC29-25D1-4F0E-8396-0F7F236C9DA8}" type="datetimeFigureOut">
+            <a:fld id="{1D5605A7-6283-4E8E-A0DE-973674ACEDFD}" type="datetime1">
               <a:rPr lang="fr-FR" smtClean="0"/>
               <a:t>11/05/2025</a:t>
             </a:fld>
@@ -13793,7 +17650,10 @@
           <a:bodyPr/>
           <a:lstStyle/>
           <a:p>
-            <a:endParaRPr lang="fr-FR"/>
+            <a:r>
+              <a:rPr lang="fr-FR"/>
+              <a:t>Antoine Théologien &amp; Armand Bonn M1 DAC</a:t>
+            </a:r>
           </a:p>
         </p:txBody>
       </p:sp>
@@ -13981,7 +17841,7 @@
             </a:lvl1pPr>
           </a:lstStyle>
           <a:p>
-            <a:fld id="{9221AC29-25D1-4F0E-8396-0F7F236C9DA8}" type="datetimeFigureOut">
+            <a:fld id="{F1C5198A-9636-4E17-896A-4824CC5E3154}" type="datetime1">
               <a:rPr lang="fr-FR" smtClean="0"/>
               <a:t>11/05/2025</a:t>
             </a:fld>
@@ -14020,7 +17880,10 @@
             </a:lvl1pPr>
           </a:lstStyle>
           <a:p>
-            <a:endParaRPr lang="fr-FR"/>
+            <a:r>
+              <a:rPr lang="fr-FR"/>
+              <a:t>Antoine Théologien &amp; Armand Bonn M1 DAC</a:t>
+            </a:r>
           </a:p>
         </p:txBody>
       </p:sp>
@@ -14195,6 +18058,7 @@
     <p:sldLayoutId id="2147483712" r:id="rId10"/>
     <p:sldLayoutId id="2147483713" r:id="rId11"/>
   </p:sldLayoutIdLst>
+  <p:hf hdr="0" dt="0"/>
   <p:txStyles>
     <p:titleStyle>
       <a:lvl1pPr algn="l" defTabSz="457200" rtl="0" eaLnBrk="1" latinLnBrk="0" hangingPunct="1">
@@ -14900,6 +18764,14 @@
 <file path=ppt/slides/slide10.xml><?xml version="1.0" encoding="utf-8"?>
 <p:sld xmlns:a="http://schemas.openxmlformats.org/drawingml/2006/main" xmlns:r="http://schemas.openxmlformats.org/officeDocument/2006/relationships" xmlns:p="http://schemas.openxmlformats.org/presentationml/2006/main">
   <p:cSld>
+    <p:bg>
+      <p:bgPr>
+        <a:solidFill>
+          <a:schemeClr val="bg1"/>
+        </a:solidFill>
+        <a:effectLst/>
+      </p:bgPr>
+    </p:bg>
     <p:spTree>
       <p:nvGrpSpPr>
         <p:cNvPr id="1" name=""/>
@@ -14919,6 +18791,302 @@
           <p:cNvPr id="2" name="Titre 1">
             <a:extLst>
               <a:ext uri="{FF2B5EF4-FFF2-40B4-BE49-F238E27FC236}">
+                <a16:creationId xmlns:a16="http://schemas.microsoft.com/office/drawing/2014/main" id="{6B7A5FE9-2683-2CE6-47C7-B05EFD32A98F}"/>
+              </a:ext>
+            </a:extLst>
+          </p:cNvPr>
+          <p:cNvSpPr>
+            <a:spLocks noGrp="1"/>
+          </p:cNvSpPr>
+          <p:nvPr>
+            <p:ph type="title"/>
+          </p:nvPr>
+        </p:nvSpPr>
+        <p:spPr>
+          <a:xfrm>
+            <a:off x="581192" y="702156"/>
+            <a:ext cx="11029616" cy="1013800"/>
+          </a:xfrm>
+        </p:spPr>
+        <p:txBody>
+          <a:bodyPr>
+            <a:normAutofit/>
+          </a:bodyPr>
+          <a:lstStyle/>
+          <a:p>
+            <a:r>
+              <a:rPr lang="fr-FR">
+                <a:solidFill>
+                  <a:srgbClr val="FFFEFF"/>
+                </a:solidFill>
+              </a:rPr>
+              <a:t>OUR PREDICTIONS</a:t>
+            </a:r>
+          </a:p>
+        </p:txBody>
+      </p:sp>
+      <p:graphicFrame>
+        <p:nvGraphicFramePr>
+          <p:cNvPr id="5" name="Espace réservé du contenu 2">
+            <a:extLst>
+              <a:ext uri="{FF2B5EF4-FFF2-40B4-BE49-F238E27FC236}">
+                <a16:creationId xmlns:a16="http://schemas.microsoft.com/office/drawing/2014/main" id="{052E9906-5169-6066-B118-C174BEAAAF0F}"/>
+              </a:ext>
+            </a:extLst>
+          </p:cNvPr>
+          <p:cNvGraphicFramePr>
+            <a:graphicFrameLocks noGrp="1"/>
+          </p:cNvGraphicFramePr>
+          <p:nvPr>
+            <p:ph idx="1"/>
+            <p:extLst>
+              <p:ext uri="{D42A27DB-BD31-4B8C-83A1-F6EECF244321}">
+                <p14:modId xmlns:p14="http://schemas.microsoft.com/office/powerpoint/2010/main" val="2117463399"/>
+              </p:ext>
+            </p:extLst>
+          </p:nvPr>
+        </p:nvGraphicFramePr>
+        <p:xfrm>
+          <a:off x="581025" y="2181225"/>
+          <a:ext cx="11029950" cy="3678238"/>
+        </p:xfrm>
+        <a:graphic>
+          <a:graphicData uri="http://schemas.openxmlformats.org/drawingml/2006/diagram">
+            <dgm:relIds xmlns:dgm="http://schemas.openxmlformats.org/drawingml/2006/diagram" xmlns:r="http://schemas.openxmlformats.org/officeDocument/2006/relationships" r:dm="rId2" r:lo="rId3" r:qs="rId4" r:cs="rId5"/>
+          </a:graphicData>
+        </a:graphic>
+      </p:graphicFrame>
+      <p:sp>
+        <p:nvSpPr>
+          <p:cNvPr id="7" name="Espace réservé du pied de page 6">
+            <a:extLst>
+              <a:ext uri="{FF2B5EF4-FFF2-40B4-BE49-F238E27FC236}">
+                <a16:creationId xmlns:a16="http://schemas.microsoft.com/office/drawing/2014/main" id="{84AED435-26C2-5B2D-93FB-6802534D4CA4}"/>
+              </a:ext>
+            </a:extLst>
+          </p:cNvPr>
+          <p:cNvSpPr>
+            <a:spLocks noGrp="1"/>
+          </p:cNvSpPr>
+          <p:nvPr>
+            <p:ph type="ftr" sz="quarter" idx="11"/>
+          </p:nvPr>
+        </p:nvSpPr>
+        <p:spPr>
+          <a:xfrm>
+            <a:off x="581025" y="6317663"/>
+            <a:ext cx="6917210" cy="365125"/>
+          </a:xfrm>
+        </p:spPr>
+        <p:txBody>
+          <a:bodyPr/>
+          <a:lstStyle/>
+          <a:p>
+            <a:r>
+              <a:rPr lang="fr-FR"/>
+              <a:t>Antoine Théologien &amp; Armand Bonn M1 DAC</a:t>
+            </a:r>
+          </a:p>
+        </p:txBody>
+      </p:sp>
+      <p:sp>
+        <p:nvSpPr>
+          <p:cNvPr id="8" name="Espace réservé du numéro de diapositive 7">
+            <a:extLst>
+              <a:ext uri="{FF2B5EF4-FFF2-40B4-BE49-F238E27FC236}">
+                <a16:creationId xmlns:a16="http://schemas.microsoft.com/office/drawing/2014/main" id="{57EC0316-894E-72ED-710F-463F3838734C}"/>
+              </a:ext>
+            </a:extLst>
+          </p:cNvPr>
+          <p:cNvSpPr>
+            <a:spLocks noGrp="1"/>
+          </p:cNvSpPr>
+          <p:nvPr>
+            <p:ph type="sldNum" sz="quarter" idx="12"/>
+          </p:nvPr>
+        </p:nvSpPr>
+        <p:spPr>
+          <a:xfrm>
+            <a:off x="10558300" y="6317662"/>
+            <a:ext cx="1052508" cy="365125"/>
+          </a:xfrm>
+        </p:spPr>
+        <p:txBody>
+          <a:bodyPr/>
+          <a:lstStyle/>
+          <a:p>
+            <a:fld id="{87904A9C-94BD-4576-AA9C-0238E1E4D97D}" type="slidenum">
+              <a:rPr lang="fr-FR" smtClean="0"/>
+              <a:t>10</a:t>
+            </a:fld>
+            <a:endParaRPr lang="fr-FR" dirty="0"/>
+          </a:p>
+        </p:txBody>
+      </p:sp>
+    </p:spTree>
+    <p:extLst>
+      <p:ext uri="{BB962C8B-B14F-4D97-AF65-F5344CB8AC3E}">
+        <p14:creationId xmlns:p14="http://schemas.microsoft.com/office/powerpoint/2010/main" val="2466166150"/>
+      </p:ext>
+    </p:extLst>
+  </p:cSld>
+  <p:clrMapOvr>
+    <a:masterClrMapping/>
+  </p:clrMapOvr>
+</p:sld>
+</file>
+
+<file path=ppt/slides/slide11.xml><?xml version="1.0" encoding="utf-8"?>
+<p:sld xmlns:a="http://schemas.openxmlformats.org/drawingml/2006/main" xmlns:r="http://schemas.openxmlformats.org/officeDocument/2006/relationships" xmlns:p="http://schemas.openxmlformats.org/presentationml/2006/main">
+  <p:cSld>
+    <p:bg>
+      <p:bgPr>
+        <a:solidFill>
+          <a:schemeClr val="bg1"/>
+        </a:solidFill>
+        <a:effectLst/>
+      </p:bgPr>
+    </p:bg>
+    <p:spTree>
+      <p:nvGrpSpPr>
+        <p:cNvPr id="1" name=""/>
+        <p:cNvGrpSpPr/>
+        <p:nvPr/>
+      </p:nvGrpSpPr>
+      <p:grpSpPr>
+        <a:xfrm>
+          <a:off x="0" y="0"/>
+          <a:ext cx="0" cy="0"/>
+          <a:chOff x="0" y="0"/>
+          <a:chExt cx="0" cy="0"/>
+        </a:xfrm>
+      </p:grpSpPr>
+      <p:sp useBgFill="1">
+        <p:nvSpPr>
+          <p:cNvPr id="10" name="Rectangle 9">
+            <a:extLst>
+              <a:ext uri="{FF2B5EF4-FFF2-40B4-BE49-F238E27FC236}">
+                <a16:creationId xmlns:a16="http://schemas.microsoft.com/office/drawing/2014/main" id="{8F404549-B4DC-481C-926C-DED3EF1C585B}"/>
+              </a:ext>
+              <a:ext uri="{C183D7F6-B498-43B3-948B-1728B52AA6E4}">
+                <adec:decorative xmlns:adec="http://schemas.microsoft.com/office/drawing/2017/decorative" val="1"/>
+              </a:ext>
+            </a:extLst>
+          </p:cNvPr>
+          <p:cNvSpPr>
+            <a:spLocks noGrp="1" noRot="1" noChangeAspect="1" noMove="1" noResize="1" noEditPoints="1" noAdjustHandles="1" noChangeArrowheads="1" noChangeShapeType="1" noTextEdit="1"/>
+          </p:cNvSpPr>
+          <p:nvPr>
+            <p:extLst>
+              <p:ext uri="{386F3935-93C4-4BCD-93E2-E3B085C9AB24}">
+                <p16:designElem xmlns:p16="http://schemas.microsoft.com/office/powerpoint/2015/main" val="1"/>
+              </p:ext>
+            </p:extLst>
+          </p:nvPr>
+        </p:nvSpPr>
+        <p:spPr>
+          <a:xfrm>
+            <a:off x="0" y="614406"/>
+            <a:ext cx="12192000" cy="6243593"/>
+          </a:xfrm>
+          <a:prstGeom prst="rect">
+            <a:avLst/>
+          </a:prstGeom>
+          <a:ln>
+            <a:noFill/>
+          </a:ln>
+        </p:spPr>
+        <p:style>
+          <a:lnRef idx="2">
+            <a:schemeClr val="accent1">
+              <a:shade val="50000"/>
+            </a:schemeClr>
+          </a:lnRef>
+          <a:fillRef idx="1">
+            <a:schemeClr val="accent1"/>
+          </a:fillRef>
+          <a:effectRef idx="0">
+            <a:schemeClr val="accent1"/>
+          </a:effectRef>
+          <a:fontRef idx="minor">
+            <a:schemeClr val="lt1"/>
+          </a:fontRef>
+        </p:style>
+        <p:txBody>
+          <a:bodyPr rtlCol="0" anchor="ctr"/>
+          <a:lstStyle/>
+          <a:p>
+            <a:pPr algn="ctr"/>
+            <a:endParaRPr lang="en-US"/>
+          </a:p>
+        </p:txBody>
+      </p:sp>
+      <p:sp>
+        <p:nvSpPr>
+          <p:cNvPr id="12" name="Rectangle 11">
+            <a:extLst>
+              <a:ext uri="{FF2B5EF4-FFF2-40B4-BE49-F238E27FC236}">
+                <a16:creationId xmlns:a16="http://schemas.microsoft.com/office/drawing/2014/main" id="{1E8FD5CD-351E-4B06-8B78-BD5102D00908}"/>
+              </a:ext>
+              <a:ext uri="{C183D7F6-B498-43B3-948B-1728B52AA6E4}">
+                <adec:decorative xmlns:adec="http://schemas.microsoft.com/office/drawing/2017/decorative" val="1"/>
+              </a:ext>
+            </a:extLst>
+          </p:cNvPr>
+          <p:cNvSpPr>
+            <a:spLocks noGrp="1" noRot="1" noChangeAspect="1" noMove="1" noResize="1" noEditPoints="1" noAdjustHandles="1" noChangeArrowheads="1" noChangeShapeType="1" noTextEdit="1"/>
+          </p:cNvSpPr>
+          <p:nvPr>
+            <p:extLst>
+              <p:ext uri="{386F3935-93C4-4BCD-93E2-E3B085C9AB24}">
+                <p16:designElem xmlns:p16="http://schemas.microsoft.com/office/powerpoint/2015/main" val="1"/>
+              </p:ext>
+            </p:extLst>
+          </p:nvPr>
+        </p:nvSpPr>
+        <p:spPr>
+          <a:xfrm>
+            <a:off x="442377" y="614407"/>
+            <a:ext cx="3707477" cy="5611772"/>
+          </a:xfrm>
+          <a:prstGeom prst="rect">
+            <a:avLst/>
+          </a:prstGeom>
+          <a:solidFill>
+            <a:schemeClr val="accent1"/>
+          </a:solidFill>
+          <a:ln>
+            <a:noFill/>
+          </a:ln>
+          <a:effectLst/>
+        </p:spPr>
+        <p:style>
+          <a:lnRef idx="1">
+            <a:schemeClr val="accent1"/>
+          </a:lnRef>
+          <a:fillRef idx="3">
+            <a:schemeClr val="accent1"/>
+          </a:fillRef>
+          <a:effectRef idx="2">
+            <a:schemeClr val="accent1"/>
+          </a:effectRef>
+          <a:fontRef idx="minor">
+            <a:schemeClr val="lt1"/>
+          </a:fontRef>
+        </p:style>
+        <p:txBody>
+          <a:bodyPr/>
+          <a:lstStyle/>
+          <a:p>
+            <a:endParaRPr lang="fr-FR"/>
+          </a:p>
+        </p:txBody>
+      </p:sp>
+      <p:sp>
+        <p:nvSpPr>
+          <p:cNvPr id="2" name="Titre 1">
+            <a:extLst>
+              <a:ext uri="{FF2B5EF4-FFF2-40B4-BE49-F238E27FC236}">
                 <a16:creationId xmlns:a16="http://schemas.microsoft.com/office/drawing/2014/main" id="{9E0F92FE-E329-C5F8-0A70-362604578015}"/>
               </a:ext>
             </a:extLst>
@@ -14930,9 +19098,16 @@
             <p:ph type="title"/>
           </p:nvPr>
         </p:nvSpPr>
-        <p:spPr/>
+        <p:spPr>
+          <a:xfrm>
+            <a:off x="601255" y="702156"/>
+            <a:ext cx="3409783" cy="1013800"/>
+          </a:xfrm>
+        </p:spPr>
         <p:txBody>
-          <a:bodyPr/>
+          <a:bodyPr>
+            <a:normAutofit/>
+          </a:bodyPr>
           <a:lstStyle/>
           <a:p>
             <a:r>
@@ -14958,12 +19133,157 @@
             <p:ph idx="1"/>
           </p:nvPr>
         </p:nvSpPr>
-        <p:spPr/>
+        <p:spPr>
+          <a:xfrm>
+            <a:off x="601255" y="1964168"/>
+            <a:ext cx="3409782" cy="4036582"/>
+          </a:xfrm>
+        </p:spPr>
+        <p:txBody>
+          <a:bodyPr>
+            <a:normAutofit/>
+          </a:bodyPr>
+          <a:lstStyle/>
+          <a:p>
+            <a:r>
+              <a:rPr lang="fr-FR">
+                <a:solidFill>
+                  <a:schemeClr val="bg1"/>
+                </a:solidFill>
+              </a:rPr>
+              <a:t>Main features explaining a win : Market Value, Team form and Clean Sheet Potential</a:t>
+            </a:r>
+          </a:p>
+          <a:p>
+            <a:r>
+              <a:rPr lang="fr-FR">
+                <a:solidFill>
+                  <a:schemeClr val="bg1"/>
+                </a:solidFill>
+              </a:rPr>
+              <a:t>To improve your results : invest on attacking players, less in defence</a:t>
+            </a:r>
+          </a:p>
+          <a:p>
+            <a:r>
+              <a:rPr lang="en-US">
+                <a:solidFill>
+                  <a:schemeClr val="bg1"/>
+                </a:solidFill>
+              </a:rPr>
+              <a:t>There is a great part of uncertainty : that’s what makes it beautiful ! </a:t>
+            </a:r>
+            <a:endParaRPr lang="fr-FR">
+              <a:solidFill>
+                <a:schemeClr val="bg1"/>
+              </a:solidFill>
+            </a:endParaRPr>
+          </a:p>
+        </p:txBody>
+      </p:sp>
+      <p:pic>
+        <p:nvPicPr>
+          <p:cNvPr id="7" name="Graphic 6" descr="Poignée de main">
+            <a:extLst>
+              <a:ext uri="{FF2B5EF4-FFF2-40B4-BE49-F238E27FC236}">
+                <a16:creationId xmlns:a16="http://schemas.microsoft.com/office/drawing/2014/main" id="{052F2954-0450-A9E5-F218-4ADC7C19DCE3}"/>
+              </a:ext>
+            </a:extLst>
+          </p:cNvPr>
+          <p:cNvPicPr>
+            <a:picLocks noChangeAspect="1"/>
+          </p:cNvPicPr>
+          <p:nvPr/>
+        </p:nvPicPr>
+        <p:blipFill>
+          <a:blip r:embed="rId2">
+            <a:extLst>
+              <a:ext uri="{28A0092B-C50C-407E-A947-70E740481C1C}">
+                <a14:useLocalDpi xmlns:a14="http://schemas.microsoft.com/office/drawing/2010/main" val="0"/>
+              </a:ext>
+              <a:ext uri="{96DAC541-7B7A-43D3-8B79-37D633B846F1}">
+                <asvg:svgBlip xmlns:asvg="http://schemas.microsoft.com/office/drawing/2016/SVG/main" r:embed="rId3"/>
+              </a:ext>
+            </a:extLst>
+          </a:blip>
+          <a:stretch>
+            <a:fillRect/>
+          </a:stretch>
+        </p:blipFill>
+        <p:spPr>
+          <a:xfrm>
+            <a:off x="5708757" y="1111641"/>
+            <a:ext cx="4655348" cy="4655348"/>
+          </a:xfrm>
+          <a:prstGeom prst="rect">
+            <a:avLst/>
+          </a:prstGeom>
+        </p:spPr>
+      </p:pic>
+      <p:sp>
+        <p:nvSpPr>
+          <p:cNvPr id="5" name="Espace réservé du pied de page 4">
+            <a:extLst>
+              <a:ext uri="{FF2B5EF4-FFF2-40B4-BE49-F238E27FC236}">
+                <a16:creationId xmlns:a16="http://schemas.microsoft.com/office/drawing/2014/main" id="{864573B3-6D79-4074-446A-7B77CD207A00}"/>
+              </a:ext>
+            </a:extLst>
+          </p:cNvPr>
+          <p:cNvSpPr>
+            <a:spLocks noGrp="1"/>
+          </p:cNvSpPr>
+          <p:nvPr>
+            <p:ph type="ftr" sz="quarter" idx="11"/>
+          </p:nvPr>
+        </p:nvSpPr>
+        <p:spPr>
+          <a:xfrm>
+            <a:off x="442377" y="6359526"/>
+            <a:ext cx="6917210" cy="365125"/>
+          </a:xfrm>
+        </p:spPr>
         <p:txBody>
           <a:bodyPr/>
           <a:lstStyle/>
           <a:p>
-            <a:endParaRPr lang="fr-FR" dirty="0"/>
+            <a:r>
+              <a:rPr lang="fr-FR" dirty="0"/>
+              <a:t>Antoine Théologien &amp; Armand Bonn M1 DAC</a:t>
+            </a:r>
+          </a:p>
+        </p:txBody>
+      </p:sp>
+      <p:sp>
+        <p:nvSpPr>
+          <p:cNvPr id="6" name="Espace réservé du numéro de diapositive 5">
+            <a:extLst>
+              <a:ext uri="{FF2B5EF4-FFF2-40B4-BE49-F238E27FC236}">
+                <a16:creationId xmlns:a16="http://schemas.microsoft.com/office/drawing/2014/main" id="{D9FA7183-5F6D-2AC0-00C6-1C1F12B40B3C}"/>
+              </a:ext>
+            </a:extLst>
+          </p:cNvPr>
+          <p:cNvSpPr>
+            <a:spLocks noGrp="1"/>
+          </p:cNvSpPr>
+          <p:nvPr>
+            <p:ph type="sldNum" sz="quarter" idx="12"/>
+          </p:nvPr>
+        </p:nvSpPr>
+        <p:spPr>
+          <a:xfrm>
+            <a:off x="10558300" y="6359525"/>
+            <a:ext cx="1052508" cy="365125"/>
+          </a:xfrm>
+        </p:spPr>
+        <p:txBody>
+          <a:bodyPr/>
+          <a:lstStyle/>
+          <a:p>
+            <a:fld id="{87904A9C-94BD-4576-AA9C-0238E1E4D97D}" type="slidenum">
+              <a:rPr lang="fr-FR" smtClean="0"/>
+              <a:t>11</a:t>
+            </a:fld>
+            <a:endParaRPr lang="fr-FR"/>
           </a:p>
         </p:txBody>
       </p:sp>
@@ -14971,96 +19291,6 @@
     <p:extLst>
       <p:ext uri="{BB962C8B-B14F-4D97-AF65-F5344CB8AC3E}">
         <p14:creationId xmlns:p14="http://schemas.microsoft.com/office/powerpoint/2010/main" val="659342449"/>
-      </p:ext>
-    </p:extLst>
-  </p:cSld>
-  <p:clrMapOvr>
-    <a:masterClrMapping/>
-  </p:clrMapOvr>
-</p:sld>
-</file>
-
-<file path=ppt/slides/slide11.xml><?xml version="1.0" encoding="utf-8"?>
-<p:sld xmlns:a="http://schemas.openxmlformats.org/drawingml/2006/main" xmlns:r="http://schemas.openxmlformats.org/officeDocument/2006/relationships" xmlns:p="http://schemas.openxmlformats.org/presentationml/2006/main">
-  <p:cSld>
-    <p:spTree>
-      <p:nvGrpSpPr>
-        <p:cNvPr id="1" name=""/>
-        <p:cNvGrpSpPr/>
-        <p:nvPr/>
-      </p:nvGrpSpPr>
-      <p:grpSpPr>
-        <a:xfrm>
-          <a:off x="0" y="0"/>
-          <a:ext cx="0" cy="0"/>
-          <a:chOff x="0" y="0"/>
-          <a:chExt cx="0" cy="0"/>
-        </a:xfrm>
-      </p:grpSpPr>
-      <p:sp>
-        <p:nvSpPr>
-          <p:cNvPr id="2" name="Titre 1">
-            <a:extLst>
-              <a:ext uri="{FF2B5EF4-FFF2-40B4-BE49-F238E27FC236}">
-                <a16:creationId xmlns:a16="http://schemas.microsoft.com/office/drawing/2014/main" id="{6518DDBF-4F3E-B694-4D27-2C69AADDF73B}"/>
-              </a:ext>
-            </a:extLst>
-          </p:cNvPr>
-          <p:cNvSpPr>
-            <a:spLocks noGrp="1"/>
-          </p:cNvSpPr>
-          <p:nvPr>
-            <p:ph type="title"/>
-          </p:nvPr>
-        </p:nvSpPr>
-        <p:spPr/>
-        <p:txBody>
-          <a:bodyPr/>
-          <a:lstStyle/>
-          <a:p>
-            <a:r>
-              <a:rPr lang="fr-FR" dirty="0"/>
-              <a:t>Sources and </a:t>
-            </a:r>
-            <a:r>
-              <a:rPr lang="fr-FR" dirty="0" err="1"/>
-              <a:t>bibliography</a:t>
-            </a:r>
-            <a:endParaRPr lang="fr-FR" dirty="0"/>
-          </a:p>
-        </p:txBody>
-      </p:sp>
-      <p:sp>
-        <p:nvSpPr>
-          <p:cNvPr id="3" name="Espace réservé du contenu 2">
-            <a:extLst>
-              <a:ext uri="{FF2B5EF4-FFF2-40B4-BE49-F238E27FC236}">
-                <a16:creationId xmlns:a16="http://schemas.microsoft.com/office/drawing/2014/main" id="{7888631E-80D8-EFFC-63F1-660F683C84C2}"/>
-              </a:ext>
-            </a:extLst>
-          </p:cNvPr>
-          <p:cNvSpPr>
-            <a:spLocks noGrp="1"/>
-          </p:cNvSpPr>
-          <p:nvPr>
-            <p:ph idx="1"/>
-          </p:nvPr>
-        </p:nvSpPr>
-        <p:spPr/>
-        <p:txBody>
-          <a:bodyPr>
-            <a:normAutofit/>
-          </a:bodyPr>
-          <a:lstStyle/>
-          <a:p>
-            <a:endParaRPr lang="fr-FR" dirty="0"/>
-          </a:p>
-        </p:txBody>
-      </p:sp>
-    </p:spTree>
-    <p:extLst>
-      <p:ext uri="{BB962C8B-B14F-4D97-AF65-F5344CB8AC3E}">
-        <p14:creationId xmlns:p14="http://schemas.microsoft.com/office/powerpoint/2010/main" val="3068688433"/>
       </p:ext>
     </p:extLst>
   </p:cSld>
@@ -15165,6 +19395,73 @@
           </a:graphicData>
         </a:graphic>
       </p:graphicFrame>
+      <p:sp>
+        <p:nvSpPr>
+          <p:cNvPr id="3" name="Espace réservé du pied de page 2">
+            <a:extLst>
+              <a:ext uri="{FF2B5EF4-FFF2-40B4-BE49-F238E27FC236}">
+                <a16:creationId xmlns:a16="http://schemas.microsoft.com/office/drawing/2014/main" id="{827E5817-8B43-830D-2397-09E091E23C48}"/>
+              </a:ext>
+            </a:extLst>
+          </p:cNvPr>
+          <p:cNvSpPr>
+            <a:spLocks noGrp="1"/>
+          </p:cNvSpPr>
+          <p:nvPr>
+            <p:ph type="ftr" sz="quarter" idx="11"/>
+          </p:nvPr>
+        </p:nvSpPr>
+        <p:spPr>
+          <a:xfrm>
+            <a:off x="581025" y="6321262"/>
+            <a:ext cx="6917210" cy="365125"/>
+          </a:xfrm>
+        </p:spPr>
+        <p:txBody>
+          <a:bodyPr/>
+          <a:lstStyle/>
+          <a:p>
+            <a:r>
+              <a:rPr lang="fr-FR" dirty="0"/>
+              <a:t>Antoine Théologien &amp; Armand Bonn M1 DAC</a:t>
+            </a:r>
+          </a:p>
+        </p:txBody>
+      </p:sp>
+      <p:sp>
+        <p:nvSpPr>
+          <p:cNvPr id="4" name="Espace réservé du numéro de diapositive 3">
+            <a:extLst>
+              <a:ext uri="{FF2B5EF4-FFF2-40B4-BE49-F238E27FC236}">
+                <a16:creationId xmlns:a16="http://schemas.microsoft.com/office/drawing/2014/main" id="{A1FB0FC9-34BF-39C2-03C5-B853010F70A5}"/>
+              </a:ext>
+            </a:extLst>
+          </p:cNvPr>
+          <p:cNvSpPr>
+            <a:spLocks noGrp="1"/>
+          </p:cNvSpPr>
+          <p:nvPr>
+            <p:ph type="sldNum" sz="quarter" idx="12"/>
+          </p:nvPr>
+        </p:nvSpPr>
+        <p:spPr>
+          <a:xfrm>
+            <a:off x="10558300" y="6321262"/>
+            <a:ext cx="1052508" cy="365125"/>
+          </a:xfrm>
+        </p:spPr>
+        <p:txBody>
+          <a:bodyPr/>
+          <a:lstStyle/>
+          <a:p>
+            <a:fld id="{87904A9C-94BD-4576-AA9C-0238E1E4D97D}" type="slidenum">
+              <a:rPr lang="fr-FR" smtClean="0"/>
+              <a:t>2</a:t>
+            </a:fld>
+            <a:endParaRPr lang="fr-FR"/>
+          </a:p>
+        </p:txBody>
+      </p:sp>
     </p:spTree>
     <p:extLst>
       <p:ext uri="{BB962C8B-B14F-4D97-AF65-F5344CB8AC3E}">
@@ -15268,6 +19565,73 @@
           </a:graphicData>
         </a:graphic>
       </p:graphicFrame>
+      <p:sp>
+        <p:nvSpPr>
+          <p:cNvPr id="3" name="Espace réservé du pied de page 2">
+            <a:extLst>
+              <a:ext uri="{FF2B5EF4-FFF2-40B4-BE49-F238E27FC236}">
+                <a16:creationId xmlns:a16="http://schemas.microsoft.com/office/drawing/2014/main" id="{AFBD5526-FA5F-DED2-0650-D965C92D86AE}"/>
+              </a:ext>
+            </a:extLst>
+          </p:cNvPr>
+          <p:cNvSpPr>
+            <a:spLocks noGrp="1"/>
+          </p:cNvSpPr>
+          <p:nvPr>
+            <p:ph type="ftr" sz="quarter" idx="11"/>
+          </p:nvPr>
+        </p:nvSpPr>
+        <p:spPr>
+          <a:xfrm>
+            <a:off x="581025" y="6321262"/>
+            <a:ext cx="6917210" cy="365125"/>
+          </a:xfrm>
+        </p:spPr>
+        <p:txBody>
+          <a:bodyPr/>
+          <a:lstStyle/>
+          <a:p>
+            <a:r>
+              <a:rPr lang="fr-FR" dirty="0"/>
+              <a:t>Antoine Théologien &amp; Armand Bonn M1 DAC</a:t>
+            </a:r>
+          </a:p>
+        </p:txBody>
+      </p:sp>
+      <p:sp>
+        <p:nvSpPr>
+          <p:cNvPr id="4" name="Espace réservé du numéro de diapositive 3">
+            <a:extLst>
+              <a:ext uri="{FF2B5EF4-FFF2-40B4-BE49-F238E27FC236}">
+                <a16:creationId xmlns:a16="http://schemas.microsoft.com/office/drawing/2014/main" id="{BD84810A-4A4C-E280-AB8E-7178A88C6315}"/>
+              </a:ext>
+            </a:extLst>
+          </p:cNvPr>
+          <p:cNvSpPr>
+            <a:spLocks noGrp="1"/>
+          </p:cNvSpPr>
+          <p:nvPr>
+            <p:ph type="sldNum" sz="quarter" idx="12"/>
+          </p:nvPr>
+        </p:nvSpPr>
+        <p:spPr>
+          <a:xfrm>
+            <a:off x="10558300" y="6321261"/>
+            <a:ext cx="1052508" cy="365125"/>
+          </a:xfrm>
+        </p:spPr>
+        <p:txBody>
+          <a:bodyPr/>
+          <a:lstStyle/>
+          <a:p>
+            <a:fld id="{87904A9C-94BD-4576-AA9C-0238E1E4D97D}" type="slidenum">
+              <a:rPr lang="fr-FR" smtClean="0"/>
+              <a:t>3</a:t>
+            </a:fld>
+            <a:endParaRPr lang="fr-FR" dirty="0"/>
+          </a:p>
+        </p:txBody>
+      </p:sp>
     </p:spTree>
     <p:extLst>
       <p:ext uri="{BB962C8B-B14F-4D97-AF65-F5344CB8AC3E}">
@@ -15712,6 +20076,73 @@
           </a:graphicData>
         </a:graphic>
       </p:graphicFrame>
+      <p:sp>
+        <p:nvSpPr>
+          <p:cNvPr id="4" name="Espace réservé du pied de page 3">
+            <a:extLst>
+              <a:ext uri="{FF2B5EF4-FFF2-40B4-BE49-F238E27FC236}">
+                <a16:creationId xmlns:a16="http://schemas.microsoft.com/office/drawing/2014/main" id="{41815AD7-C0E2-ACCD-4CF0-249BF78E5722}"/>
+              </a:ext>
+            </a:extLst>
+          </p:cNvPr>
+          <p:cNvSpPr>
+            <a:spLocks noGrp="1"/>
+          </p:cNvSpPr>
+          <p:nvPr>
+            <p:ph type="ftr" sz="quarter" idx="11"/>
+          </p:nvPr>
+        </p:nvSpPr>
+        <p:spPr>
+          <a:xfrm>
+            <a:off x="442377" y="6371258"/>
+            <a:ext cx="6917210" cy="365125"/>
+          </a:xfrm>
+        </p:spPr>
+        <p:txBody>
+          <a:bodyPr/>
+          <a:lstStyle/>
+          <a:p>
+            <a:r>
+              <a:rPr lang="fr-FR"/>
+              <a:t>Antoine Théologien &amp; Armand Bonn M1 DAC</a:t>
+            </a:r>
+          </a:p>
+        </p:txBody>
+      </p:sp>
+      <p:sp>
+        <p:nvSpPr>
+          <p:cNvPr id="5" name="Espace réservé du numéro de diapositive 4">
+            <a:extLst>
+              <a:ext uri="{FF2B5EF4-FFF2-40B4-BE49-F238E27FC236}">
+                <a16:creationId xmlns:a16="http://schemas.microsoft.com/office/drawing/2014/main" id="{7DFB4167-9844-F7B5-3184-D5CDFD2397FD}"/>
+              </a:ext>
+            </a:extLst>
+          </p:cNvPr>
+          <p:cNvSpPr>
+            <a:spLocks noGrp="1"/>
+          </p:cNvSpPr>
+          <p:nvPr>
+            <p:ph type="sldNum" sz="quarter" idx="12"/>
+          </p:nvPr>
+        </p:nvSpPr>
+        <p:spPr>
+          <a:xfrm>
+            <a:off x="10547542" y="6372841"/>
+            <a:ext cx="1052508" cy="365125"/>
+          </a:xfrm>
+        </p:spPr>
+        <p:txBody>
+          <a:bodyPr/>
+          <a:lstStyle/>
+          <a:p>
+            <a:fld id="{87904A9C-94BD-4576-AA9C-0238E1E4D97D}" type="slidenum">
+              <a:rPr lang="fr-FR" smtClean="0"/>
+              <a:t>4</a:t>
+            </a:fld>
+            <a:endParaRPr lang="fr-FR"/>
+          </a:p>
+        </p:txBody>
+      </p:sp>
     </p:spTree>
     <p:extLst>
       <p:ext uri="{BB962C8B-B14F-4D97-AF65-F5344CB8AC3E}">
@@ -16112,6 +20543,73 @@
           </a:graphicData>
         </a:graphic>
       </p:graphicFrame>
+      <p:sp>
+        <p:nvSpPr>
+          <p:cNvPr id="3" name="Espace réservé du pied de page 2">
+            <a:extLst>
+              <a:ext uri="{FF2B5EF4-FFF2-40B4-BE49-F238E27FC236}">
+                <a16:creationId xmlns:a16="http://schemas.microsoft.com/office/drawing/2014/main" id="{4337B0D0-9974-E2BA-0ABA-AF027AF0154D}"/>
+              </a:ext>
+            </a:extLst>
+          </p:cNvPr>
+          <p:cNvSpPr>
+            <a:spLocks noGrp="1"/>
+          </p:cNvSpPr>
+          <p:nvPr>
+            <p:ph type="ftr" sz="quarter" idx="11"/>
+          </p:nvPr>
+        </p:nvSpPr>
+        <p:spPr>
+          <a:xfrm>
+            <a:off x="442377" y="6328420"/>
+            <a:ext cx="6917210" cy="365125"/>
+          </a:xfrm>
+        </p:spPr>
+        <p:txBody>
+          <a:bodyPr/>
+          <a:lstStyle/>
+          <a:p>
+            <a:r>
+              <a:rPr lang="fr-FR" dirty="0"/>
+              <a:t>Antoine Théologien &amp; Armand Bonn M1 DAC</a:t>
+            </a:r>
+          </a:p>
+        </p:txBody>
+      </p:sp>
+      <p:sp>
+        <p:nvSpPr>
+          <p:cNvPr id="4" name="Espace réservé du numéro de diapositive 3">
+            <a:extLst>
+              <a:ext uri="{FF2B5EF4-FFF2-40B4-BE49-F238E27FC236}">
+                <a16:creationId xmlns:a16="http://schemas.microsoft.com/office/drawing/2014/main" id="{A7A00147-1613-2005-50F3-262E8682A65B}"/>
+              </a:ext>
+            </a:extLst>
+          </p:cNvPr>
+          <p:cNvSpPr>
+            <a:spLocks noGrp="1"/>
+          </p:cNvSpPr>
+          <p:nvPr>
+            <p:ph type="sldNum" sz="quarter" idx="12"/>
+          </p:nvPr>
+        </p:nvSpPr>
+        <p:spPr>
+          <a:xfrm>
+            <a:off x="10526027" y="6328420"/>
+            <a:ext cx="1052508" cy="365125"/>
+          </a:xfrm>
+        </p:spPr>
+        <p:txBody>
+          <a:bodyPr/>
+          <a:lstStyle/>
+          <a:p>
+            <a:fld id="{87904A9C-94BD-4576-AA9C-0238E1E4D97D}" type="slidenum">
+              <a:rPr lang="fr-FR" smtClean="0"/>
+              <a:t>5</a:t>
+            </a:fld>
+            <a:endParaRPr lang="fr-FR" dirty="0"/>
+          </a:p>
+        </p:txBody>
+      </p:sp>
     </p:spTree>
     <p:extLst>
       <p:ext uri="{BB962C8B-B14F-4D97-AF65-F5344CB8AC3E}">
@@ -16405,6 +20903,73 @@
           </a:p>
         </p:txBody>
       </p:sp>
+      <p:sp>
+        <p:nvSpPr>
+          <p:cNvPr id="4" name="Espace réservé du pied de page 3">
+            <a:extLst>
+              <a:ext uri="{FF2B5EF4-FFF2-40B4-BE49-F238E27FC236}">
+                <a16:creationId xmlns:a16="http://schemas.microsoft.com/office/drawing/2014/main" id="{B0DB5B3E-080D-0D0B-1AC0-58E602DF1B11}"/>
+              </a:ext>
+            </a:extLst>
+          </p:cNvPr>
+          <p:cNvSpPr>
+            <a:spLocks noGrp="1"/>
+          </p:cNvSpPr>
+          <p:nvPr>
+            <p:ph type="ftr" sz="quarter" idx="11"/>
+          </p:nvPr>
+        </p:nvSpPr>
+        <p:spPr>
+          <a:xfrm>
+            <a:off x="581192" y="6326089"/>
+            <a:ext cx="6917210" cy="365125"/>
+          </a:xfrm>
+        </p:spPr>
+        <p:txBody>
+          <a:bodyPr/>
+          <a:lstStyle/>
+          <a:p>
+            <a:r>
+              <a:rPr lang="fr-FR" dirty="0"/>
+              <a:t>Antoine Théologien &amp; Armand Bonn M1 DAC</a:t>
+            </a:r>
+          </a:p>
+        </p:txBody>
+      </p:sp>
+      <p:sp>
+        <p:nvSpPr>
+          <p:cNvPr id="5" name="Espace réservé du numéro de diapositive 4">
+            <a:extLst>
+              <a:ext uri="{FF2B5EF4-FFF2-40B4-BE49-F238E27FC236}">
+                <a16:creationId xmlns:a16="http://schemas.microsoft.com/office/drawing/2014/main" id="{C62F5616-65B9-1651-6C9D-35424CB28B81}"/>
+              </a:ext>
+            </a:extLst>
+          </p:cNvPr>
+          <p:cNvSpPr>
+            <a:spLocks noGrp="1"/>
+          </p:cNvSpPr>
+          <p:nvPr>
+            <p:ph type="sldNum" sz="quarter" idx="12"/>
+          </p:nvPr>
+        </p:nvSpPr>
+        <p:spPr>
+          <a:xfrm>
+            <a:off x="10558300" y="6326089"/>
+            <a:ext cx="1052508" cy="365125"/>
+          </a:xfrm>
+        </p:spPr>
+        <p:txBody>
+          <a:bodyPr/>
+          <a:lstStyle/>
+          <a:p>
+            <a:fld id="{87904A9C-94BD-4576-AA9C-0238E1E4D97D}" type="slidenum">
+              <a:rPr lang="fr-FR" smtClean="0"/>
+              <a:t>6</a:t>
+            </a:fld>
+            <a:endParaRPr lang="fr-FR"/>
+          </a:p>
+        </p:txBody>
+      </p:sp>
     </p:spTree>
     <p:extLst>
       <p:ext uri="{BB962C8B-B14F-4D97-AF65-F5344CB8AC3E}">
@@ -16597,7 +21162,7 @@
         </p:blipFill>
         <p:spPr>
           <a:xfrm>
-            <a:off x="8177261" y="2498466"/>
+            <a:off x="8166503" y="2498466"/>
             <a:ext cx="3657378" cy="3657378"/>
           </a:xfrm>
           <a:prstGeom prst="rect">
@@ -16605,6 +21170,73 @@
           </a:prstGeom>
         </p:spPr>
       </p:pic>
+      <p:sp>
+        <p:nvSpPr>
+          <p:cNvPr id="18" name="Espace réservé du pied de page 17">
+            <a:extLst>
+              <a:ext uri="{FF2B5EF4-FFF2-40B4-BE49-F238E27FC236}">
+                <a16:creationId xmlns:a16="http://schemas.microsoft.com/office/drawing/2014/main" id="{F8596B82-3550-4953-172C-CE675034CA0D}"/>
+              </a:ext>
+            </a:extLst>
+          </p:cNvPr>
+          <p:cNvSpPr>
+            <a:spLocks noGrp="1"/>
+          </p:cNvSpPr>
+          <p:nvPr>
+            <p:ph type="ftr" sz="quarter" idx="11"/>
+          </p:nvPr>
+        </p:nvSpPr>
+        <p:spPr>
+          <a:xfrm>
+            <a:off x="581192" y="6321262"/>
+            <a:ext cx="6917210" cy="365125"/>
+          </a:xfrm>
+        </p:spPr>
+        <p:txBody>
+          <a:bodyPr/>
+          <a:lstStyle/>
+          <a:p>
+            <a:r>
+              <a:rPr lang="fr-FR" dirty="0"/>
+              <a:t>Antoine Théologien &amp; Armand Bonn M1 DAC</a:t>
+            </a:r>
+          </a:p>
+        </p:txBody>
+      </p:sp>
+      <p:sp>
+        <p:nvSpPr>
+          <p:cNvPr id="19" name="Espace réservé du numéro de diapositive 18">
+            <a:extLst>
+              <a:ext uri="{FF2B5EF4-FFF2-40B4-BE49-F238E27FC236}">
+                <a16:creationId xmlns:a16="http://schemas.microsoft.com/office/drawing/2014/main" id="{7E13B862-9BDD-08D1-B1E1-B328C4AD9607}"/>
+              </a:ext>
+            </a:extLst>
+          </p:cNvPr>
+          <p:cNvSpPr>
+            <a:spLocks noGrp="1"/>
+          </p:cNvSpPr>
+          <p:nvPr>
+            <p:ph type="sldNum" sz="quarter" idx="12"/>
+          </p:nvPr>
+        </p:nvSpPr>
+        <p:spPr>
+          <a:xfrm>
+            <a:off x="10558300" y="6321262"/>
+            <a:ext cx="1052508" cy="365125"/>
+          </a:xfrm>
+        </p:spPr>
+        <p:txBody>
+          <a:bodyPr/>
+          <a:lstStyle/>
+          <a:p>
+            <a:fld id="{87904A9C-94BD-4576-AA9C-0238E1E4D97D}" type="slidenum">
+              <a:rPr lang="fr-FR" smtClean="0"/>
+              <a:t>7</a:t>
+            </a:fld>
+            <a:endParaRPr lang="fr-FR"/>
+          </a:p>
+        </p:txBody>
+      </p:sp>
     </p:spTree>
     <p:extLst>
       <p:ext uri="{BB962C8B-B14F-4D97-AF65-F5344CB8AC3E}">
@@ -16715,6 +21347,73 @@
           </a:graphicData>
         </a:graphic>
       </p:graphicFrame>
+      <p:sp>
+        <p:nvSpPr>
+          <p:cNvPr id="7" name="Espace réservé du pied de page 6">
+            <a:extLst>
+              <a:ext uri="{FF2B5EF4-FFF2-40B4-BE49-F238E27FC236}">
+                <a16:creationId xmlns:a16="http://schemas.microsoft.com/office/drawing/2014/main" id="{E7AD866D-325E-0BA3-0058-125AC903D42C}"/>
+              </a:ext>
+            </a:extLst>
+          </p:cNvPr>
+          <p:cNvSpPr>
+            <a:spLocks noGrp="1"/>
+          </p:cNvSpPr>
+          <p:nvPr>
+            <p:ph type="ftr" sz="quarter" idx="11"/>
+          </p:nvPr>
+        </p:nvSpPr>
+        <p:spPr>
+          <a:xfrm>
+            <a:off x="581192" y="6285534"/>
+            <a:ext cx="6917210" cy="365125"/>
+          </a:xfrm>
+        </p:spPr>
+        <p:txBody>
+          <a:bodyPr/>
+          <a:lstStyle/>
+          <a:p>
+            <a:r>
+              <a:rPr lang="fr-FR"/>
+              <a:t>Antoine Théologien &amp; Armand Bonn M1 DAC</a:t>
+            </a:r>
+          </a:p>
+        </p:txBody>
+      </p:sp>
+      <p:sp>
+        <p:nvSpPr>
+          <p:cNvPr id="8" name="Espace réservé du numéro de diapositive 7">
+            <a:extLst>
+              <a:ext uri="{FF2B5EF4-FFF2-40B4-BE49-F238E27FC236}">
+                <a16:creationId xmlns:a16="http://schemas.microsoft.com/office/drawing/2014/main" id="{50F816F0-7993-3CFD-3505-5B3C49C947F9}"/>
+              </a:ext>
+            </a:extLst>
+          </p:cNvPr>
+          <p:cNvSpPr>
+            <a:spLocks noGrp="1"/>
+          </p:cNvSpPr>
+          <p:nvPr>
+            <p:ph type="sldNum" sz="quarter" idx="12"/>
+          </p:nvPr>
+        </p:nvSpPr>
+        <p:spPr>
+          <a:xfrm>
+            <a:off x="10558300" y="6285533"/>
+            <a:ext cx="1052508" cy="365125"/>
+          </a:xfrm>
+        </p:spPr>
+        <p:txBody>
+          <a:bodyPr/>
+          <a:lstStyle/>
+          <a:p>
+            <a:fld id="{87904A9C-94BD-4576-AA9C-0238E1E4D97D}" type="slidenum">
+              <a:rPr lang="fr-FR" smtClean="0"/>
+              <a:t>8</a:t>
+            </a:fld>
+            <a:endParaRPr lang="fr-FR"/>
+          </a:p>
+        </p:txBody>
+      </p:sp>
     </p:spTree>
     <p:extLst>
       <p:ext uri="{BB962C8B-B14F-4D97-AF65-F5344CB8AC3E}">
@@ -16817,14 +21516,14 @@
             <p:ph idx="1"/>
             <p:extLst>
               <p:ext uri="{D42A27DB-BD31-4B8C-83A1-F6EECF244321}">
-                <p14:modId xmlns:p14="http://schemas.microsoft.com/office/powerpoint/2010/main" val="2393793687"/>
+                <p14:modId xmlns:p14="http://schemas.microsoft.com/office/powerpoint/2010/main" val="3519412067"/>
               </p:ext>
             </p:extLst>
           </p:nvPr>
         </p:nvGraphicFramePr>
         <p:xfrm>
           <a:off x="581025" y="2181225"/>
-          <a:ext cx="11029950" cy="3678238"/>
+          <a:ext cx="11029950" cy="4363954"/>
         </p:xfrm>
         <a:graphic>
           <a:graphicData uri="http://schemas.openxmlformats.org/drawingml/2006/chart">
@@ -16832,6 +21531,73 @@
           </a:graphicData>
         </a:graphic>
       </p:graphicFrame>
+      <p:sp>
+        <p:nvSpPr>
+          <p:cNvPr id="12" name="Espace réservé du pied de page 11">
+            <a:extLst>
+              <a:ext uri="{FF2B5EF4-FFF2-40B4-BE49-F238E27FC236}">
+                <a16:creationId xmlns:a16="http://schemas.microsoft.com/office/drawing/2014/main" id="{88F96279-D8BC-2DA6-896F-6154F107C277}"/>
+              </a:ext>
+            </a:extLst>
+          </p:cNvPr>
+          <p:cNvSpPr>
+            <a:spLocks noGrp="1"/>
+          </p:cNvSpPr>
+          <p:nvPr>
+            <p:ph type="ftr" sz="quarter" idx="11"/>
+          </p:nvPr>
+        </p:nvSpPr>
+        <p:spPr>
+          <a:xfrm>
+            <a:off x="581025" y="6362616"/>
+            <a:ext cx="6917210" cy="365125"/>
+          </a:xfrm>
+        </p:spPr>
+        <p:txBody>
+          <a:bodyPr/>
+          <a:lstStyle/>
+          <a:p>
+            <a:r>
+              <a:rPr lang="fr-FR" dirty="0"/>
+              <a:t>Antoine Théologien &amp; Armand Bonn M1 DAC</a:t>
+            </a:r>
+          </a:p>
+        </p:txBody>
+      </p:sp>
+      <p:sp>
+        <p:nvSpPr>
+          <p:cNvPr id="13" name="Espace réservé du numéro de diapositive 12">
+            <a:extLst>
+              <a:ext uri="{FF2B5EF4-FFF2-40B4-BE49-F238E27FC236}">
+                <a16:creationId xmlns:a16="http://schemas.microsoft.com/office/drawing/2014/main" id="{D24CD99F-3322-82C5-633C-2963363BED02}"/>
+              </a:ext>
+            </a:extLst>
+          </p:cNvPr>
+          <p:cNvSpPr>
+            <a:spLocks noGrp="1"/>
+          </p:cNvSpPr>
+          <p:nvPr>
+            <p:ph type="sldNum" sz="quarter" idx="12"/>
+          </p:nvPr>
+        </p:nvSpPr>
+        <p:spPr>
+          <a:xfrm>
+            <a:off x="10558300" y="6362616"/>
+            <a:ext cx="1052508" cy="365125"/>
+          </a:xfrm>
+        </p:spPr>
+        <p:txBody>
+          <a:bodyPr/>
+          <a:lstStyle/>
+          <a:p>
+            <a:fld id="{87904A9C-94BD-4576-AA9C-0238E1E4D97D}" type="slidenum">
+              <a:rPr lang="fr-FR" smtClean="0"/>
+              <a:t>9</a:t>
+            </a:fld>
+            <a:endParaRPr lang="fr-FR" dirty="0"/>
+          </a:p>
+        </p:txBody>
+      </p:sp>
     </p:spTree>
     <p:extLst>
       <p:ext uri="{BB962C8B-B14F-4D97-AF65-F5344CB8AC3E}">

--- a/Soutenance DALAS.pptx
+++ b/Soutenance DALAS.pptx
@@ -464,6 +464,70 @@
             <a:effectLst/>
           </c:spPr>
         </c:majorGridlines>
+        <c:title>
+          <c:tx>
+            <c:rich>
+              <a:bodyPr rot="-5400000" spcFirstLastPara="1" vertOverflow="ellipsis" vert="horz" wrap="square" anchor="ctr" anchorCtr="1"/>
+              <a:lstStyle/>
+              <a:p>
+                <a:pPr>
+                  <a:defRPr sz="1330" b="0" i="0" u="none" strike="noStrike" kern="1200" baseline="0">
+                    <a:solidFill>
+                      <a:schemeClr val="tx1">
+                        <a:lumMod val="65000"/>
+                        <a:lumOff val="35000"/>
+                      </a:schemeClr>
+                    </a:solidFill>
+                    <a:latin typeface="+mn-lt"/>
+                    <a:ea typeface="+mn-ea"/>
+                    <a:cs typeface="+mn-cs"/>
+                  </a:defRPr>
+                </a:pPr>
+                <a:r>
+                  <a:rPr lang="fr-FR" dirty="0" err="1"/>
+                  <a:t>Average</a:t>
+                </a:r>
+                <a:r>
+                  <a:rPr lang="fr-FR" dirty="0"/>
+                  <a:t> team value (in</a:t>
+                </a:r>
+                <a:r>
+                  <a:rPr lang="fr-FR" baseline="0" dirty="0"/>
+                  <a:t> Million)</a:t>
+                </a:r>
+                <a:endParaRPr lang="fr-FR" dirty="0"/>
+              </a:p>
+            </c:rich>
+          </c:tx>
+          <c:overlay val="0"/>
+          <c:spPr>
+            <a:noFill/>
+            <a:ln>
+              <a:noFill/>
+            </a:ln>
+            <a:effectLst/>
+          </c:spPr>
+          <c:txPr>
+            <a:bodyPr rot="-5400000" spcFirstLastPara="1" vertOverflow="ellipsis" vert="horz" wrap="square" anchor="ctr" anchorCtr="1"/>
+            <a:lstStyle/>
+            <a:p>
+              <a:pPr>
+                <a:defRPr sz="1330" b="0" i="0" u="none" strike="noStrike" kern="1200" baseline="0">
+                  <a:solidFill>
+                    <a:schemeClr val="tx1">
+                      <a:lumMod val="65000"/>
+                      <a:lumOff val="35000"/>
+                    </a:schemeClr>
+                  </a:solidFill>
+                  <a:latin typeface="+mn-lt"/>
+                  <a:ea typeface="+mn-ea"/>
+                  <a:cs typeface="+mn-cs"/>
+                </a:defRPr>
+              </a:pPr>
+              <a:endParaRPr lang="fr-FR"/>
+            </a:p>
+          </c:txPr>
+        </c:title>
         <c:numFmt formatCode="General" sourceLinked="1"/>
         <c:majorTickMark val="none"/>
         <c:minorTickMark val="none"/>
@@ -1958,7 +2022,7 @@
               <a:cs typeface="+mn-cs"/>
             </a:defRPr>
           </a:pPr>
-          <a:endParaRPr lang="fr-FR"/>
+          <a:endParaRPr lang="en-US"/>
         </a:p>
       </c:txPr>
     </c:title>
@@ -14311,7 +14375,7 @@
           <a:p>
             <a:fld id="{A3CEDC16-58F8-407A-995D-7BAAA45D89B0}" type="datetimeFigureOut">
               <a:rPr lang="fr-FR" smtClean="0"/>
-              <a:t>11/05/2025</a:t>
+              <a:t>13/05/2025</a:t>
             </a:fld>
             <a:endParaRPr lang="fr-FR"/>
           </a:p>
@@ -14907,7 +14971,7 @@
           <a:p>
             <a:fld id="{5A63CED9-F769-4D12-AE5C-2D140CC665B5}" type="datetime1">
               <a:rPr lang="fr-FR" smtClean="0"/>
-              <a:t>11/05/2025</a:t>
+              <a:t>13/05/2025</a:t>
             </a:fld>
             <a:endParaRPr lang="fr-FR"/>
           </a:p>
@@ -15172,7 +15236,7 @@
           <a:p>
             <a:fld id="{A3EAC67A-717B-4D4D-ACE4-17DEE20BC6CF}" type="datetime1">
               <a:rPr lang="fr-FR" smtClean="0"/>
-              <a:t>11/05/2025</a:t>
+              <a:t>13/05/2025</a:t>
             </a:fld>
             <a:endParaRPr lang="fr-FR"/>
           </a:p>
@@ -15410,7 +15474,7 @@
           <a:p>
             <a:fld id="{25E37C73-5F6E-49E3-A2F1-BAF4D7BB31BD}" type="datetime1">
               <a:rPr lang="fr-FR" smtClean="0"/>
-              <a:t>11/05/2025</a:t>
+              <a:t>13/05/2025</a:t>
             </a:fld>
             <a:endParaRPr lang="fr-FR"/>
           </a:p>
@@ -15653,7 +15717,7 @@
           <a:p>
             <a:fld id="{1873A6BD-8B16-46FC-9952-90CA61D44B00}" type="datetime1">
               <a:rPr lang="fr-FR" smtClean="0"/>
-              <a:t>11/05/2025</a:t>
+              <a:t>13/05/2025</a:t>
             </a:fld>
             <a:endParaRPr lang="fr-FR"/>
           </a:p>
@@ -15963,7 +16027,7 @@
           <a:p>
             <a:fld id="{A6F86C2F-9BE5-4B60-AEC7-AE3A3B8E35A6}" type="datetime1">
               <a:rPr lang="fr-FR" smtClean="0"/>
-              <a:t>11/05/2025</a:t>
+              <a:t>13/05/2025</a:t>
             </a:fld>
             <a:endParaRPr lang="fr-FR"/>
           </a:p>
@@ -16268,7 +16332,7 @@
           <a:p>
             <a:fld id="{8BD50888-8FA0-482D-B0F0-282194699FAD}" type="datetime1">
               <a:rPr lang="fr-FR" smtClean="0"/>
-              <a:t>11/05/2025</a:t>
+              <a:t>13/05/2025</a:t>
             </a:fld>
             <a:endParaRPr lang="fr-FR"/>
           </a:p>
@@ -16693,7 +16757,7 @@
           <a:p>
             <a:fld id="{713549B1-4BC0-46CF-911D-9C4BC14EE087}" type="datetime1">
               <a:rPr lang="fr-FR" smtClean="0"/>
-              <a:t>11/05/2025</a:t>
+              <a:t>13/05/2025</a:t>
             </a:fld>
             <a:endParaRPr lang="fr-FR"/>
           </a:p>
@@ -16791,7 +16855,7 @@
           <a:p>
             <a:fld id="{87548392-BE36-4397-9684-82208CE29522}" type="datetime1">
               <a:rPr lang="fr-FR" smtClean="0"/>
-              <a:t>11/05/2025</a:t>
+              <a:t>13/05/2025</a:t>
             </a:fld>
             <a:endParaRPr lang="fr-FR"/>
           </a:p>
@@ -16956,7 +17020,7 @@
           <a:p>
             <a:fld id="{9E10BBCC-1A8F-4D65-AE4F-75E489FEDCDC}" type="datetime1">
               <a:rPr lang="fr-FR" smtClean="0"/>
-              <a:t>11/05/2025</a:t>
+              <a:t>13/05/2025</a:t>
             </a:fld>
             <a:endParaRPr lang="fr-FR"/>
           </a:p>
@@ -17337,7 +17401,7 @@
           <a:p>
             <a:fld id="{9DE0DA34-B3F6-45F9-A6AA-8D9196944CC0}" type="datetime1">
               <a:rPr lang="fr-FR" smtClean="0"/>
-              <a:t>11/05/2025</a:t>
+              <a:t>13/05/2025</a:t>
             </a:fld>
             <a:endParaRPr lang="fr-FR"/>
           </a:p>
@@ -17629,7 +17693,7 @@
           <a:p>
             <a:fld id="{1D5605A7-6283-4E8E-A0DE-973674ACEDFD}" type="datetime1">
               <a:rPr lang="fr-FR" smtClean="0"/>
-              <a:t>11/05/2025</a:t>
+              <a:t>13/05/2025</a:t>
             </a:fld>
             <a:endParaRPr lang="fr-FR"/>
           </a:p>
@@ -17843,7 +17907,7 @@
           <a:p>
             <a:fld id="{F1C5198A-9636-4E17-896A-4824CC5E3154}" type="datetime1">
               <a:rPr lang="fr-FR" smtClean="0"/>
-              <a:t>11/05/2025</a:t>
+              <a:t>13/05/2025</a:t>
             </a:fld>
             <a:endParaRPr lang="fr-FR"/>
           </a:p>
@@ -20061,7 +20125,7 @@
           <p:nvPr>
             <p:extLst>
               <p:ext uri="{D42A27DB-BD31-4B8C-83A1-F6EECF244321}">
-                <p14:modId xmlns:p14="http://schemas.microsoft.com/office/powerpoint/2010/main" val="4179706655"/>
+                <p14:modId xmlns:p14="http://schemas.microsoft.com/office/powerpoint/2010/main" val="3260861843"/>
               </p:ext>
             </p:extLst>
           </p:nvPr>
